--- a/assets/diagram.pptx
+++ b/assets/diagram.pptx
@@ -5,8 +5,7 @@
     <p:sldMasterId id="2147483648" r:id="rId1"/>
   </p:sldMasterIdLst>
   <p:sldIdLst>
-    <p:sldId id="307" r:id="rId2"/>
-    <p:sldId id="308" r:id="rId3"/>
+    <p:sldId id="308" r:id="rId2"/>
   </p:sldIdLst>
   <p:sldSz cx="12192000" cy="6858000"/>
   <p:notesSz cx="6858000" cy="9144000"/>
@@ -140,15 +139,15 @@
           <inkml:channelProperty channel="F" name="resolution" value="0" units="1/dev"/>
         </inkml:channelProperties>
       </inkml:inkSource>
-      <inkml:timestamp xml:id="ts0" timeString="2024-04-18T09:25:37.112"/>
+      <inkml:timestamp xml:id="ts0" timeString="2024-04-19T14:04:16.712"/>
     </inkml:context>
     <inkml:brush xml:id="br0">
-      <inkml:brushProperty name="width" value="0.05" units="cm"/>
-      <inkml:brushProperty name="height" value="0.05" units="cm"/>
-      <inkml:brushProperty name="color" value="#E71224"/>
+      <inkml:brushProperty name="width" value="0.1" units="cm"/>
+      <inkml:brushProperty name="height" value="0.1" units="cm"/>
+      <inkml:brushProperty name="color" value="#66CC00"/>
     </inkml:brush>
   </inkml:definitions>
-  <inkml:trace contextRef="#ctx0" brushRef="#br0">0 3558 24575,'35'0'0,"7"0"0,15 0 0,14 0 0,-5 0 0,3 0 0,-7 0 0,-5 0 0,8 0 0,0 0 0,1 0 0,-3 0 0,-5 0 0,-7 0 0,4 0 0,0 2 0,0 4 0,-1 1 0,-4 2 0,0 0 0,-6-1 0,-1 1 0,-1-2 0,3 1 0,1-1 0,0 2 0,1-2 0,0-3 0,13 3 0,-1 0 0,16 4 0,0 0 0,2 0 0,4-1 0,-6 0 0,10 4 0,1 1 0,3 0 0,-4-2 0,-5-2 0,-9 0 0,-7-3 0,-3 1 0,-4 1 0,-1 0 0,-2 0 0,-7-2 0,0 0 0,5-2 0,5 3 0,9-2 0,4-2 0,3-1 0,-1-1 0,1 1 0,-4 0 0,-2 2 0,-5-1 0,-2-1 0,-6 0 0,-5-1 0,-2 2 0,-4 0 0,6 0 0,0-2 0,2-2 0,0-1 0,1 0 0,0 0 0,0 0 0,-1 0 0,-2 0 0,-6 0 0,-5 0 0,0 0 0,-1 0 0,3-1 0,0-4 0,-4-1 0,-1-2 0,-2 0 0,-5 2 0,-4 0 0,-7 2 0,-7 2 0,-3-1 0,-1 1 0,0 0 0,1-1 0,0-2 0,0-2 0,1-2 0,2-3 0,3-6 0,3-1 0,7-7 0,6-5 0,3-2 0,2-7 0,-4 4 0,-1 0 0,-2 0 0,3 0 0,1-6 0,-1-4 0,-1-3 0,-3-2 0,-1-4 0,-3-2 0,-1-5 0,-4-3 0,5-19 0,-3-2 0,0 2 0,-4 4 0,-8 17 0,0-7 0,-2-6 0,0 2 0,-2 6 0,-2 6 0,-1 9 0,0 4 0,0 3 0,0 5 0,0 0 0,0 2 0,0 0 0,0-4 0,0-6 0,0-6 0,-3-5 0,-3-2 0,-4 4 0,-2 2 0,2 4 0,1 1 0,0 5 0,3 11 0,-1 4 0,2 6 0,0-1 0,0-3 0,0-1 0,-4-7 0,0-3 0,0-2 0,0-3 0,3 1 0,-1-3 0,-2-2 0,2-1 0,0 8 0,2 3 0,0 0 0,-1-5 0,0-6 0,0-2 0,3 5 0,0 7 0,2 2 0,-1 5 0,-1 3 0,0 4 0,1 2 0,2 2 0,0 0 0,0-3 0,0-2 0,0-6 0,-3-7 0,0 0 0,0 1 0,0 1 0,2 7 0,1 4 0,0 6 0,0 5 0,0 5 0,0 2 0,-1 4 0,-1 2 0,1 4 0,-8 7 0,-4 6 0,-6 6 0,-3 4 0,4 1 0,0 3 0,-1 0 0,-6 5 0,0 0 0,0-1 0,0-2 0,4-3 0,1-4 0,0-1 0,4-6 0,1-3 0,2-1 0,4-2 0,0-1 0,2 0 0,1-3 0,-2 1 0,1 0 0,0 1 0,-1-2 0,3-1 0,1 0 0,1 0 0,2 1 0,-3 0 0,0 0 0,-2 1 0,1 1 0,-1-1 0,2 0 0,2 1 0,-1-3 0,0 0 0,1-1 0,1 0 0,0 1 0,-1 0 0,-1 0 0,-1-2 0,4-5 0,2-4 0,4-5 0,2 0 0,7-3 0,1 0 0,1-3 0,1 2 0,-5 4 0,1-1 0,-1 1 0,1 0 0,1-1 0,-2 1 0,0 2 0,-2-1 0,-2 1 0,3 0 0,-2 1 0,1 0 0,1 0 0,-2 0 0,1-1 0,-1 2 0,-2-1 0,-1 1 0,0 0 0,-1 1 0,-1 1 0,-1 1 0,-1-1 0,-1-2 0,2 1 0,1-4 0,1 0 0,0-2 0,-1-1 0,1 1 0,0-1 0,2 0 0,-1 0 0,0 2 0,0 0 0,0 0 0,1 0 0,0-2 0,-1 0 0,-1 4 0,-1 1 0,-3 2 0,-1 1 0,1-2 0,-1 1 0,1 0 0,0 1 0,0 0 0,0-1 0,1 1 0,0-2 0,1 0 0,0 0 0,1 1 0,-2-1 0,2 1 0,-1-1 0,2 0 0,1 0 0,0-1 0,0 1 0,1-1 0,-3 1 0,0 2 0,-1-1 0,0 2 0,0 2 0,1 1 0,0 1 0,1 0 0,0 1 0,2 2 0,5 5 0,8 6 0,8 7 0,5 7 0,5 3 0,2 3 0,-5-5 0,-4-3 0,-10-2 0,-4-4 0,0-1 0,-2-2 0,-2-2 0,-3-3 0,-2-2 0,-1 0 0,0 1 0,1 2 0,-1-1 0,0-1 0,1-1 0,0 1 0,1 0 0,2 2 0,1 2 0,0 1 0,1 0 0,2 0 0,0 3 0,1 1 0,0 2 0,-1-1 0,-2-5 0,-2-5 0,-4-2 0,-2-3 0,0 0 0,1 0 0,-1-1 0,-3 0 0,-2-4 0,-7-3 0,3 0 0,-3-1 0</inkml:trace>
+  <inkml:trace contextRef="#ctx0" brushRef="#br0">607 1 24575,'0'24'0,"0"9"0,0 28 0,0 16 0,0 7 0,0-7 0,0-17 0,0-8 0,0-9 0,0 2 0,0 0 0,0-6 0,0 4 0,0-7 0,0-1 0,0 3 0,0-4 0,0 2 0,0-2 0,0 0 0,0 4 0,0 3 0,0 2 0,0-3 0,0 0 0,0-4 0,0-1 0,0 3 0,0-2 0,0 1 0,0 0 0,0-5 0,0 1 0,0-4 0,0 1 0,0 6 0,0-1 0,0 3 0,0 1 0,0 1 0,0 0 0,0-2 0,0-4 0,0-1 0,0-3 0,0-4 0,0-1 0,0-4 0,0 3 0,0 0 0,0 0 0,3 2 0,0-1 0,0 0 0,2-1 0,-1 0 0,-1-3 0,-1 0 0,0-3 0,0-1 0,0 3 0,1-1 0,-3 1 0,0-2 0,3-1 0,0 4 0,0 0 0,0 3 0,-3 0 0,3 4 0,1 0 0,0 1 0,-1 0 0,-1-3 0,0 0 0,2-3 0,-2-2 0,-1-2 0,-1-4 0,0-2 0,0-3 0,0 0 0,-2-5 0,-2-5 0,-5-5 0,-16-11 0,-16-8 0,-11-5 0,-2-3 0,11 7 0,5 3 0,1 3 0,1 1 0,1-2 0,8 6 0,4 1 0,4 4 0,4 0 0,-1-2 0,1 0 0,2 1 0,1 0 0,3 4 0,1 0 0,0-1 0,-4 0 0,-2-3 0,1 1 0,-1 1 0,4 1 0,-1 1 0,1-1 0,0 1 0,0 1 0,1-1 0,1 0 0,0-3 0,2 3 0,12 4 0,13 9 0,20 11 0,16 14 0,9 6 0,3 1-677,-3 3 677,-9-8 0,-5-4 0,-8-3 0,-5-7 0,-8-3 0,-8-3 0,-6-2 677,-4-4-677,0-2 0,-2-4 0,-1 1 0,-2 1 0,0 1 0,0 1 0,3 0 0,3 1 0,-1 2 0,0-1 0,-1 1 0,-1-1 0,1 2 0,-1-1 0,1-1 0,0 0 0,0-3 0,-2 0 0,-3-1 0,-1-5 0,3-9 0,11-13 0,15-14 0,10-10 0,2-1 0,-2 3 0,-7 10 0,-5 3 0,-2 6 0,-8 5 0,-3 5 0,-3 4 0,0 2 0,0 2 0,2-1 0,-2 2 0,0-1 0,-2-1 0,0 2 0,1 1 0,0 0 0,-1 0 0,-5 1 0,-1 0 0,-2-1 0,-1-1 0,5-2 0,3-5 0,2 0 0,1-1 0,-1 2 0,0 2 0,-2 2 0,-3 2 0,-2 1 0,-3 3 0,-2 1 0</inkml:trace>
 </inkml:ink>
 </file>
 
@@ -168,15 +167,15 @@
           <inkml:channelProperty channel="F" name="resolution" value="0" units="1/dev"/>
         </inkml:channelProperties>
       </inkml:inkSource>
-      <inkml:timestamp xml:id="ts0" timeString="2024-04-18T09:26:42.410"/>
+      <inkml:timestamp xml:id="ts0" timeString="2024-04-19T14:52:08.694"/>
     </inkml:context>
     <inkml:brush xml:id="br0">
-      <inkml:brushProperty name="width" value="0.05" units="cm"/>
-      <inkml:brushProperty name="height" value="0.05" units="cm"/>
-      <inkml:brushProperty name="color" value="#E71224"/>
+      <inkml:brushProperty name="width" value="0.1" units="cm"/>
+      <inkml:brushProperty name="height" value="0.1" units="cm"/>
+      <inkml:brushProperty name="color" value="#66CC00"/>
     </inkml:brush>
   </inkml:definitions>
-  <inkml:trace contextRef="#ctx0" brushRef="#br0">1 183 24575,'16'0'0,"23"0"0,38 0-1526,-16 0 1,5 0 1525,8 0 0,6 0-1198,-8 0 1,4 0 0,3 0 1197,9 0 0,4 0 0,2 0-537,-14 0 0,2 0 1,1 0-1,0 0 537,1 0 0,-1 0 0,1 0 0,-2 0 0,18 0 0,-2 0 0,0 0 0,-1 0 0,1 0 0,-3 0 0,-12 0 0,-1 0 0,2 0 0,-11 0 0,4 0 0,0 0 0,-2 0 0,20 0 0,-1 0 0,0 0 0,-2 0 0,1 0 0,0 0-534,1 0 0,0 0 0,-3 0 534,-10 0 0,-2 0 0,0 0 0,5 0 0,0 0 0,-2 0 0,-6 0 0,-3 0 0,1 0 0,1 0 0,-1 0 0,-1 0 0,-4 1 0,-1 0 0,-1 1-131,30 4 1,-1 2 130,0 2 0,-3 1 0,-18 1 0,-1 0 0,4 1 0,-1-2 0,-11-3 0,-1 0 0,-1 0 0,1 1 817,4-1 1,-1 0-818,-6 0 0,0 1 0,9 0 0,1 0 0,2-1 0,1 0 997,6 0 0,1-1-997,5-1 0,2 0 0,5-3 0,1 1 8,-27-1 0,0 1 1,1-1-9,0 0 0,0-1 0,0 0 0,-1 0 0,0 0 0,-2 0 0,25 1 0,-3-1 0,-8-2 0,-2 0 199,-3 2 1,-1 0-200,-1 0 0,0 0 0,2 0 0,2 1 0,-3-1 0,1 0 0,1-1 0,0-1 0,1 1 0,1-1 0,2 0 0,0 0 0,-2 0 0,0 0 0,-1 0 0,-3 0 0,-8 0 0,-2 0 0,-3 0 0,-3 0 0,41 0 0,1 0 0,-41 0 0,2 0 0,1 0 0,3 0 0,11 0 0,1 0 0,3 0 0,2 0-588,11-3 0,4-3 588,-26 0 0,1-1 0,1-1-360,6-2 1,2-2-1,0 0 360,6-3 0,0-1 0,2 0-326,3 1 1,1 1 0,1-1 325,3 0 0,0 0 0,1 0 0,-24 5 0,1 0 0,-1 1 0,1-1 0,23-1 0,1 0 0,-3 1 0,-9 0 0,-1 0 0,-2 2 0,-4 1 0,0 1 0,-2 1-269,-4 0 0,-2-1 0,1 1 269,-2 0 0,0 0 0,1 0 85,2 0 1,0-1-1,1 0-85,1-1 0,1 0 0,0-1 0,2 1 0,0-1 0,0 0-91,1 1 0,0 1 0,1 0 91,5 1 0,-1 0 0,1 2 0,-5 0 0,0 0 0,0 2 270,-2 0 0,-1 1 0,0 0-270,-3 0 0,0 0 0,-3-1 0,27 1 0,-4 0 0,-9 0 0,-4 0 0,-9 0 0,-2 0 509,-3 0 1,0 0-510,-2 0 0,1 0 0,4 0 0,1 0 0,2 0 0,0 0 0,1 2 0,0 0 0,1 0 0,-1 1 0,-7-1 0,-1 1 0,-2 1 0,1 0 0,7-1 0,2 0 210,0 1 1,1 2-211,7 0 0,-1 1 0,-8-1 0,-2 0 0,-10 2 0,-1 1 1388,-4-2 0,-2 1-1388,-3-1 0,0 1 0,1 0 0,1 0 0,-3 1 0,0-1 0,-1 0 0,0 0 0,37 8 2474,-16-2-2474,-19-1 1163,-15-4-1163,-10-2 1680,-11-2-1680,-4-3 312,-3 0-312,-4 0 0,0-1 0,-1 1 0,2 1 0,3 0 0,7 4 0,6 2 0,3 2 0,6 2 0,2 4 0,10 5 0,9 2 0,4 5 0,3 5 0,-6 1 0,-1 2 0,-4 0 0,-3 3 0,-1 5 0,-5-3 0,-4-4 0,-3-4 0,-5-4 0,-5-4 0,-2 4 0,-5-4 0,0 6 0,1 9 0,-2 2 0,-1 7 0,1 5 0,-4 6 0,-3 5 0,-3 10 0,-4 0 0,0-6 0,0-3 0,0-5 0,0-1 0,0 1 0,0-5 0,0 0 0,0-2 0,0-3 0,0-1 0,-3-5 0,-3 3 0,-1-7 0,-1-3 0,0-4 0,1 2 0,-2 6 0,0 2 0,0 5 0,-1 1 0,0 0 0,4 1 0,0-1 0,-1-1 0,0-5 0,1-5 0,2-10 0,2-5 0,0-3 0,0-2 0,1 3 0,1 0 0,-1-1 0,1 3 0,0-3 0,0 4 0,0 2 0,0-3 0,0 3 0,0-3 0,0-1 0,0 7 0,0 3 0,0 6 0,0 4 0,0-2 0,0 4 0,0-5 0,0 2 0,0-1 0,0-5 0,0-4 0,0-8 0,0-1 0,0-2 0,0 1 0,0 1 0,0 2 0,2 3 0,1 2 0,2 2 0,0 0 0,0-5 0,-1-6 0,-2-6 0,1-4 0,-1 0 0,0-1 0,0-1 0,-1-1 0,1 1 0,0 0 0,-1 0 0,0 0 0,-1 0 0,0-2 0,0 1 0,0 4 0,0-1 0,0 1 0,0 0 0,0 3 0,0 4 0,0 2 0,0-1 0,0-5 0,0-2 0,0-4 0,1-2 0,1 0 0,0-2 0,0 1 0,-4-3 0,-5-3 0,-10-10 0,-20-17 0,-2-8 0,-4-5-458,-3-4 0,0-1 458,-3-1 0,1-1 0,4 4 0,3 4 0,-11-10 0,-3 0 0,10 8 0,5 7 0,7 5 0,7 6 916,3 4-916,4 1 0,3 3 0,3 2 0,4 3 0,4 3 0,1 1 0,0 0 0,2-1 0,2 4 0,11 10 0,8 8 0,7 6 0,5 6 0,2 1 0,4 2 0,5 2 0,6-1 0,-3-4 0,-1-3 0,-7-4 0,-10-7 0,-3-1 0,-8-2 0,-3-3 0,-3-1 0,-4 0 0,0-1 0,0 0 0,0 1 0,-1 0 0,1 2 0,-2 1 0,1 2 0,-1 3 0,-1 0 0,1 3 0,0 0 0,0-3 0,0 0 0,-1-2 0,1-2 0,-1 2 0,3-2 0,-1 0 0,0-1 0,1-1 0,0 1 0,1 0 0,1 0 0,2 0 0,0 0 0,1 1 0,-2-2 0,-3 0 0,1-3 0,-1-1 0,1-1 0,1-1 0,-1-3 0,0 0 0,-1 0 0,0 0 0,0 0 0,0 0 0,1 0 0,0 0 0,0 0 0,0 0 0,1-1 0,-1-3 0,0-1 0,0-2 0,-1 0 0,2-1 0,5-3 0,10-9 0,5-4 0,6-4 0,2-5 0,3-1 0,1-3 0,2-2 0,5 0 0,0-1 0,4 0 0,-2 0 0,1 0 0,0-4 0,2 1 0,-5 2 0,-4 5 0,-9 7 0,-6 6 0,-8 8 0,-6 5 0,-4 4 0,-3 3 0,-4 1 0,0 0 0</inkml:trace>
+  <inkml:trace contextRef="#ctx0" brushRef="#br0">517 0 24575,'0'19'0,"0"-1"0,0 3 0,0 0 0,0 1 0,0 5 0,0 1 0,0-2 0,0-3 0,0-1 0,0 4 0,0-3 0,0 2 0,0-4 0,0 0 0,0 3 0,0 1 0,0 4 0,0 0 0,0 0 0,0 0 0,0 1 0,0-1 0,-4-3 0,-1-5 0,0-3 0,1 0 0,3-2 0,-1 1 0,0-1 0,-1 1 0,0 1 0,1 0 0,-2-1 0,2-2 0,0 1 0,0-3 0,0 2 0,-1-2 0,1 0 0,0 0 0,2-1 0,0 0 0,0-1 0,0 2 0,0 1 0,0 0 0,0 1 0,0 0 0,0-1 0,0 0 0,0 1 0,0-3 0,0 2 0,0-3 0,0 0 0,0 3 0,0 1 0,0 0 0,0 1 0,0-1 0,0-1 0,0 1 0,0-3 0,0 1 0,0-2 0,-1-1 0,-1 0 0,0-1 0,0 3 0,2 2 0,0 1 0,0 3 0,-2 0 0,-1 0 0,1 0 0,0 0 0,2 0 0,0-2 0,-1-1 0,1 3 0,0-1 0,0 2 0,-1 0 0,-1-4 0,-1-2 0,1-1 0,2-1 0,0 0 0,-1 1 0,1-2 0,0-1 0,0 0 0,0-3 0,0 0 0,0 1 0,0 0 0,0 1 0,-1-1 0,-1 0 0,0 0 0,0 1 0,2-1 0,0-1 0,0 2 0,0 0 0,0 3 0,0 3 0,0 1 0,0 3 0,0-2 0,0 0 0,0-3 0,0 0 0,0-1 0,0-1 0,0-3 0,0-1 0,0-1 0,0 0 0,0 1 0,0 1 0,0-1 0,0 2 0,0-1 0,-1-3 0,-2 0 0,-2-3 0,-1-1 0,-1-1 0,1-2 0,-3-3 0,-1-3 0,0-4 0,-2-3 0,-1 0 0,0-1 0,-1 0 0,1 1 0,-1-1 0,-1-2 0,-1 0 0,2 0 0,0-1 0,-2 1 0,0-1 0,-2 1 0,2 0 0,0-3 0,1 1 0,1 1 0,-1 2 0,2 3 0,-1 1 0,3 0 0,-2-1 0,2 3 0,0 1 0,1 1 0,4 2 0,0-1 0,2 2 0,-1 0 0,0 2 0,2 2 0,16 15 0,3 2 0,11 9 0,5 5 0,-2-3 0,3 4 0,2 2 0,-8-7 0,2-1 0,-6-6 0,-4-4 0,-4-1 0,-3-1 0,-2-3 0,-2 0 0,-2-3 0,1 0 0,0 2 0,0-2 0,-1-1 0,-1-1 0,-2-1 0,0 2 0,0 0 0,0 0 0,2 0 0,-1 0 0,1 1 0,0 0 0,-2 0 0,2 1 0,0 4 0,1-2 0,-1-1 0,0-9 0,4-6 0,7-5 0,6-3 0,10-8 0,7-7 0,6-2 0,4-4 0,-9 7 0,-8 6 0,-3 1 0,-3 4 0,2 0 0,-2 0 0,-3 1 0,-1 2 0,-2 1 0,-4 2 0,0 3 0,-3 1 0,-2 0 0,-2 2 0,-1 1 0,0 0 0,1 0 0,0-2 0,-1 1 0,0 1 0,-1 0 0,1 3 0,-2-2 0,-1 2 0,-3 0 0,0 1 0</inkml:trace>
 </inkml:ink>
 </file>
 
@@ -196,15 +195,15 @@
           <inkml:channelProperty channel="F" name="resolution" value="0" units="1/dev"/>
         </inkml:channelProperties>
       </inkml:inkSource>
-      <inkml:timestamp xml:id="ts0" timeString="2024-04-18T09:26:54.584"/>
+      <inkml:timestamp xml:id="ts0" timeString="2024-04-19T14:53:18.456"/>
     </inkml:context>
     <inkml:brush xml:id="br0">
-      <inkml:brushProperty name="width" value="0.05" units="cm"/>
-      <inkml:brushProperty name="height" value="0.05" units="cm"/>
-      <inkml:brushProperty name="color" value="#E71224"/>
+      <inkml:brushProperty name="width" value="0.1" units="cm"/>
+      <inkml:brushProperty name="height" value="0.1" units="cm"/>
+      <inkml:brushProperty name="color" value="#FF0066"/>
     </inkml:brush>
   </inkml:definitions>
-  <inkml:trace contextRef="#ctx0" brushRef="#br0">623 1 24575,'0'11'0,"0"12"0,0 4 0,0 4 0,0 0 0,0-4 0,0 18 0,0 8 0,0 10 0,0-4 0,0-7 0,0-6 0,0-1 0,0 4 0,0-6 0,0 5 0,0-6 0,0 3 0,0 1 0,0 1 0,0 3 0,0 1 0,0-1 0,0 0 0,0 0 0,0-5 0,0-3 0,0 1 0,0 2 0,0 5 0,0 0 0,0 1 0,0 0 0,0 0 0,0 1 0,0-1 0,0-1 0,0-8 0,0-3 0,0-4 0,0-5 0,0 2 0,0-3 0,0 1 0,0 0 0,2-1 0,0-2 0,1-4 0,0-1 0,-3-4 0,0 0 0,0-2 0,1-1 0,1 0 0,0 1 0,2 5 0,-1 3 0,0 2 0,0-1 0,-1-3 0,1-3 0,-1-3 0,0-3 0,-2-3 0,0-2 0,0 1 0,0 2 0,0 2 0,0 2 0,0 2 0,0 1 0,0-2 0,0-1 0,0-2 0,0-2 0,0-1 0,0-3 0,0 0 0,0 0 0,0-1 0,0 0 0,0 0 0,0 1 0,0 3 0,0 6 0,0 4 0,0 3 0,0-4 0,0-2 0,0-4 0,0 1 0,0-2 0,0 1 0,0 2 0,0-2 0,0 2 0,0 3 0,0 0 0,-2 4 0,0-1 0,0-4 0,-2-3 0,2-3 0,0-2 0,-1-2 0,-1-1 0,0-2 0,-3-3 0,1-2 0,-1-5 0,-2-5 0,-2-1 0,-5-4 0,-2 0 0,-2 1 0,-2-2 0,0-3 0,-5-2 0,-4-6 0,-3-1 0,-2-1 0,3-2 0,1 2 0,3-1 0,4 4 0,3 4 0,6 4 0,0 4 0,1 0 0,-1-1 0,-2-2 0,0 0 0,0-1 0,-1 1 0,0-4 0,-1 2 0,3 0 0,3 3 0,4 7 0,3 1 0,3 4 0,9 3 0,15 11 0,11 10 0,10 8 0,2 5 0,-4-2 0,0-3 0,-4-1 0,-5-3 0,-3-5 0,-6-1 0,-3-4 0,-3-1 0,-2-1 0,0 0 0,1 3 0,3 1 0,-1 1 0,-1-1 0,-1 1 0,0-2 0,-1 1 0,-1-1 0,0-3 0,-1 2 0,0-3 0,-2 0 0,-2-1 0,-1-3 0,0 0 0,1 1 0,0 0 0,1 1 0,-1-1 0,0 0 0,1 1 0,-1-1 0,0 0 0,1 0 0,-2 0 0,0-1 0,-1 0 0,-1 0 0,2 1 0,-2 1 0,0-1 0,-1 0 0,-1-2 0,1-2 0,2-6 0,0-4 0,13-14 0,9-10 0,19-18 0,13-14 0,-5 8 0,12-15-1719,-7 8 1719,-4 3 0,1-1-73,-10 11 73,6-4 0,4-2 0,-2 6 0,-5 5 0,-7 7 0,-5 8 0,-5 3 0,-5 5 1712,-5 4-1712,-4 3 0,-3 4 0,-4 2 80,-2 2-80,-3 1 0,0 0 0,2 1 0,-4 1 0,-1 1 0</inkml:trace>
+  <inkml:trace contextRef="#ctx0" brushRef="#br0">1 1 24575,'15'0'0,"6"0"0,2 0 0,2 0 0,-3 0 0,-1 0 0,0 0 0,1 0 0,0 0 0,-3 0 0,-2 0 0,0 0 0,-4 0 0,1 0 0,-1 0 0,-2 0 0,1 0 0,-2 0 0,3 0 0,-1 0 0,-1 0 0,-1 0 0,-1 0 0,1 0 0,1 0 0,0 0 0,-1 0 0,-2 0 0,-1 1 0,1 1 0,-1 0 0,1 1 0,-1-1 0,0 1 0,-1 1 0,0-1 0,1 1 0,-1 0 0,1 1 0,2 0 0,1 0 0,3 1 0,2 0 0,-2 1 0,2 1 0,-2 0 0,-3-1 0,1-1 0,-2-1 0,0 0 0,-1 0 0,-1 2 0,1 0 0,-1 1 0,1-1 0,0 3 0,-1 0 0,2 3 0,-1 1 0,-1-2 0,0 2 0,1-2 0,-1 2 0,0 2 0,0 0 0,-3-1 0,1 1 0,-1 3 0,0 2 0,1 1 0,-1 0 0,1-1 0,-3-1 0,2-1 0,-2 1 0,0-1 0,1 3 0,0-1 0,0 1 0,-1 1 0,0 2 0,1 4 0,0 0 0,0 3 0,-3 0 0,1-4 0,1 0 0,1 2 0,-1 3 0,-1 4 0,-1 0 0,1-6 0,-1-2 0,0 0 0,0 1 0,0 2 0,0 0 0,0-3 0,0-4 0,0-2 0,0-1 0,0 3 0,0 1 0,0-3 0,0 0 0,0-1 0,0 0 0,0 4 0,0-1 0,0-3 0,0 2 0,0-4 0,0-1 0,-2-1 0,0-4 0,0 1 0,0 1 0,0-3 0,-1 3 0,1-3 0,-1 0 0,0 2 0,1 1 0,0 1 0,2 1 0,-2-2 0,1-1 0,-2-1 0,1 2 0,1 1 0,1 0 0,0 1 0,0-2 0,-1 2 0,1 0 0,0 0 0,0 0 0,0-2 0,0-2 0,-1-1 0,-1 0 0,-1 0 0,1 2 0,2-2 0,0 0 0,-1 0 0,1-3 0,0 0 0,0-2 0,0 0 0,0-2 0,0 0 0,0 0 0,0 1 0,0 0 0,0 0 0,0 0 0,0 0 0,0 1 0,0-1 0,0 0 0,0 0 0,0 0 0,0-1 0,0 0 0,0 0 0,0 2 0,0-1 0,0 0 0,1 0 0,1 3 0,2 0 0,-1 0 0,1 0 0,1-3 0,-1 0 0,0 0 0,-1-1 0,0 0 0,2 3 0,1 0 0,1 1 0,1 2 0,0-1 0,1 2 0,-1-1 0,0 1 0,0-1 0,-1-2 0,-1-2 0,0-2 0,1 1 0,0 0 0,0 0 0,0 0 0,1 0 0,1-1 0,4 0 0,0 0 0,2 1 0,0 1 0,0-2 0,1 0 0,-1-1 0,3-1 0,1 2 0,3 1 0,-1-2 0,1 2 0,0-2 0,0 0 0,0 0 0,-4-2 0,0 1 0,-2-2 0,-3 1 0,-1-1 0,0-2 0,-1 0 0,0 0 0,-3 0 0,0 0 0,0 0 0,-1 0 0,0 0 0,-4 0 0,-14 0 0,3 0 0,-19 0 0,7 1 0,-1 3 0,0 1 0,4 1 0,2-2 0,-1 1 0,3 0 0,3-1 0,0 0 0,4-2 0,0 1 0,-1 0 0,1 1 0,-1 0 0,-1 1 0,1-1 0,-1 1 0,-1 0 0,0 2 0,-2-1 0,1-1 0,1 0 0,1 0 0,2 2 0,-1-1 0,0 1 0,-2 0 0,1-1 0,0 0 0,1-1 0,-1 1 0,2 1 0,1-1 0,1-2 0,2 1 0,0-1 0,0 2 0,0 1 0,-1 0 0,1 2 0,0 1 0,-1 3 0,0 1 0,1 2 0,-2-1 0,2-2 0,0-1 0,0 2 0,2 0 0,0 1 0,0 0 0,0 1 0,0 0 0,0-1 0,0 1 0,0 0 0,0 1 0,0-1 0,0 0 0,0-1 0,0 3 0,0 3 0,2 3 0,2 1 0,3 0 0,3 1 0,-1 0 0,2 3 0,-1-3 0,0 2 0,-1-5 0,-1-2 0,1 1 0,-1-1 0,0 3 0,0-1 0,-1 2 0,-1-2 0,2 2 0,-1 4 0,2-3 0,1 3 0,-3-1 0,0-3 0,-1 0 0,1-1 0,2-4 0,-2 2 0,-1 0 0,-2-3 0,1 3 0,1-4 0,0 2 0,0-2 0,-1 1 0,-1-2 0,1 1 0,-3-2 0,1-1 0,-1-1 0,3 2 0,-1 2 0,-1 1 0,2 5 0,-2-2 0,0 4 0,0-1 0,-3 1 0,0 2 0,1-2 0,2-1 0,-1-1 0,1-2 0,-2 1 0,1-2 0,0-1 0,0 1 0,0 2 0,0-1 0,1 0 0,-1-1 0,2 1 0,-1 0 0,-1-4 0,0-2 0,-2-1 0,0-1 0,2 2 0,0-3 0,0 0 0,0 2 0,-2 1 0,0 2 0,0 0 0,0 0 0,0 0 0,0-2 0,0 1 0,0 2 0,0 3 0,0 2 0,0 1 0,0 3 0,-1-1 0,-4 1 0,-2-2 0,-3 0 0,0 2 0,-2-2 0,1-3 0,-2-2 0,1-3 0,-1 2 0,-2 0 0,1-1 0,-2-2 0,-10 7 0,3-6 0,-9 4 0,10-10 0,4-3 0,4-1 0,0-2 0,-1-1 0,0-2 0,-1-2 0,3-1 0,0 0 0,0 0 0,2 0 0,1 0 0,-2 0 0,3 0 0,0 0 0,0 0 0,3 0 0,-1 0 0,-1 0 0,1 0 0,-1 0 0,3-2 0,-1 0 0,3-1 0,1-1 0,0-1 0,1 1 0,1 0 0,-2 3 0</inkml:trace>
 </inkml:ink>
 </file>
 
@@ -224,15 +223,15 @@
           <inkml:channelProperty channel="F" name="resolution" value="0" units="1/dev"/>
         </inkml:channelProperties>
       </inkml:inkSource>
-      <inkml:timestamp xml:id="ts0" timeString="2024-04-18T09:27:26.668"/>
+      <inkml:timestamp xml:id="ts0" timeString="2024-04-19T14:53:55.262"/>
     </inkml:context>
     <inkml:brush xml:id="br0">
-      <inkml:brushProperty name="width" value="0.05" units="cm"/>
-      <inkml:brushProperty name="height" value="0.05" units="cm"/>
-      <inkml:brushProperty name="color" value="#E71224"/>
+      <inkml:brushProperty name="width" value="0.1" units="cm"/>
+      <inkml:brushProperty name="height" value="0.1" units="cm"/>
+      <inkml:brushProperty name="color" value="#FF0066"/>
     </inkml:brush>
   </inkml:definitions>
-  <inkml:trace contextRef="#ctx0" brushRef="#br0">582 0 24575,'0'19'0,"0"-1"0,0 3 0,0-3 0,0 4 0,0 3 0,0 15 0,0-2 0,0 8 0,0-7 0,0 0 0,0 3 0,0 1 0,0 0 0,0-1 0,0 0 0,0 0 0,0-1 0,3 1 0,0 2 0,1-6 0,-2 1 0,-2-1 0,0 3 0,0 6 0,0 3 0,0 1 0,0-3 0,0-1 0,0-1 0,0-3 0,0-2 0,3-2 0,0-5 0,1-2 0,-2 2 0,-2 2 0,2 4 0,1 1 0,0 0 0,0-2 0,0 0 0,0-2 0,0-4 0,2 0 0,-2-1 0,0-4 0,-1-1 0,0 0 0,0 1 0,1 4 0,-1-2 0,-1-1 0,1 1 0,1-2 0,0-2 0,-1-4 0,-2-4 0,0 0 0,0-2 0,0 2 0,0 0 0,0 4 0,0 3 0,0 0 0,0 0 0,0 1 0,0-1 0,0-2 0,0-1 0,0-4 0,0 0 0,0-3 0,0-2 0,0-1 0,0 0 0,0 2 0,0 1 0,0 0 0,0 1 0,0 0 0,0 0 0,0-3 0,0 5 0,0 1 0,0-2 0,0 1 0,0-4 0,0 0 0,0-1 0,0-2 0,0-1 0,0-2 0,0-1 0,-1-1 0,-2-2 0,-3-3 0,-5-3 0,-5-4 0,-17-8 0,-8-8 0,-9-3 0,-4-6 0,5 2 0,1-1 0,3 1 0,3 2 0,2-2 0,1 1 0,6 3 0,5 3 0,4 2 0,6 3 0,2 3 0,3 3 0,2 3 0,1 0 0,4 0 0,1 1 0,0 1 0,0-1 0,0 1 0,3 2 0,5 4 0,10 4 0,6 5 0,19 11 0,1 0 0,7 5 0,5 1 0,-10-6 0,4 3 0,-7-4 0,-5-2 0,-1-3 0,-4 0 0,-5-3 0,-3 0 0,-1-1 0,0-2 0,1 3 0,-4 0 0,1 1 0,-1-1 0,3 0 0,-1 1 0,-2-1 0,-1 0 0,-1-3 0,-1-1 0,-2 0 0,-1 0 0,-1 0 0,1 1 0,0-2 0,-2-1 0,-1-1 0,1 0 0,-1 0 0,1 0 0,-1-1 0,0 1 0,-1-1 0,1 1 0,-1-1 0,5-6 0,12-7 0,18-16 0,18-17 0,18-12-1165,3-4 1165,-9 8 0,-4 4-271,-3 0 271,2-2 0,0-3 0,-12 8 0,-13 10 0,-11 10 0,-9 10 1148,-7 5-1148,-5 4 72,-2 2 0,-3 2 0,-2 0 0</inkml:trace>
+  <inkml:trace contextRef="#ctx0" brushRef="#br0">0 95 24575,'18'0'0,"4"0"0,11 0 0,10 0 0,1 0 0,12 0 0,-6 0 0,-4 0 0,-3 0 0,-13 0 0,2 0 0,-2 0 0,-3 0 0,-4 0 0,-5 0 0,0 0 0,-2 0 0,2 0 0,-2 0 0,-1 0 0,3 0 0,0-2 0,3 0 0,1-1 0,-1 1 0,1 2 0,0 0 0,0 0 0,-1 0 0,-1-2 0,-1-1 0,0 1 0,-1 0 0,4 0 0,3-1 0,0 1 0,0-1 0,1 3 0,1-1 0,-1 1 0,3 0 0,-4 0 0,5 0 0,-1 0 0,-4 0 0,1 0 0,-1 0 0,5 0 0,2-2 0,1 0 0,1 0 0,1 0 0,0 1 0,-1 1 0,0 0 0,-1 0 0,1 0 0,-2 0 0,1 0 0,-2 0 0,2 0 0,1 0 0,-2 0 0,2 0 0,-3 0 0,-1 0 0,4 0 0,0 0 0,4 0 0,-1 0 0,-4 0 0,3 0 0,5 0 0,7 0 0,14 0 0,8 0 0,4 0 0,9 0 0,4 0 0,1 0 0,9 0 0,-5 0 0,-10 0 0,1 0 0,-5 0 0,3 0 0,9 0 0,-3 0 0,-1 0 0,6 0 0,3 0 0,-1 0 0,6 0 0,0 0-1641,5 0 1641,-8 0 0,-5 0 0,-6 0 0,2 0 0,14 0 0,-2 0 0,6 0-366,-45-2 0,1 0 366,56-3 0,-58 2 0,0 1 0,6-3 0,-1 1 0,-4 1 0,0 0 0,-2 1 0,0-1 0,46-4-246,-14 4 246,4-2 0,15 1 0,6 2 357,-52 2 1,1 0-358,-4-1 0,0 1 0,6 0 0,1 0 0,0 0 0,0 0 0,-8 0 0,0 0 0,9 0 0,1 0 0,-4 0 0,0 0 0,-3 0 0,0 0 0,4 0 0,-1 0 0,43 0 0,0 0 0,-50 0 0,3 0 0,8 0 0,3 0 0,6 0 0,1 0 0,-5 0 0,-1 0 0,-4 0 0,-3 0 0,-6 0 0,-2 0 0,2 1 0,0 1 0,7 0 0,2 1 0,4-1 0,-1 0 0,-7 1 0,-2-1 0,0 0 0,-2-1 0,55 6 0,-56-3 0,0 0 0,2 0 0,0 0-214,0 0 0,-1 0 214,-2 0 0,-1-1 0,57 5 0,-55-5 0,0 2 0,51 6 0,-9-3 0,-9 0 733,-15-5-733,-9 0 0,-12 0 261,-11 1-261,-5-1 866,-4-2-866,2 2 472,-1 2-472,-2 0 0,-6-2 0,-4 1 0,-4-1 0,2 2 0,1 0 0,-1 0 0,3 2 0,-4-1 0,1 3 0,4 1 0,-1 2 0,4 3 0,2 2 0,-3 1 0,2 2 0,1 1 0,-2-1 0,1-1 0,-4-3 0,-5-2 0,-2-1 0,-1 1 0,1-2 0,4 3 0,-3-1 0,-4-1 0,0 3 0,0-2 0,0 1 0,0 1 0,0 3 0,0 2 0,4 2 0,2 1 0,0 2 0,0 4 0,-2 0 0,-4-2 0,-1-1 0,-1-4 0,-2-1 0,-1-3 0,-3-2 0,-1-2 0,0 0 0,0 0 0,0 3 0,-1 3 0,2 2 0,0 2 0,1 4 0,-1-3 0,1 0 0,-2-4 0,-2-3 0,-3 0 0,1 2 0,0 1 0,-2 2 0,0 1 0,-1-1 0,1 1 0,2 1 0,0-1 0,-1-1 0,-2-3 0,2-1 0,-2-2 0,0 4 0,0 0 0,-3 0 0,2 2 0,2-4 0,-1 1 0,0 3 0,-3 2 0,0 4 0,0 2 0,0 1 0,0 0 0,0-3 0,0 0 0,0-5 0,0 0 0,0-2 0,0-1 0,0-1 0,0 1 0,0 4 0,0 3 0,0 3 0,0-2 0,0-1 0,0 4 0,0 2 0,0 2 0,0-2 0,0 1 0,0-3 0,0-1 0,0 0 0,0-4 0,0 5 0,0-1 0,0 1 0,0 4 0,0 0 0,0 4 0,0 4 0,0-2 0,0 1 0,0-4 0,0-4 0,0 0 0,0 0 0,0 1 0,0 1 0,0 2 0,0-2 0,0 4 0,0 4 0,0-3 0,0 2 0,0 4 0,0-3 0,0 2 0,0 3 0,0-3 0,0 7 0,0 0 0,0-2 0,0-3 0,0-6 0,0-7 0,0-3 0,0-7 0,0-6 0,0-5 0,0-3 0,0 1 0,0-1 0,0 2 0,0 1 0,0 1 0,0 2 0,0 2 0,2 1 0,1 3 0,0 3 0,-1 4 0,-2 2 0,2-2 0,1-1 0,0-2 0,0 3 0,-3 1 0,3 0 0,1 0 0,-1 0 0,0 0 0,-3 0 0,0-4 0,0-5 0,0-5 0,0-3 0,0-1 0,0-1 0,0 4 0,0 0 0,0 2 0,0 1 0,0-2 0,0 2 0,0 5 0,0 2 0,0 4 0,0-5 0,0-3 0,0 0 0,0 2 0,0 4 0,0 2 0,0 8 0,0 7 0,0 4 0,0 9 0,0 1 0,0 5 0,0-5 0,0-4 0,0-6 0,0-2 0,0 2 0,0-7 0,0-7 0,0-9 0,0-6 0,0-5 0,0-3 0,0-4 0,0 0 0,0-3 0,0 0 0,0-1 0,0 0 0,0 0 0,0 1 0,0 0 0,0 3 0,0 0 0,0 0 0,0-1 0,0-1 0,0-1 0,0-1 0,0 0 0,0 1 0,-2-3 0,1-3 0,-7-4 0,0-4 0,-5-1 0,3 0 0,1 1 0,1 2 0,1 0 0,-1-1 0,-3-2 0,-1 1 0,-1-1 0,1-2 0,3-1 0,-1-1 0,2 0 0,-1 1 0,1 0 0,0 0 0,-2-1 0,1 2 0,2 0 0,0 2 0,2 0 0,0 2 0,0 1 0,2 1 0,-5-6 0,0-1 0,-3-3 0,0 2 0,1 0 0,1 1 0,-1 0 0,3 2 0,1 1 0,1 2 0,2 1 0,-2 0 0,0 1 0,0-2 0,0-1 0,1 0 0,-3 0 0,0-3 0,-2 0 0,2-3 0,0 1 0,0-1 0,0 1 0,-1 2 0,1 2 0,2 0 0,0-1 0,0-1 0,-1 0 0,-1 0 0,-2 0 0,0 1 0,1 0 0,-1-1 0,0 0 0,-1-2 0,2 0 0,-1 1 0,1 0 0,-1 0 0,1-2 0,1 2 0,0 1 0,-1 0 0,-1 1 0,2 1 0,0 0 0,1 2 0,0 0 0,0 0 0,1-1 0,-1 2 0,1-1 0,-1 2 0,2 3 0,2 2 0,0 3 0,2 2 0,0 0 0,1 0 0,3 0 0,0 0 0,1 1 0,1 2 0,1 3 0,4 6 0,0 6 0,4 5 0,1 3 0,4 4 0,0-3 0,-2-1 0,1 0 0,-2-6 0,1 2 0,3-2 0,-3-3 0,0 0 0,-5-6 0,-2-4 0,-2-2 0,0-4 0,-3 1 0,0-2 0,-1 0 0,0 0 0,2 0 0,-1 1 0,0-2 0,-2 0 0,0 0 0,2-1 0,-1 2 0,0-2 0,0-1 0,1 2 0,0-1 0,0 1 0,-1 0 0,-1-1 0,0 0 0,1-1 0,1 1 0,0 1 0,1 0 0,0-1 0,-1 1 0,-1-2 0,1 1 0,1-1 0,-1 1 0,0 0 0,1 0 0,0 1 0,1 0 0,3 3 0,1-1 0,4 0 0,0-1 0,0 0 0,-1-1 0,-2-1 0,-1 1 0,-3-3 0,1 0 0,-3 0 0,-3-2 0,2-2 0,8-10 0,7-7 0,9-6 0,-1 0 0,-7 6 0,-5 5 0,-9 7 0,-1 3 0,1 0 0,-2 1 0,1 0 0,-1 0 0,1-1 0,-1 1 0,0-2 0,0 1 0,0-1 0,1 1 0,1-1 0,1-3 0,5-2 0,1-3 0,3-2 0,1 1 0,0-2 0,3 0 0,-1 2 0,-3-2 0,0 1 0,-2 1 0,-2-1 0,2 1 0,-2 0 0,2-2 0,0 2 0,0-1 0,-1 1 0,-2 1 0,0 0 0,-1 2 0,0 1 0,-1 3 0,-1 1 0,-1-2 0,2-1 0,0-1 0,1 0 0,-3 2 0,0 2 0,0 0 0,0 2 0,0 1 0,-3 0 0,0 1 0,-4 0 0,0 0 0</inkml:trace>
 </inkml:ink>
 </file>
 
@@ -252,15 +251,15 @@
           <inkml:channelProperty channel="F" name="resolution" value="0" units="1/dev"/>
         </inkml:channelProperties>
       </inkml:inkSource>
-      <inkml:timestamp xml:id="ts0" timeString="2024-04-18T09:27:29.343"/>
+      <inkml:timestamp xml:id="ts0" timeString="2024-04-19T14:56:07.274"/>
     </inkml:context>
     <inkml:brush xml:id="br0">
-      <inkml:brushProperty name="width" value="0.05" units="cm"/>
-      <inkml:brushProperty name="height" value="0.05" units="cm"/>
-      <inkml:brushProperty name="color" value="#E71224"/>
+      <inkml:brushProperty name="width" value="0.1" units="cm"/>
+      <inkml:brushProperty name="height" value="0.1" units="cm"/>
+      <inkml:brushProperty name="color" value="#FF0066"/>
     </inkml:brush>
   </inkml:definitions>
-  <inkml:trace contextRef="#ctx0" brushRef="#br0">1 433 24575,'20'0'0,"15"0"0,24 0 0,23 0 0,-24 0 0,2 0 0,-5 0 0,-1 0 0,44 0 0,-15 0 0,-35 0 0,5 0 0,-5 0 0,-7 0 0,-2 0 0,0 0 0,-7 0 0,-3 0 0,-3 0 0,-6 0 0,-1 0 0,-1 0 0,-1 0 0,1 0 0,3 0 0,3 0 0,5 0 0,3 0 0,0 0 0,1 0 0,0 0 0,0 0 0,-2 0 0,5 0 0,5 0 0,5 0 0,2 0 0,-4 0 0,-5 0 0,-4 0 0,-1 0 0,0 0 0,-1 0 0,0 0 0,0 0 0,0 0 0,-2 0 0,-2 0 0,-4 0 0,-5 1 0,-4 1 0,-1 0 0,-3-1 0,-2 0 0,-2-1 0,0 0 0,-2 0 0,2 0 0,10 0 0,11 0 0,9 0 0,2 0 0,-4 0 0,-3 0 0,-1 0 0,-6 0 0,-5 0 0,-7 0 0,-5 0 0,-1 0 0,-3 0 0,-7-2 0,-10-2 0,-10-5 0,-10-6 0,-7-5 0,-27-13-275,20 9 1,-2-2 274,0 2 0,0-1 0,-1-1 0,3 2 0,-28-17 0,22 12 0,-1-1 0,6 5 0,6 5 0,1 0 0,8 3 549,9 5-549,8 3 0,6 5 0,6 3 0,10 5 0,11 5 0,18 7 0,14 6 0,20 9 0,3 2 0,4 4 0,6 4 0,0-2 0,-1-2 0,-5-4 0,-4-1 0,-7 0 0,5 2 0,-7-3 0,-8-4 0,-7-2 0,-10-4 0,-8-4 0,-4-4 0,-8-4 0,-7-1 0,-4-2 0,-2-1 0,-2-1 0,-5-2 0,-10-1 0,-8-1 0,-6 4 0,-2 4 0,-4 7 0,-4 4 0,-1 2 0,-1 1 0,2-1 0,-1-1 0,6-2 0,1 1 0,4-2 0,4-2 0,-4 2 0,2 2 0,-4 6 0,-4 2 0,0 1 0,-1 1 0,2-3 0,3-1 0,8-7 0,4-3 0,6-5 0,4-2 0,0-3 0,1 0 0,2-3 0,1-1 0</inkml:trace>
+  <inkml:trace contextRef="#ctx0" brushRef="#br0">1275 0 24575,'-11'0'0,"2"0"0,1 0 0,2 0 0,-2 0 0,0 0 0,-2 0 0,1 0 0,-1 0 0,-3 0 0,-2 0 0,-6 0 0,-1 0 0,-3 0 0,-3 0 0,-1 0 0,3 0 0,-1 0 0,2 0 0,-1 0 0,-4 0 0,0 0 0,0 0 0,1 0 0,2 0 0,4 0 0,1 0 0,4 0 0,0 0 0,2 0 0,1 2 0,-1 1 0,1 3 0,-3 2 0,-3-1 0,-1 0 0,-1 0 0,2 0 0,2 4 0,0 0 0,1 2 0,3 0 0,2-2 0,2 2 0,0-2 0,-2 3 0,2 1 0,0-1 0,1 1 0,1 0 0,0 1 0,2 2 0,0 0 0,2 4 0,3-1 0,-3 4 0,2-1 0,0-2 0,1 3 0,2 0 0,0 2 0,0-1 0,0-1 0,0-2 0,0 3 0,0-1 0,0 1 0,0 1 0,0-1 0,0-1 0,0-1 0,0 1 0,0 1 0,2 2 0,3 1 0,2 1 0,3 2 0,1 1 0,0 0 0,-3-1 0,0 0 0,0-1 0,-1-3 0,0-2 0,0-2 0,-1-1 0,2 2 0,0 0 0,-1 1 0,-1 0 0,0 0 0,2 3 0,-2-3 0,1 2 0,-2-6 0,0 0 0,0-1 0,-1 1 0,1 5 0,0-1 0,0 2 0,0 1 0,0 1 0,1 2 0,1 1 0,2 0 0,-1-2 0,-2-2 0,1-2 0,-2-2 0,2 0 0,-1 3 0,-3-1 0,2 2 0,-1-3 0,-1 0 0,-1 0 0,-1-4 0,-1 3 0,0-3 0,0-3 0,0 0 0,0-4 0,0 1 0,0-1 0,0 1 0,-2-1 0,-2 1 0,-2 2 0,-5 0 0,0-2 0,0 0 0,0-1 0,3-2 0,0-1 0,-2-2 0,-1 0 0,0-1 0,-3 2 0,-1-2 0,-1 0 0,-2 0 0,3 0 0,-4 0 0,2 0 0,0 0 0,0-3 0,1 0 0,-2-2 0,-1-2 0,-1 1 0,1-1 0,-2 1 0,-1-1 0,-1 0 0,1-1 0,1-1 0,-2 0 0,2 0 0,2 0 0,6 0 0,0 0 0,2 0 0,0 0 0,0 0 0,3 0 0,-1 0 0,2 0 0,-1 0 0,1 0 0,3 0 0,12 0 0,3 0 0,12 0 0,4 0 0,1 0 0,4 0 0,1 0 0,-1 0 0,6 0 0,-1 0 0,1 0 0,-4 2 0,-4 2 0,-2 4 0,1 2 0,-3 0 0,5 6 0,-10-2 0,6 7 0,-5 0 0,1 2 0,-2 1 0,3 2 0,-2-2 0,3 4 0,-1 2 0,-5-3 0,-1-1 0,-2-2 0,-1 0 0,2 4 0,-1 4 0,0-2 0,0-1 0,-3 0 0,0-2 0,-2 2 0,-1-3 0,0-3 0,-3-2 0,-2-6 0,1 3 0,-2 0 0,3 2 0,-2 0 0,-2-1 0,1 0 0,-1 0 0,0-1 0,-1 1 0,-2 2 0,2 1 0,1 3 0,-1-1 0,0 1 0,-2 2 0,0 1 0,0 4 0,0 0 0,0 1 0,0-3 0,0-3 0,-2-4 0,-3-1 0,-2-2 0,-1-1 0,0-3 0,-1-3 0,-1 4 0,-1 2 0,-1 2 0,-1 0 0,0-1 0,-1-2 0,0 1 0,0 3 0,1 0 0,0-2 0,1-2 0,1-4 0,0-1 0,2 1 0,0-3 0,1 0 0,3-2 0,0-1 0,2 2 0,-1 1 0,-2 2 0,2 5 0,-2 1 0,2 0 0,0 0 0,0-4 0,0 0 0,0-1 0,1 0 0,1-3 0,1-3 0,0 2 0,1 2 0,0 4 0,0 2 0,0 0 0,0 3 0,0-2 0,0 3 0,0 0 0,0-3 0,0 6 0,0-3 0,2-2 0,2-2 0,2-3 0,3 2 0,0 1 0,0 1 0,1-1 0,2-1 0,-1-1 0,1-1 0,-1 1 0,3-2 0,1 1 0,3 0 0,0-3 0,0 2 0,1-2 0,-1 0 0,4-1 0,3-1 0,0 0 0,-1-1 0,0-2 0,-2-1 0,3-2 0,0-1 0,-2 2 0,-1-3 0,-2 1 0,-3-1 0,-2-2 0,1 0 0,-3 0 0,-1 0 0,-4 0 0,-1 0 0,-1 0 0,0 0 0,2 0 0,-1 0 0,0 0 0,0 0 0,2 0 0,1 0 0,6 0 0,0 0 0,1 0 0,1 0 0,-2 0 0,2 0 0,0-1 0,1-2 0,-1-1 0,1-2 0,-1-1 0,0 0 0,0 0 0,0 1 0,-2 1 0,-1-1 0,1 2 0,-2 2 0,1-2 0,-2 1 0,-2 1 0,-1 0 0,-1 1 0,-2 1 0,-1-1 0,-1-1 0,-1 0 0,0-1 0,2 1 0,1 0 0,0 1 0,0 0 0,-3 0 0,-10-8 0,-7-4 0,-7-4 0,1 0 0,0 0 0,3 0 0,4 5 0,3 1 0,5 6 0,-1 0 0,0-2 0,-2 0 0,1 1 0,-1-1 0,-1 1 0,0-1 0,-4-2 0,-1-2 0,0 0 0,0 1 0,0 1 0,0 1 0,0-1 0,1 1 0,2 0 0,0 1 0,4 1 0,0 2 0,2 0 0,0 1 0,0-1 0,-2-1 0,-3-2 0,-4-3 0,-2 0 0,-3-1 0,0-1 0,1 3 0,4 0 0,4 1 0,1 4 0,2 0 0,2 1 0,9 11 0,13 9 0,11 12 0,6 4 0,-6-7 0,-4-6 0,-7-7 0,-6-3 0,-2-2 0,-3-1 0,0-2 0,-1 1 0,-1-2 0,-1-1 0,-1 2 0,1-2 0,-1 2 0,2-1 0,-2 2 0,0 0 0,1 1 0,1-1 0,1 0 0,1 2 0,2 2 0,1 1 0,1-1 0,-1-2 0,-4 0 0,0 0 0,-2-1 0,-1-1 0,1 0 0,1 0 0,1 0 0,3 1 0,0 1 0,3 0 0,1 0 0,-2 0 0,-2 0 0,-1-1 0,-1-1 0,-2-1 0,-1-1 0,-3 3 0,-1 3 0,0 3 0,-3 5 0,-2-2 0,-1 2 0,-1-3 0,2-5 0,1 0 0,1-2 0,-1-1 0,0 0 0,1 0 0,-1 0 0,1-1 0,0 0 0,1 0 0,0 2 0,0-1 0,0 0 0,-1 1 0,-2-1 0,0-1 0,-1 0 0,0 0 0,0 0 0,-1 1 0,0-2 0,2 0 0,2 0 0,1-1 0,2 5 0,-3 3 0,-1 0 0,0 1 0,-1-3 0,2 0 0,-1 1 0,0-1 0,-1 3 0,-1-1 0,-1 1 0,0 3 0,2-3 0,-1 1 0,0-1 0,0-3 0,0 3 0,1-2 0,1 1 0,1 0 0,-1-1 0,0 1 0,-1 1 0,1-3 0,0 0 0,2-2 0,0 0 0,0-1 0,1-1 0,0 1 0,-1-1 0,0 0 0,1 1 0,0 1 0,-1-1 0,0 0 0,0 1 0,2-4 0,0-1 0</inkml:trace>
 </inkml:ink>
 </file>
 
@@ -280,15 +279,15 @@
           <inkml:channelProperty channel="F" name="resolution" value="0" units="1/dev"/>
         </inkml:channelProperties>
       </inkml:inkSource>
-      <inkml:timestamp xml:id="ts0" timeString="2024-04-19T14:04:16.712"/>
+      <inkml:timestamp xml:id="ts0" timeString="2024-04-19T14:56:09.895"/>
     </inkml:context>
     <inkml:brush xml:id="br0">
       <inkml:brushProperty name="width" value="0.1" units="cm"/>
       <inkml:brushProperty name="height" value="0.1" units="cm"/>
-      <inkml:brushProperty name="color" value="#66CC00"/>
+      <inkml:brushProperty name="color" value="#FF0066"/>
     </inkml:brush>
   </inkml:definitions>
-  <inkml:trace contextRef="#ctx0" brushRef="#br0">607 1 24575,'0'24'0,"0"9"0,0 28 0,0 16 0,0 7 0,0-7 0,0-17 0,0-8 0,0-9 0,0 2 0,0 0 0,0-6 0,0 4 0,0-7 0,0-1 0,0 3 0,0-4 0,0 2 0,0-2 0,0 0 0,0 4 0,0 3 0,0 2 0,0-3 0,0 0 0,0-4 0,0-1 0,0 3 0,0-2 0,0 1 0,0 0 0,0-5 0,0 1 0,0-4 0,0 1 0,0 6 0,0-1 0,0 3 0,0 1 0,0 1 0,0 0 0,0-2 0,0-4 0,0-1 0,0-3 0,0-4 0,0-1 0,0-4 0,0 3 0,0 0 0,0 0 0,3 2 0,0-1 0,0 0 0,2-1 0,-1 0 0,-1-3 0,-1 0 0,0-3 0,0-1 0,0 3 0,1-1 0,-3 1 0,0-2 0,3-1 0,0 4 0,0 0 0,0 3 0,-3 0 0,3 4 0,1 0 0,0 1 0,-1 0 0,-1-3 0,0 0 0,2-3 0,-2-2 0,-1-2 0,-1-4 0,0-2 0,0-3 0,0 0 0,-2-5 0,-2-5 0,-5-5 0,-16-11 0,-16-8 0,-11-5 0,-2-3 0,11 7 0,5 3 0,1 3 0,1 1 0,1-2 0,8 6 0,4 1 0,4 4 0,4 0 0,-1-2 0,1 0 0,2 1 0,1 0 0,3 4 0,1 0 0,0-1 0,-4 0 0,-2-3 0,1 1 0,-1 1 0,4 1 0,-1 1 0,1-1 0,0 1 0,0 1 0,1-1 0,1 0 0,0-3 0,2 3 0,12 4 0,13 9 0,20 11 0,16 14 0,9 6 0,3 1-677,-3 3 677,-9-8 0,-5-4 0,-8-3 0,-5-7 0,-8-3 0,-8-3 0,-6-2 677,-4-4-677,0-2 0,-2-4 0,-1 1 0,-2 1 0,0 1 0,0 1 0,3 0 0,3 1 0,-1 2 0,0-1 0,-1 1 0,-1-1 0,1 2 0,-1-1 0,1-1 0,0 0 0,0-3 0,-2 0 0,-3-1 0,-1-5 0,3-9 0,11-13 0,15-14 0,10-10 0,2-1 0,-2 3 0,-7 10 0,-5 3 0,-2 6 0,-8 5 0,-3 5 0,-3 4 0,0 2 0,0 2 0,2-1 0,-2 2 0,0-1 0,-2-1 0,0 2 0,1 1 0,0 0 0,-1 0 0,-5 1 0,-1 0 0,-2-1 0,-1-1 0,5-2 0,3-5 0,2 0 0,1-1 0,-1 2 0,0 2 0,-2 2 0,-3 2 0,-2 1 0,-3 3 0,-2 1 0</inkml:trace>
+  <inkml:trace contextRef="#ctx0" brushRef="#br0">1 0 24575,'3'13'0,"1"2"0,2 1 0,3 2 0,2 1 0,1 0 0,-1-1 0,-3-3 0,0-2 0,-2-2 0,1-1 0,0 1 0,1 2 0,0 0 0,0 0 0,3 0 0,0 0 0,0 3 0,3-2 0,-3-1 0,-1-2 0,0-4 0,-4-1 0,0 1 0,-1-1 0,-1 1 0,0-2 0,-1 0 0,2 0 0,3 1 0,6 6 0,3 3 0,7 3 0,1 2 0,-3-1 0,0-1 0,-3-4 0,-4-4 0,-3-2 0,-4-3 0,-2-1 0,0 1 0,-6 5 0,-7 8 0,-10 12 0,-2 6 0,-5 8 0,2-5 0,6-8 0,3-5 0,9-12 0,0 0 0,-1 5 0,0 0 0,1 6 0,-1 0 0,0 1 0,0-1 0,1 0 0,-1 0 0,1-6 0,0 0 0,0-4 0,2 1 0,0 1 0,0 1 0,-1 0 0,1 1 0,-2-3 0,2-2 0,0-4 0,0-2 0,2-1 0,0 0 0,0-1 0,0 0 0,-2 0 0,0 0 0,1 1 0,-1-3 0,2 0 0</inkml:trace>
 </inkml:ink>
 </file>
 
@@ -308,7 +307,7 @@
           <inkml:channelProperty channel="F" name="resolution" value="0" units="1/dev"/>
         </inkml:channelProperties>
       </inkml:inkSource>
-      <inkml:timestamp xml:id="ts0" timeString="2024-04-19T14:05:34.666"/>
+      <inkml:timestamp xml:id="ts0" timeString="2024-04-19T14:56:14.641"/>
     </inkml:context>
     <inkml:brush xml:id="br0">
       <inkml:brushProperty name="width" value="0.1" units="cm"/>
@@ -316,7 +315,7 @@
       <inkml:brushProperty name="color" value="#FF0066"/>
     </inkml:brush>
   </inkml:definitions>
-  <inkml:trace contextRef="#ctx0" brushRef="#br0">0 0 24575,'20'0'0,"17"4"0,7 0 0,2 16 0,1 2 0,2-5 0,31 35 0,-32-26 0,10 7 0,5 3 0,-7-7 0,4 8 0,2 1 0,3 9 0,13 5 0,-6-2-358,-29-22 0,0 0 358,2-1 0,0 0 0,1 2 0,0 0 0,3 0 0,-1 0 0,1 0 0,-1 0 0,-1 0 0,-2 0 0,1 0 0,-2-1 0,33 23 0,-6-2 0,2 0 0,-1 2 0,8 5 0,1 2 0,-3-4 0,2-1 0,0-5 0,-7-2-219,-2-2 219,-6 0 0,1-1 0,-3-4 0,-2 0 0,-4-2 0,2 6 0,8 7 0,-2 0 0,3 0 0,0 1 0,-2-1 0,4 6 0,-5-1 0,0-1 0,3 5 0,-6-4 0,4-1 0,-1-1 0,14 5-429,-34-27 1,0-1 428,1 1 0,0 0 0,2 0 0,-2-1 0,-3-2 0,-1 0 0,0 0 0,0 2 0,10 7 0,-1-1 0,16 12 0,-24-16 0,-4-3 677,-6-6-677,-3 0 217,-15-11-217,-3-3 898,-2 0-898,1 1 0,-3 0 0,0-2 0,-3-2 0,0 0 0,1 0 0,-2 3 0,3 1 0,-1-1 0,2 4 0,3 3 0,0 4 0,4 4 0,0 1 0,3-1 0,0 0 0,-5-5 0,0-4 0,-5-3 0,1-4 0,1 0 0,-2 0 0,-3-4 0,-2-8 0,-2-11 0,-1-19 0,0-15 0,0-11-681,-4-11 681,-1 3 0,-1-3 0,2-7 0,1 8 0,-1 0 0,0 7 0,0 11 0,3-1 0,-2 4 0,-1 9 681,0 6-681,1 6 0,2 8 0,1 5 0,0 3 0,0 3 0,0 3 0,0 4 0,0 14 0,0 9 0,0 16 0,0 3 0,0 7 0,0 5 0,-3 5 0,-1 7 0,0-1 0,0-5 0,0-6 0,0-6 0,0-1 0,1-6 0,3-1 0,0-7 0,0-2 0,0 0 0,0-3 0,0 5 0,0-1 0,0-1 0,0 0 0,0-3 0,0-4 0,0-1 0,0-3 0,0-5 0,0 1 0,0-3 0,1 1 0,1 0 0,1-1 0,-1-1 0,0 0 0,1 0 0,-2-2 0,-16-3 0,-29-3 0,-33-2 0,-19 0 0,31 0 0,-3 0-539,1 0 0,0 0 539,1 0 0,1 0 0,5 0 0,4 0 0,-15 0 0,13 0 0,14 0 0,8 0 0,8 0 0,7 0 0,5 0 0,2 0 1078,0 0-1078,3 0 0,5 0 0,2 0 0</inkml:trace>
+  <inkml:trace contextRef="#ctx0" brushRef="#br0">99 1 24575,'12'0'0,"4"0"0,0 0 0,-3 0 0,4 0 0,-1 0 0,5 0 0,0 0 0,-4 0 0,-3 0 0,-2 0 0,0 0 0,-2 0 0,3 0 0,-3 1 0,1 3 0,1 3 0,-2 1 0,3 1 0,-2 1 0,0 2 0,3 2 0,-2 1 0,3 3 0,-2 0 0,0 2 0,0 0 0,-1 1 0,-1 0 0,1-1 0,-3 1 0,-1-4 0,0-2 0,-1-1 0,-1 1 0,0 3 0,-2 1 0,1 2 0,0-1 0,-2 1 0,1 4 0,-1 0 0,0 3 0,0 4 0,-3-3 0,0-1 0,0-1 0,0 1 0,0 4 0,0 4 0,0 0 0,0 1 0,0-3 0,0-1 0,0-3 0,0-1 0,0 4 0,0-4 0,0-1 0,-2-4 0,0-1 0,0 2 0,-2 4 0,1-1 0,0 2 0,-2 0 0,3-1 0,-1 0 0,-1-3 0,1-2 0,1-4 0,0-2 0,2-1 0,-1-1 0,-1-1 0,0 2 0,-1-2 0,1 2 0,0 0 0,0 1 0,0 2 0,-1 1 0,1 0 0,0-1 0,2-2 0,-2-1 0,0 0 0,0-1 0,0 1 0,1 0 0,1 1 0,0 6 0,0 1 0,0 0 0,-1-3 0,1-5 0,0 0 0,-1 0 0,-2 0 0,1-2 0,0 2 0,2 2 0,0 4 0,0 4 0,0-2 0,0 4 0,0-1 0,-2-2 0,-1-4 0,1-5 0,0-4 0,2-2 0,0-2 0,0-2 0,0 1 0,0 0 0,0 1 0,0 1 0,0 2 0,0 2 0,0 3 0,0 1 0,0 2 0,0-3 0,0-2 0,0-3 0,0-2 0,1 2 0,2 0 0,0 0 0,2-1 0,-1-2 0,2-1 0,-3 1 0,1-1 0,0 0 0,-1 0 0,2 0 0,-1-2 0,2 1 0,1 1 0,0 0 0,0 0 0,-1 0 0,0 0 0,-1 1 0,1-1 0,1-1 0,0-1 0,2-2 0,2-1 0,2 3 0,2-1 0,4 1 0,2 2 0,1-1 0,-1-1 0,-4-2 0,-1-1 0,-3-1 0,-2 2 0,1-2 0,-2 1 0,-1-2 0,1 1 0,-1 0 0,0 1 0,0-1 0,-1-1 0,-1 0 0,-1 2 0,-2-1 0,6 1 0,8 2 0,10 3 0,1 2 0,3-1 0,-10-2 0,-2-3 0,-3 0 0,-6 0 0,0-1 0,-3-1 0,-2 0 0,-5 0 0,-10 0 0,-8 0 0,-9-2 0,-1 1 0,-4 2 0,-3 3 0,0 3 0,-2 1 0,7-1 0,6-2 0,5-2 0,4-1 0,2 0 0,2 0 0,3 2 0,1 1 0,0-1 0,2 0 0,-2 0 0,1 3 0,-2 5 0,-1 3 0,-1 1 0,-1 0 0,0 2 0,1 2 0,0 2 0,2 0 0,1-2 0,0-1 0,1 3 0,2 5 0,1 3 0,1 4 0,1-3 0,0 1 0,0 0 0,0 6 0,0 9 0,0-1 0,0 1 0,3-3 0,2 2 0,5 5 0,1 0 0,1 0 0,0-3 0,-1-7 0,-1-2 0,-1-6 0,1-3 0,-2 4 0,0-2 0,0-1 0,0 0 0,2-2 0,-2 1 0,-1 0 0,-2 2 0,-2 6 0,0-2 0,-3-2 0,0-1 0,0 0 0,0 3 0,0 0 0,0 0 0,0-3 0,0 2 0,0 0 0,0-3 0,0-1 0,0-7 0,0-7 0,0-1 0,0-6 0,0 1 0,0-1 0,0-2 0,-2-3 0,1 0 0,-3-3 0,1 0 0,-1 2 0,1-1 0,0 3 0,-2-1 0,0 0 0,-1 1 0,-1-2 0,-2 0 0,-4 2 0,-3 2 0,-1 3 0,-4 2 0,1 0 0,1 0 0,0-2 0,4-1 0,-3 0 0,0-1 0,0-1 0,-1 1 0,1-1 0,-1-1 0,1-2 0,-1-1 0,-2-1 0,-1 2 0,0-1 0,-1-1 0,1-2 0,-1-2 0,-1 0 0,2-1 0,2 0 0,1 0 0,2 0 0,-1 0 0,2 0 0,0 0 0,4 0 0,1 0 0,0 0 0,2 0 0,0 0 0,1 0 0,-2 0 0,0 0 0,-2-2 0,0-1 0,-1-2 0,2-1 0,0 0 0,0-1 0,3 2 0,0-1 0,2 2 0,1-2 0,2 3 0,1 0 0</inkml:trace>
 </inkml:ink>
 </file>
 
@@ -336,7 +335,7 @@
           <inkml:channelProperty channel="F" name="resolution" value="0" units="1/dev"/>
         </inkml:channelProperties>
       </inkml:inkSource>
-      <inkml:timestamp xml:id="ts0" timeString="2024-04-19T14:06:38.237"/>
+      <inkml:timestamp xml:id="ts0" timeString="2024-04-19T14:56:18.158"/>
     </inkml:context>
     <inkml:brush xml:id="br0">
       <inkml:brushProperty name="width" value="0.1" units="cm"/>
@@ -344,151 +343,11 @@
       <inkml:brushProperty name="color" value="#FF0066"/>
     </inkml:brush>
   </inkml:definitions>
-  <inkml:trace contextRef="#ctx0" brushRef="#br0">1 5706 24575,'13'0'0,"4"0"0,10 0 0,10 0 0,9 0 0,20 0-6784,10 0 6784,4 0-348,7 0 348,-17 0 0,-8 0 0,-8 0 0,-11 0 0,1-2 0,-3-2 6611,-4-2-6611,-6 0 521,-4 0-521,-2-3 0,0-1 0,-1-2 0,0 0 0,0 0 0,-3 2 0,-3 0 0,-1 0 0,1 0 0,0-1 0,2 2 0,-2 1 0,-1-1 0,1 1 0,-1-3 0,4-1 0,-3 1 0,1 0 0,-3 1 0,0-3 0,-1 0 0,-2-2 0,1-4 0,-4 1 0,2-5 0,0-1 0,0-1 0,1-4 0,0-4 0,1-6 0,1-4 0,-1 0 0,-4 5 0,-3-3 0,-4-6 0,-3-8 0,0-10 0,0 3 0,0 0 0,0 0 0,0 3 0,0 2 0,0 7 0,0 1 0,0 5 0,0 4 0,0 3 0,0 4 0,0-3 0,0-2 0,0 3 0,0 0 0,0 1 0,0-1 0,0-4 0,0-6 0,0-5 0,0-4 0,0 5 0,0 5 0,0 2 0,0 0 0,0-7 0,0-1 0,0 0 0,0 4 0,0 0 0,0 2 0,0 4 0,0 3 0,0 5 0,0 6 0,0 2 0,0 2 0,0-5 0,0-1 0,0-2 0,0 1 0,0-1 0,0 0 0,4-4 0,-1 0 0,4 0 0,0-3 0,-3 5 0,1-1 0,-1 0 0,-1-1 0,1-3 0,-1-1 0,1-1 0,0-2 0,-1-2 0,0-2 0,1 6 0,3 0 0,0 6 0,-1 3 0,2-2 0,-2 2 0,3-4 0,1-3 0,1 1 0,2-2 0,-2-1 0,-1-1 0,1 0 0,-1 1 0,1 5 0,-2 1 0,-2 2 0,-3 5 0,-1 2 0,-3 2 0,2-2 0,1 0 0,0-4 0,0-2 0,-3 0 0,0-3 0,0 2 0,0 1 0,0-2 0,0 6 0,0-3 0,0 0 0,0-1 0,3-6 0,0 2 0,1-1 0,-1 1 0,0 3 0,1-4 0,-1-4 0,2 5 0,-2-4 0,2 5 0,1 4 0,0-4 0,3 0 0,1-1 0,2-1 0,-1 1 0,-2 2 0,1 1 0,-1 1 0,3 5 0,0 1 0,0 0 0,0 0 0,-2 3 0,1-1 0,-1 2 0,1-2 0,-2-1 0,0-2 0,0 3 0,0 1 0,2 0 0,1 0 0,-3-3 0,0-1 0,0-3 0,0 2 0,2-3 0,1-1 0,-1 3 0,0-1 0,-2 3 0,-3 2 0,0 5 0,0 4 0,-3 3 0,1 3 0,-2 2 0,2 0 0,0 0 0,1-5 0,0-2 0,0 0 0,3-1 0,0 1 0,0-1 0,0 0 0,-1 1 0,-1 3 0,-2 1 0,0 2 0,-2 1 0,0-2 0,0-1 0,-2-2 0,0-3 0,3 1 0,2-9 0,2 0 0,1 2 0,-3 5 0,-5 10 0,-3 5 0,-8 6 0,-4 2 0,-10 4 0,-4 1 0,-4 0 0,-4-1 0,-1 3 0,-9 4 0,-7 3 0,-3 4 0,-3 1 0,3 1 0,4 2 0,-2-2 0,3-1 0,1-1 0,2 0 0,10 1 0,7-4 0,6-4 0,5-3 0,3-3 0,2-1 0,2 0 0,2-2 0,2 0 0,2 0 0,0-2 0,8-5 0,10-5 0,15-9 0,20-6 0,6-3 0,9-6 0,8 0 0,1-1 0,6 0 0,-10 4 0,-10 2 0,-11 4 0,-10 5 0,-1 3 0,-3 0 0,0 0 0,-1 0 0,-3-3 0,0 0 0,-2 0 0,-2 0 0,-4 2 0,-5 3 0,-3-1 0,-1 3 0,-1 0 0,0 3 0,0 0 0,2 0 0,0-2 0,0-1 0,0 0 0,-1 0 0,1 2 0,-2 2 0,-1 7 0,1 10 0,1 9 0,7 16 0,-2 4 0,0 0 0,-2-5 0,-6-10 0,2-1 0,-2-3 0,0-1 0,-1-3 0,1 0 0,-1 0 0,1 2 0,0 0 0,0 0 0,0 1 0,0-1 0,0-1 0,-3-1 0,0-3 0,-1-1 0,0-2 0,1 0 0,2 3 0,-1 2 0,2 3 0,2 0 0,-1 1 0,2-1 0,-3 0 0,-3-5 0,1-3 0,-1-1 0,-1-6 0,0 5 0,0-6 0,-1-3 0,0-2 0</inkml:trace>
-</inkml:ink>
-</file>
-
-<file path=ppt/ink/ink17.xml><?xml version="1.0" encoding="utf-8"?>
-<inkml:ink xmlns:inkml="http://www.w3.org/2003/InkML">
-  <inkml:definitions>
-    <inkml:context xml:id="ctx0">
-      <inkml:inkSource xml:id="inkSrc0">
-        <inkml:traceFormat>
-          <inkml:channel name="X" type="integer" min="-2.14748E9" max="2.14748E9" units="cm"/>
-          <inkml:channel name="Y" type="integer" min="-2.14748E9" max="2.14748E9" units="cm"/>
-          <inkml:channel name="F" type="integer" max="32767" units="dev"/>
-        </inkml:traceFormat>
-        <inkml:channelProperties>
-          <inkml:channelProperty channel="X" name="resolution" value="1000" units="1/cm"/>
-          <inkml:channelProperty channel="Y" name="resolution" value="1000" units="1/cm"/>
-          <inkml:channelProperty channel="F" name="resolution" value="0" units="1/dev"/>
-        </inkml:channelProperties>
-      </inkml:inkSource>
-      <inkml:timestamp xml:id="ts0" timeString="2024-04-19T14:06:44.437"/>
-    </inkml:context>
-    <inkml:brush xml:id="br0">
-      <inkml:brushProperty name="width" value="0.1" units="cm"/>
-      <inkml:brushProperty name="height" value="0.1" units="cm"/>
-      <inkml:brushProperty name="color" value="#66CC00"/>
-    </inkml:brush>
-  </inkml:definitions>
-  <inkml:trace contextRef="#ctx0" brushRef="#br0">860 2215 24575,'0'-13'0,"0"-13"0,0-5 0,0-8 0,0 1 0,0 4 0,0-4 0,0 0 0,0 0 0,0 4 0,0 2 0,0 3 0,0-5 0,0-5 0,0 0 0,0-5 0,0 0 0,0 0 0,0-1 0,0 2 0,0-6 0,0 0 0,0 7 0,0 4 0,0 5 0,0-1 0,0-7 0,0-2 0,0 3 0,0 0 0,0 1 0,0-7 0,0-3 0,0-6 0,0 1 0,0 6 0,0-3 0,0 3 0,0-6 0,0-2 0,0 3 0,0 3 0,0 4 0,0 5 0,0 2 0,0 6 0,0 7 0,0 2 0,0 5 0,0 1 0,0 0 0,0 3 0,0-4 0,0 1 0,0 1 0,0 0 0,0 4 0,0-3 0,0 2 0,0 0 0,0 1 0,0 4 0,0 0 0,-2 3 0,-4 7 0,-10 11 0,-9 11 0,-8 10 0,-7 5 0,-4 4 0,-5 3 0,-6 4 0,3-3 0,3-5 0,-2-1 0,4-3 0,-2 1 0,1-3 0,10-5 0,5-3 0,4-1 0,3-3 0,4-2 0,1 0 0,2-2 0,3 1 0,1-2 0,2 0 0,1-1 0,1-2 0,0-1 0,3-3 0,0-1 0,3 1 0,1-2 0,2-3 0,5-17 0,11-13 0,13-15 0,33-20-421,6 6 421,12-9 0,2 5 0,-12 10 0,12-9 0,-5 7 0,-5 2 0,-3 2 0,-5 4 0,-7 6 0,-8 4 0,-8 7 0,-6 4 0,-8 2 0,-4 5 0,-6 3 421,-3 1-421,3-2 0,-1 3 0,1-3 0,-2-1 0,-1 1 0,-2-1 0,1 5 0,-1 1 0,-1 1 0,-2 5 0,-2 8 0,-3 10 0,1 13 0,4 11 0,9 13 0,13 13 0,6 4 0,9 3 0,-3-7 0,-2-6 0,5 7 0,-8-11 0,-1-6 0,-7-14 0,-8-18 0,-2-3 0,-5-3 0,-4-4 0,-2 1 0,0-4 0,-3 0 0,0-2 0,-2 1 0,0 2 0,2 0 0,3 3 0,2 2 0,2 3 0,2 0 0,2 6 0,1 1 0,2 0 0,1 5 0,3-3 0,0 1 0,0-4 0,-4-6 0,-2-3 0,-4-2 0,-4-2 0,-5-4 0,-1-3 0</inkml:trace>
-</inkml:ink>
-</file>
-
-<file path=ppt/ink/ink18.xml><?xml version="1.0" encoding="utf-8"?>
-<inkml:ink xmlns:inkml="http://www.w3.org/2003/InkML">
-  <inkml:definitions>
-    <inkml:context xml:id="ctx0">
-      <inkml:inkSource xml:id="inkSrc0">
-        <inkml:traceFormat>
-          <inkml:channel name="X" type="integer" min="-2.14748E9" max="2.14748E9" units="cm"/>
-          <inkml:channel name="Y" type="integer" min="-2.14748E9" max="2.14748E9" units="cm"/>
-          <inkml:channel name="F" type="integer" max="32767" units="dev"/>
-        </inkml:traceFormat>
-        <inkml:channelProperties>
-          <inkml:channelProperty channel="X" name="resolution" value="1000" units="1/cm"/>
-          <inkml:channelProperty channel="Y" name="resolution" value="1000" units="1/cm"/>
-          <inkml:channelProperty channel="F" name="resolution" value="0" units="1/dev"/>
-        </inkml:channelProperties>
-      </inkml:inkSource>
-      <inkml:timestamp xml:id="ts0" timeString="2024-04-19T14:06:48.209"/>
-    </inkml:context>
-    <inkml:brush xml:id="br0">
-      <inkml:brushProperty name="width" value="0.1" units="cm"/>
-      <inkml:brushProperty name="height" value="0.1" units="cm"/>
-      <inkml:brushProperty name="color" value="#66CC00"/>
-    </inkml:brush>
-  </inkml:definitions>
-  <inkml:trace contextRef="#ctx0" brushRef="#br0">0 2196 24575,'0'-23'0,"0"-2"0,0-7 0,0-4 0,0-2 0,0-6 0,0-3 0,0 0 0,0 2 0,0 1 0,0 7 0,0-2 0,0 0 0,0 3 0,0-2 0,0 4 0,0 1 0,0 2 0,0 2 0,0-4 0,0 2 0,0-2 0,0 3 0,0 4 0,0 1 0,0 0 0,0 0 0,0-3 0,0-2 0,3-3 0,4-4 0,3 6 0,1 0 0,2 6 0,1 0 0,2-4 0,2-1 0,1 1 0,6 3 0,4-1 0,5 0 0,0-3 0,6-3 0,-2 3 0,-2 2 0,2 3 0,0 0 0,8-4 0,7 1 0,0 4 0,2 0 0,6 2 0,2 1 0,1 0 0,-3 8 0,0 1 0,-10 4 0,0 4 0,0 0 0,3 4 0,10 0 0,2 0 0,3 0 0,0 0 0,1 0 0,0 0 0,-7 0 0,-8 0 0,-11 0 0,-11 0 0,-4 0 0,-4 0 0,1 0 0,-1 0 0,3 2 0,2 2 0,-1 2 0,4 0 0,-2-2 0,3-1 0,0-3 0,-5 0 0,-3 0 0,-6 0 0,1 0 0,0 0 0,0 0 0,0 0 0,3 0 0,2 0 0,4 0 0,2 0 0,3 0 0,4 0 0,-1 0 0,-5 0 0,-4 0 0,-1 0 0,2 0 0,1 0 0,-2 0 0,-6 0 0,-4 2 0,-5 0 0,-3 1 0,0-1 0,-5-2 0,-5 0 0,-7-2 0,-8-1 0,-5-2 0,-8-4 0,-5-1 0,0-2 0,-6-1 0,0-1 0,-2-4 0,-2 0 0,8 2 0,2-1 0,2 2 0,-1-1 0,2-3 0,3 3 0,1 0 0,3 2 0,2 0 0,3 0 0,3 0 0,-3 3 0,3 3 0,2 1 0,3 2 0,3 0 0,1 1 0,-1 2 0,1-3 0,0 1 0,-1 1 0,0-1 0,-3 0 0,-2-2 0,-3 0 0,-3-5 0,1 0 0,-1-3 0,1 1 0,3 2 0,-1-2 0,1 1 0,-1-4 0,0 1 0,3 0 0,0 4 0,3 3 0,0 2 0,3 1 0,5 0 0,6 4 0,10 6 0,14 15 0,7 8 0,3 2 0,-4-2 0,-7-9 0,-4 1 0,0-2 0,-4-1 0,-3 0 0,-1-4 0,1 4 0,0-3 0,3 3 0,0 1 0,1-2 0,2 4 0,0-1 0,1 2 0,0-3 0,-1 1 0,1-1 0,-2 0 0,-3-2 0,-2-3 0,-3 0 0,-3-4 0,1 1 0,-3-2 0,0-2 0,-1-4 0,0-1 0,0 1 0,5 5 0,2 1 0,0 2 0,-1-2 0,-4-5 0,-3-1 0,-1-1 0,-1 2 0,-1 2 0,-7 7 0,-8 4 0,-10 7 0,-14 13 0,-5 5 0,-7 5 0,-4 3 0,0-2 0,0 0 0,-4-1 0,0-5 0,1 0 0,5-1 0,11-6 0,4-1 0,5-6 0,2 0 0,1-2 0,2 0 0,0 0 0,4 0 0,0-3 0,1-1 0,2 0 0,2-3 0,4-1 0,-2 0 0,0-2 0,1 3 0,0 0 0,3-3 0,1 0 0,0-1 0,3-6 0,2-1 0</inkml:trace>
-</inkml:ink>
-</file>
-
-<file path=ppt/ink/ink19.xml><?xml version="1.0" encoding="utf-8"?>
-<inkml:ink xmlns:inkml="http://www.w3.org/2003/InkML">
-  <inkml:definitions>
-    <inkml:context xml:id="ctx0">
-      <inkml:inkSource xml:id="inkSrc0">
-        <inkml:traceFormat>
-          <inkml:channel name="X" type="integer" min="-2.14748E9" max="2.14748E9" units="cm"/>
-          <inkml:channel name="Y" type="integer" min="-2.14748E9" max="2.14748E9" units="cm"/>
-          <inkml:channel name="F" type="integer" max="32767" units="dev"/>
-        </inkml:traceFormat>
-        <inkml:channelProperties>
-          <inkml:channelProperty channel="X" name="resolution" value="1000" units="1/cm"/>
-          <inkml:channelProperty channel="Y" name="resolution" value="1000" units="1/cm"/>
-          <inkml:channelProperty channel="F" name="resolution" value="0" units="1/dev"/>
-        </inkml:channelProperties>
-      </inkml:inkSource>
-      <inkml:timestamp xml:id="ts0" timeString="2024-04-19T14:07:36"/>
-    </inkml:context>
-    <inkml:brush xml:id="br0">
-      <inkml:brushProperty name="width" value="0.1" units="cm"/>
-      <inkml:brushProperty name="height" value="0.1" units="cm"/>
-      <inkml:brushProperty name="color" value="#FF0066"/>
-    </inkml:brush>
-  </inkml:definitions>
-  <inkml:trace contextRef="#ctx0" brushRef="#br0">0 0 24575,'0'17'0,"0"1"0,0-2 0,0 2 0,0 7 0,0 3 0,0 7 0,0-4 0,0-8 0,0-3 0,0-5 0,0 0 0,0 2 0,0 0 0,0 1 0,0 2 0,0 1 0,0 0 0,0 4 0,0-4 0,0-1 0,0-1 0,0-1 0,0 3 0,0-3 0,0 1 0,2 0 0,1 2 0,3 3 0,-1-3 0,1 0 0,0 0 0,1 1 0,1-2 0,0 0 0,0-4 0,0-2 0,-1 3 0,0-2 0,3 4 0,0-4 0,2 2 0,3 2 0,2 0 0,5 2 0,-1 0 0,0-4 0,-2 1 0,-1-2 0,0-3 0,3 2 0,-1-3 0,1 0 0,-1 0 0,-1-1 0,1 1 0,1-1 0,0 1 0,3 0 0,0 0 0,-1-1 0,2 0 0,1-3 0,3 1 0,4-1 0,9-3 0,7-2 0,5-2 0,3 0 0,0-1 0,-1 0 0,-1 0 0,-1 0 0,-1 0 0,-3 0 0,-2 0 0,0 0 0,1-3 0,11-2 0,-3-2 0,5 0 0,-5-1 0,0 1 0,-1 2 0,-1 2 0,-2 3 0,-5 0 0,-1 0 0,-1 0 0,8 0 0,7 0 0,5 0 0,7 0 0,3 0 0,7 0 0,5 0 0,3 0-575,4 0 575,-1 0 0,-9 0 0,-2-3 0,-7-1 0,-3-1 0,-2-2 0,-7 2 0,-8 1 0,-8-3 0,-2 3 575,-9 0-575,-2 1 0,-9 2 0,-6 1 0,0 0 0,-2 0 0,3 0 0,0 0 0,3 0 0,9 0 0,4 0 0,6 0 0,6 0 0,2 0 0,4 0 0,0 0 0,-6 0 0,-6 0 0,-12 0 0,-6 0 0,-7 0 0,-2 0 0,-2 0 0,-3 0 0,0-5 0,-1-3 0,2-10 0,0-7 0,1-10 0,2-9 0,-2 1 0,0-8 0,1-1 0,-2-8 0,0-2 0,-3 5 0,-4 4 0,-1 7 0,-3 5 0,-1 5 0,0 6 0,0 5 0,0 0 0,-2 2 0,-3 1 0,-3 1 0,-2 3 0,2 2 0,0 2 0,0 2 0,2 2 0,-2 0 0,3 0 0,1 1 0,-1 1 0,3-1 0,0 1 0,0-1 0,0 0 0,-1 0 0,-1 1 0,1 0 0,1-1 0,0-2 0,1 1 0,-1-2 0,0 4 0,-1-1 0,-1-1 0,0 3 0,-3 1 0,-1 3 0,-2 3 0,5 0 0,-1 0 0</inkml:trace>
+  <inkml:trace contextRef="#ctx0" brushRef="#br0">1 503 24575,'15'0'0,"-2"0"0,-3 0 0,-3 0 0,1 0 0,-1 0 0,1 0 0,2 0 0,3 0 0,5 0 0,5 0 0,2 0 0,3 0 0,-2 0 0,-2 0 0,-2 0 0,-6 0 0,-3 0 0,-3 0 0,-3 0 0,-1 0 0,0 0 0,0 0 0,1 0 0,0 0 0,2 0 0,4 0 0,2 0 0,3 0 0,0 0 0,0 0 0,-3 0 0,1 0 0,-1 0 0,0 0 0,3 0 0,0 0 0,-2 0 0,0 0 0,-2 0 0,-3 0 0,-1 0 0,-3 0 0,1 0 0,-2 0 0,0 0 0,0 0 0,1 0 0,2 0 0,0 0 0,2 0 0,-2 0 0,-1 0 0,-1 0 0,0 0 0,0 0 0,-1 0 0,0 0 0,1 0 0,2 0 0,3 0 0,6 0 0,4-4 0,-2-1 0,-2 0 0,-3 0 0,-1 3 0,1-1 0,-2 1 0,-2 2 0,0 0 0,-5-2 0,0 0 0,-1 0 0,0 0 0,0 2 0,2 0 0,-1 0 0,-1-1 0,-2-2 0,-6-3 0,-18-10 0,-16-10 0,-11-7 0,-2-1 0,7 6 0,4 1 0,-1-1 0,2 1 0,1-3 0,3 4 0,6 3 0,2 2 0,5 6 0,3 0 0,-1 1 0,4 1 0,3 2 0,1 2 0,3 1 0,0 1 0,0-1 0,1 1 0,0 0 0,1 0 0,0 1 0,2 1 0,0 0 0,1 3 0,3 11 0,6 1 0,12 21 0,12 5 0,8 5 0,4 3 0,-9-10 0,-5-6 0,-4-5 0,0 1 0,3 2 0,1-1 0,2 0 0,-4-3 0,1-1 0,-1-3 0,-3-1 0,-4-3 0,-7-3 0,-3-2 0,-3-3 0,0 0 0,1 0 0,-1 1 0,-1-1 0,1-2 0,-1-2 0,1-2 0,0 0 0,-2 1 0,0 1 0,1 0 0,0-1 0,0 1 0,-2 1 0,-1 1 0,-2 2 0,0 7 0,0 7 0,0 7 0,0 5 0,0-3 0,-2-2 0,-2 1 0,-3-2 0,-2 2 0,-3 1 0,-1 0 0,-2 3 0,-4 4 0,0 2 0,0 0 0,1-1 0,3-8 0,1-4 0,3-4 0,1-3 0,2 1 0,-1-2 0,1-2 0,1-4 0,2-2 0,1-3 0,2 0 0,0-4 0,0 0 0</inkml:trace>
 </inkml:ink>
 </file>
 
 <file path=ppt/ink/ink2.xml><?xml version="1.0" encoding="utf-8"?>
-<inkml:ink xmlns:inkml="http://www.w3.org/2003/InkML">
-  <inkml:definitions>
-    <inkml:context xml:id="ctx0">
-      <inkml:inkSource xml:id="inkSrc0">
-        <inkml:traceFormat>
-          <inkml:channel name="X" type="integer" min="-2.14748E9" max="2.14748E9" units="cm"/>
-          <inkml:channel name="Y" type="integer" min="-2.14748E9" max="2.14748E9" units="cm"/>
-          <inkml:channel name="F" type="integer" max="32767" units="dev"/>
-        </inkml:traceFormat>
-        <inkml:channelProperties>
-          <inkml:channelProperty channel="X" name="resolution" value="1000" units="1/cm"/>
-          <inkml:channelProperty channel="Y" name="resolution" value="1000" units="1/cm"/>
-          <inkml:channelProperty channel="F" name="resolution" value="0" units="1/dev"/>
-        </inkml:channelProperties>
-      </inkml:inkSource>
-      <inkml:timestamp xml:id="ts0" timeString="2024-04-18T09:25:24.014"/>
-    </inkml:context>
-    <inkml:brush xml:id="br0">
-      <inkml:brushProperty name="width" value="0.05" units="cm"/>
-      <inkml:brushProperty name="height" value="0.05" units="cm"/>
-      <inkml:brushProperty name="color" value="#E71224"/>
-    </inkml:brush>
-  </inkml:definitions>
-  <inkml:trace contextRef="#ctx0" brushRef="#br0">58 0 24575,'0'15'0,"0"10"0,0 18 0,0 15 0,0-3 0,0 2 0,0-1 0,0-5 0,0 7 0,0-5 0,0-4 0,0 7 0,0 0 0,0 1 0,0-1 0,0-4 0,0 0 0,0-6 0,0 0 0,0-6 0,0-4 0,0-1 0,0-3 0,0 1 0,0 0 0,0 1 0,0-1 0,0 0 0,0 0 0,0 0 0,0 0 0,0 0 0,-4-5 0,-1-3 0,0-4 0,1-2 0,4 2 0,0 2 0,0 1 0,0 4 0,0 2 0,0 2 0,0 1 0,0 4 0,0 0 0,0 3 0,0-3 0,0-5 0,0-1 0,0-2 0,0-1 0,0 1 0,0-2 0,0-1 0,0 3 0,0-2 0,0 2 0,0-3 0,0-1 0,0-3 0,0-2 0,0-2 0,0-2 0,0 1 0,0 1 0,0 1 0,0-2 0,-1-1 0,-1 0 0,0-1 0,-2 2 0,2 0 0,-1 1 0,0-3 0,2-2 0,-1 2 0,0 2 0,1 3 0,1 0 0,0-1 0,0 3 0,0 1 0,0-1 0,0-1 0,0-3 0,0-2 0,0-3 0,0-3 0,0-1 0,0 0 0,-2-1 0,0 0 0,1-1 0,-1 1 0,0-2 0,-1-2 0,1-2 0,0-2 0</inkml:trace>
-</inkml:ink>
-</file>
-
-<file path=ppt/ink/ink20.xml><?xml version="1.0" encoding="utf-8"?>
-<inkml:ink xmlns:inkml="http://www.w3.org/2003/InkML">
-  <inkml:definitions>
-    <inkml:context xml:id="ctx0">
-      <inkml:inkSource xml:id="inkSrc0">
-        <inkml:traceFormat>
-          <inkml:channel name="X" type="integer" min="-2.14748E9" max="2.14748E9" units="cm"/>
-          <inkml:channel name="Y" type="integer" min="-2.14748E9" max="2.14748E9" units="cm"/>
-          <inkml:channel name="F" type="integer" max="32767" units="dev"/>
-        </inkml:traceFormat>
-        <inkml:channelProperties>
-          <inkml:channelProperty channel="X" name="resolution" value="1000" units="1/cm"/>
-          <inkml:channelProperty channel="Y" name="resolution" value="1000" units="1/cm"/>
-          <inkml:channelProperty channel="F" name="resolution" value="0" units="1/dev"/>
-        </inkml:channelProperties>
-      </inkml:inkSource>
-      <inkml:timestamp xml:id="ts0" timeString="2024-04-19T14:07:39.130"/>
-    </inkml:context>
-    <inkml:brush xml:id="br0">
-      <inkml:brushProperty name="width" value="0.1" units="cm"/>
-      <inkml:brushProperty name="height" value="0.1" units="cm"/>
-      <inkml:brushProperty name="color" value="#FF0066"/>
-    </inkml:brush>
-  </inkml:definitions>
-  <inkml:trace contextRef="#ctx0" brushRef="#br0">855 0 24575,'0'15'0,"0"1"0,0-5 0,0 4 0,0 2 0,0 0 0,0 4 0,0 3 0,0-2 0,0 4 0,0-3 0,0-4 0,0 1 0,0-2 0,0 6 0,0 2 0,0 7 0,0 10 0,0 3 0,0 3 0,0 5 0,0-9 0,0 2 0,0 0 0,0-3 0,0 4 0,0-3 0,0 4 0,0 1 0,0 6 0,0 5 0,0 2 0,0-1 0,0-2 0,0-6 0,0-10 0,0-2 0,0-8 0,0 1 0,0 2 0,0 3 0,0-1 0,0 0 0,0-4 0,0 0 0,0-4 0,0-8 0,0-6 0,0-8 0,0-1 0,0 0 0,0 4 0,0 0 0,0 4 0,0 4 0,0-2 0,0 2 0,0-2 0,0-4 0,0-1 0,0-3 0,0-2 0,0 1 0,0-1 0,0 0 0,0 2 0,0-2 0,0 1 0,0-1 0,0 0 0,0 0 0,0 1 0,0 0 0,0 1 0,0 0 0,-4-2 0,-1-3 0,-6-4 0,-9-9 0,-18-12 0,-12-7 0,-10-7 0,1 1 0,9 3 0,-3-1 0,9 5 0,0 2 0,5 2 0,4 1 0,1-2 0,-1-1 0,1 1 0,3 1 0,2 2 0,4-1 0,-1 0 0,2 1 0,3 3 0,1 0 0,4 4 0,4 1 0,0 0 0,4 6 0,-1-1 0,3 1 0,10 4 0,10 2 0,18 9 0,22 20 0,10 11 0,5 4 0,-1 3 0,-15-13 0,-4-1 0,3-1 0,2-3 0,5 2 0,2 2 0,-6-2 0,-7-3 0,-6-6 0,-13-5 0,-3-4 0,-8-2 0,-4-3 0,-4-1 0,-4-3 0,1-2 0,-1 0 0,2-1 0,2 2 0,2 2 0,2 1 0,3 1 0,4 0 0,-3 0 0,0 3 0,-3 0 0,-4-2 0,0 0 0,-1-3 0,0 0 0,-3 2 0,0 0 0,-1 2 0,-1-1 0,0-2 0,0-3 0,-2-5 0,-1-8 0,3-11 0,3-7 0,3-3 0,6-3 0,-1 4 0,0-1 0,4-2 0,-3 3 0,3-1 0,1 2 0,-1 0 0,2-1 0,-4 1 0,-3 3 0,-1 6 0,-1 2 0,2 0 0,1-2 0,0-1 0,-1 0 0,-1 0 0,2 0 0,-2 2 0,0-1 0,-2 2 0,-2 4 0,1-2 0,-2 3 0,-2 1 0,0 2 0,-1 4 0,0-1 0,0 1 0,-1-1 0,-2 4 0,-1 0 0</inkml:trace>
-</inkml:ink>
-</file>
-
-<file path=ppt/ink/ink21.xml><?xml version="1.0" encoding="utf-8"?>
 <inkml:ink xmlns:inkml="http://www.w3.org/2003/InkML">
   <inkml:definitions>
     <inkml:context xml:id="ctx0">
@@ -516,7 +375,7 @@
 </inkml:ink>
 </file>
 
-<file path=ppt/ink/ink22.xml><?xml version="1.0" encoding="utf-8"?>
+<file path=ppt/ink/ink3.xml><?xml version="1.0" encoding="utf-8"?>
 <inkml:ink xmlns:inkml="http://www.w3.org/2003/InkML">
   <inkml:definitions>
     <inkml:context xml:id="ctx0">
@@ -544,7 +403,7 @@
 </inkml:ink>
 </file>
 
-<file path=ppt/ink/ink23.xml><?xml version="1.0" encoding="utf-8"?>
+<file path=ppt/ink/ink4.xml><?xml version="1.0" encoding="utf-8"?>
 <inkml:ink xmlns:inkml="http://www.w3.org/2003/InkML">
   <inkml:definitions>
     <inkml:context xml:id="ctx0">
@@ -572,7 +431,7 @@
 </inkml:ink>
 </file>
 
-<file path=ppt/ink/ink24.xml><?xml version="1.0" encoding="utf-8"?>
+<file path=ppt/ink/ink5.xml><?xml version="1.0" encoding="utf-8"?>
 <inkml:ink xmlns:inkml="http://www.w3.org/2003/InkML">
   <inkml:definitions>
     <inkml:context xml:id="ctx0">
@@ -600,7 +459,7 @@
 </inkml:ink>
 </file>
 
-<file path=ppt/ink/ink25.xml><?xml version="1.0" encoding="utf-8"?>
+<file path=ppt/ink/ink6.xml><?xml version="1.0" encoding="utf-8"?>
 <inkml:ink xmlns:inkml="http://www.w3.org/2003/InkML">
   <inkml:definitions>
     <inkml:context xml:id="ctx0">
@@ -628,7 +487,7 @@
 </inkml:ink>
 </file>
 
-<file path=ppt/ink/ink26.xml><?xml version="1.0" encoding="utf-8"?>
+<file path=ppt/ink/ink7.xml><?xml version="1.0" encoding="utf-8"?>
 <inkml:ink xmlns:inkml="http://www.w3.org/2003/InkML">
   <inkml:definitions>
     <inkml:context xml:id="ctx0">
@@ -656,230 +515,6 @@
 </inkml:ink>
 </file>
 
-<file path=ppt/ink/ink27.xml><?xml version="1.0" encoding="utf-8"?>
-<inkml:ink xmlns:inkml="http://www.w3.org/2003/InkML">
-  <inkml:definitions>
-    <inkml:context xml:id="ctx0">
-      <inkml:inkSource xml:id="inkSrc0">
-        <inkml:traceFormat>
-          <inkml:channel name="X" type="integer" min="-2.14748E9" max="2.14748E9" units="cm"/>
-          <inkml:channel name="Y" type="integer" min="-2.14748E9" max="2.14748E9" units="cm"/>
-          <inkml:channel name="F" type="integer" max="32767" units="dev"/>
-        </inkml:traceFormat>
-        <inkml:channelProperties>
-          <inkml:channelProperty channel="X" name="resolution" value="1000" units="1/cm"/>
-          <inkml:channelProperty channel="Y" name="resolution" value="1000" units="1/cm"/>
-          <inkml:channelProperty channel="F" name="resolution" value="0" units="1/dev"/>
-        </inkml:channelProperties>
-      </inkml:inkSource>
-      <inkml:timestamp xml:id="ts0" timeString="2024-04-19T14:09:23.955"/>
-    </inkml:context>
-    <inkml:brush xml:id="br0">
-      <inkml:brushProperty name="width" value="0.1" units="cm"/>
-      <inkml:brushProperty name="height" value="0.1" units="cm"/>
-      <inkml:brushProperty name="color" value="#FF0066"/>
-    </inkml:brush>
-  </inkml:definitions>
-  <inkml:trace contextRef="#ctx0" brushRef="#br0">0 0 24575,'30'0'0,"1"0"0,5 0 0,2 0 0,14 0 0,4 0 0,5 0 0,0 0 0,-10 0 0,5 0 0,-4 0 0,4 0 0,0 0 0,0 0 0,3 0 0,-4 0 0,-2 0 0,-2 0 0,2 0 0,7 0 0,6 0 0,-2 0 0,-2 0 0,0 0 0,3 0 0,3 0 0,0 0 0,-2 0 0,-1 0 0,15 0 0,2 0 0,3 0 0,-3 0 0,-8 0 0,3 0 0,-1 0 0,6 0 0,-5 0 0,4 0 0,5 0-484,-7 0 484,15 0 0,-43 2 0,1 0 0,0 0 0,1 1 0,6 0 0,0-1 0,-2 1 0,1-1 0,2-1 0,1-1 0,1 0 0,1 1 0,-1 1 0,0 0 0,-4 1 0,0 0 0,-5 0 0,0 0 0,-1 0 0,-1-2 0,34 0 0,-8-1 0,-3 3 0,3 1 0,11 1 0,6 3 0,2-3 0,1 1 0,-4-2 0,-2-3 0,-6-1 0,-2 0 0,-2 0 0,-17 0 0,-5 0 0,-8 3 0,-3 1 0,6 0 0,1-1 0,-3-2 484,0 0-484,3-1 0,1 0 0,6 0 0,11 0 0,8 0 0,7 0-430,0 0 430,7 0-613,-37 0-1,1 0 614,2 0 0,0 0 0,6 0 0,1 0 0,-2 0 0,-1 0 0,-4 0 0,0 0 0,4 0 0,2 0 0,-2 0 0,2 0 0,7 0 0,2 0 0,-3 0 0,0 0 0,-1 0 0,-1 0 0,-3 0 0,-1 0 0,-13 0 0,-1 0 0,1 0 0,0 0-228,1 1 0,0 2 228,2-1 0,1 1 0,3-1 0,1 1 0,0 0 0,0-1 0,0-2 0,-1 1 0,-2 1 0,-1 0 0,0 1 0,0-1 0,-4 0 0,-1 1 0,0 2 0,0-1 0,0-1 0,0 0 0,-1 0 0,-1 0 0,45 2 0,-12-3 0,0 2 0,1 0 0,6 0 0,-1-3 0,-1-1 0,-4 0 0,-6 0 0,-4 0 0,-5 0 0,-2 0 0,-1 0 0,-7 0 394,-6 0-394,-7 0 1222,1 0-1222,3 0 497,0 0-497,-2 0 0,-4 0 0,0 0 0,-4 0 0,-2 0 0,-7 0 0,-7 0 0,-5 0 0,-8 0 0,-1 0 0,-6 0 0,-1 0 0</inkml:trace>
-</inkml:ink>
-</file>
-
-<file path=ppt/ink/ink28.xml><?xml version="1.0" encoding="utf-8"?>
-<inkml:ink xmlns:inkml="http://www.w3.org/2003/InkML">
-  <inkml:definitions>
-    <inkml:context xml:id="ctx0">
-      <inkml:inkSource xml:id="inkSrc0">
-        <inkml:traceFormat>
-          <inkml:channel name="X" type="integer" min="-2.14748E9" max="2.14748E9" units="cm"/>
-          <inkml:channel name="Y" type="integer" min="-2.14748E9" max="2.14748E9" units="cm"/>
-          <inkml:channel name="F" type="integer" max="32767" units="dev"/>
-        </inkml:traceFormat>
-        <inkml:channelProperties>
-          <inkml:channelProperty channel="X" name="resolution" value="1000" units="1/cm"/>
-          <inkml:channelProperty channel="Y" name="resolution" value="1000" units="1/cm"/>
-          <inkml:channelProperty channel="F" name="resolution" value="0" units="1/dev"/>
-        </inkml:channelProperties>
-      </inkml:inkSource>
-      <inkml:timestamp xml:id="ts0" timeString="2024-04-19T14:09:44.439"/>
-    </inkml:context>
-    <inkml:brush xml:id="br0">
-      <inkml:brushProperty name="width" value="0.1" units="cm"/>
-      <inkml:brushProperty name="height" value="0.1" units="cm"/>
-      <inkml:brushProperty name="color" value="#FF0066"/>
-    </inkml:brush>
-  </inkml:definitions>
-  <inkml:trace contextRef="#ctx0" brushRef="#br0">0 272 24575,'22'0'0,"4"0"0,11 0 0,8 0 0,5 0 0,0 0 0,-9 0 0,-6 0 0,-4 0 0,-5 0 0,3 0 0,4 0 0,2 0 0,2 0 0,2 0 0,1-6 0,3-2 0,1 0 0,-5-1 0,-2 3 0,-5-2 0,1 2 0,4 0 0,4 3 0,7-3 0,2-1 0,0 2 0,-4-1 0,4 1 0,0-2 0,1 0 0,-2 3 0,-7-2 0,5 2 0,-2-1 0,-1-1 0,-1 1 0,-4 1 0,4-2 0,5 2 0,2 0 0,2 0 0,3 1 0,1-2 0,5 1 0,2-2 0,-4 1 0,-1 0 0,4 2 0,3 0 0,14-1 0,2-1 0,2-2 0,1 1 0,0 1 0,-2 0 0,-5 1 0,-3-1 0,-12 1 0,-3 0 0,-9 4 0,-2 0 0,4 0 0,-1 0 0,7 0 0,2 0 0,2 0 0,6 0 0,-3 0 0,-3-4 0,-2 0 0,-3-1 0,-5 2 0,-1 0 0,1-1 0,7 0 0,7 0 0,1 3 0,2 0 0,0 1 0,0 0 0,-5 0 0,-1 0 0,-7-1 0,-6 1 0,2 0 0,-7 0 0,-2 0 0,0 0 0,0 0 0,9 0 0,8 0 0,6 0 0,2 0 0,0 0 0,1 4 0,-1 1 0,-1-1 0,-7 0 0,-6-4 0,-7 2 0,1 1 0,-1 1 0,0-1 0,-6-2 0,-9-1 0,2 0 0,-3 0 0,-1 0 0,-1 3 0,-1 0 0,-1 2 0,1 0 0,5 0 0,0 3 0,12 3 0,3 3 0,2 1 0,3 0 0,-1 1 0,4 0 0,0-1 0,0 1 0,-1 3 0,-6 3 0,-5-1 0,-7 0 0,1 4 0,3 3 0,0 4 0,-6-1 0,-6 0 0,-7 0 0,-1-1 0,-1 3 0,-3 1 0,-1 4 0,-1 9 0,-2-2 0,1 2 0,-1 5 0,1-1 0,-1-1 0,-1-4 0,-4-9 0,-3-1 0,1-1 0,-2 0 0,-1 3 0,0 1 0,-3-1 0,0-2 0,0 1 0,0 1 0,0 5 0,0-3 0,0-1 0,0-4 0,0-4 0,0 3 0,0-3 0,0-1 0,0-2 0,0-4 0,0-3 0,0 3 0,0 2 0,0-2 0,0 0 0,0-3 0,0 1 0,0 6 0,0 2 0,0 0 0,0 2 0,0 2 0,0 4 0,0 0 0,0-1 0,0 0 0,0 1 0,0 5 0,0-2 0,0-5 0,0-6 0,0-4 0,0-1 0,0-3 0,0-2 0,0 0 0,0-2 0,0 0 0,0-1 0,0-1 0,0 1 0,0 0 0,0 0 0,0 1 0,0 0 0,0-1 0,0-4 0,0 0 0,0-3 0,0-2 0,0 1 0,-2-2 0,-5-5 0,-11-9 0,-5-7 0,-27-22 0,-9-9 0,-2-2 0,-2 0 0,22 19 0,6 4 0,7 4 0,6 5 0,4 0 0,3 2 0,5 2 0,0 1 0,4 2 0,3 1 0,8 6 0,8 5 0,7 5 0,12 10 0,2 2 0,10 2 0,3 2 0,-2-1 0,4 5 0,-4-2 0,-3-2 0,-10-5 0,-6-4 0,-9-2 0,-4-5 0,-1 0 0,-4-2 0,-1-1 0,-1 1 0,-3 0 0,0 4 0,4 6 0,3 2 0,3 0 0,-1-3 0,-2-8 0,-1-2 0,1-12 0,0-11 0,5-15 0,10-21 0,2 1 0,3-3 0,-2 9 0,1 10 0,-1 0 0,1 3 0,-5 8 0,-7 5 0,-3 6 0,-5 6 0,1 1 0,-1 2 0,0 2 0,-1 1 0,-1 0 0,1-1 0,-2 0 0,0-1 0,-1 0 0,0-1 0,-3 2 0,1 1 0</inkml:trace>
-</inkml:ink>
-</file>
-
-<file path=ppt/ink/ink29.xml><?xml version="1.0" encoding="utf-8"?>
-<inkml:ink xmlns:inkml="http://www.w3.org/2003/InkML">
-  <inkml:definitions>
-    <inkml:context xml:id="ctx0">
-      <inkml:inkSource xml:id="inkSrc0">
-        <inkml:traceFormat>
-          <inkml:channel name="X" type="integer" min="-2.14748E9" max="2.14748E9" units="cm"/>
-          <inkml:channel name="Y" type="integer" min="-2.14748E9" max="2.14748E9" units="cm"/>
-          <inkml:channel name="F" type="integer" max="32767" units="dev"/>
-        </inkml:traceFormat>
-        <inkml:channelProperties>
-          <inkml:channelProperty channel="X" name="resolution" value="1000" units="1/cm"/>
-          <inkml:channelProperty channel="Y" name="resolution" value="1000" units="1/cm"/>
-          <inkml:channelProperty channel="F" name="resolution" value="0" units="1/dev"/>
-        </inkml:channelProperties>
-      </inkml:inkSource>
-      <inkml:timestamp xml:id="ts0" timeString="2024-04-19T14:10:28.977"/>
-    </inkml:context>
-    <inkml:brush xml:id="br0">
-      <inkml:brushProperty name="width" value="0.1" units="cm"/>
-      <inkml:brushProperty name="height" value="0.1" units="cm"/>
-      <inkml:brushProperty name="color" value="#FF0066"/>
-    </inkml:brush>
-  </inkml:definitions>
-  <inkml:trace contextRef="#ctx0" brushRef="#br0">1 500 24575,'19'-5'0,"21"2"0,18 3 0,-7 0 0,4 0 0,0 0 0,-1 0 0,-3 0 0,0 0 0,4 0 0,-1 0 0,27 0 0,14 0 0,-5 0 0,-12 0 0,0 0 0,-9 0 0,-4 0 0,-1 0 0,-10 0 0,5 0 0,-9 0 0,-11 0 0,-2 0 0,-4 0 0,5 0 0,1 0 0,-3 0 0,-2 0 0,-3 0 0,0 0 0,2 0 0,-2 0 0,-2 0 0,-1 0 0,-4 0 0,1 0 0,3 0 0,2 0 0,0 0 0,3 0 0,2 0 0,0 0 0,3 3 0,0 1 0,2-1 0,8 4 0,-3-2 0,3 2 0,-5 1 0,-5-2 0,4 0 0,-7-2 0,3-1 0,-3-2 0,-3-1 0,-2 0 0,-5 0 0,-3 0 0,-5 0 0,-1 0 0,-3 0 0,-1 0 0,-1 0 0,-2 0 0,1 0 0,-1 0 0,3 0 0,4 0 0,5 0 0,3 0 0,0 0 0,-3 0 0,3 0 0,0 0 0,0 0 0,1 0 0,-6 0 0,-1 0 0,0 0 0,-4 0 0,3 0 0,-3 0 0,3 0 0,0 0 0,-3 0 0,0 0 0,-2 0 0,0 0 0,-1 0 0,-1 0 0,0 0 0,0 0 0,-4 0 0,-22-6 0,-7-8 0,-36-18 0,4-5 0,-7-6 0,-4-1 0,12 11 0,-5-3 0,12 11 0,9 2 0,6 3 0,6 3 0,1 2 0,1 3 0,3-3 0,3 1 0,2 1 0,2 1 0,-2 2 0,2 0 0,0-1 0,0 0 0,0-2 0,-4-2 0,0-1 0,3 3 0,2 2 0,4 2 0,0 1 0,2 2 0,4 1 0,16 16 0,3 5 0,19 17 0,1 3 0,5 2 0,5 1 0,-4-3 0,-3-6 0,-1-1 0,0-3 0,5 2 0,-3-2 0,2-2 0,-2-2 0,-4-4 0,-2 0 0,-10-3 0,-3-4 0,-4 0 0,-5-3 0,0-1 0,-4-3 0,1-1 0,0 1 0,0 1 0,2 5 0,9 6 0,5 4 0,-1 0 0,-1-4 0,-8-4 0,-3-3 0,1 1 0,-3-2 0,1-2 0,-5-3 0,-11 1 0,-12 2 0,-11 8 0,-20 17 0,2 4 0,-2 6 0,2-1 0,7-5 0,-3 6 0,-1 2 0,2 4 0,6-5 0,1 0 0,6-4 0,4-3 0,3-5 0,5-5 0,2-5 0,1 2 0,-3 2 0,1 0 0,-1 0 0,1 1 0,2-1 0,-2-2 0,-1 0 0,1-1 0,1-3 0,4-2 0,2-2 0,2-3 0,2 1 0,-1 1 0,0-3 0,2-3 0,0-3 0</inkml:trace>
-</inkml:ink>
-</file>
-
-<file path=ppt/ink/ink3.xml><?xml version="1.0" encoding="utf-8"?>
-<inkml:ink xmlns:inkml="http://www.w3.org/2003/InkML">
-  <inkml:definitions>
-    <inkml:context xml:id="ctx0">
-      <inkml:inkSource xml:id="inkSrc0">
-        <inkml:traceFormat>
-          <inkml:channel name="X" type="integer" min="-2.14748E9" max="2.14748E9" units="cm"/>
-          <inkml:channel name="Y" type="integer" min="-2.14748E9" max="2.14748E9" units="cm"/>
-          <inkml:channel name="F" type="integer" max="32767" units="dev"/>
-        </inkml:traceFormat>
-        <inkml:channelProperties>
-          <inkml:channelProperty channel="X" name="resolution" value="1000" units="1/cm"/>
-          <inkml:channelProperty channel="Y" name="resolution" value="1000" units="1/cm"/>
-          <inkml:channelProperty channel="F" name="resolution" value="0" units="1/dev"/>
-        </inkml:channelProperties>
-      </inkml:inkSource>
-      <inkml:timestamp xml:id="ts0" timeString="2024-04-18T09:25:26.066"/>
-    </inkml:context>
-    <inkml:brush xml:id="br0">
-      <inkml:brushProperty name="width" value="0.05" units="cm"/>
-      <inkml:brushProperty name="height" value="0.05" units="cm"/>
-      <inkml:brushProperty name="color" value="#E71224"/>
-    </inkml:brush>
-  </inkml:definitions>
-  <inkml:trace contextRef="#ctx0" brushRef="#br0">1 1 24575,'2'10'0,"1"0"0,3 1 0,3-1 0,0 1 0,1 1 0,1 1 0,-2 0 0,2-2 0,2 4 0,0 0 0,1 2 0,-1 1 0,1-4 0,-1 1 0,0 0 0,-3-2 0,-3 0 0,0-2 0,0-2 0,1 1 0,-1-3 0,0 1 0,-1 0 0,0-1 0,-2 0 0,-1 1 0,1-1 0,-1-1 0,1 1 0,-1-1 0,2 0 0,1 3 0,0 1 0,1 2 0,2 5 0,0 2 0,2 3 0,3-1 0,0-3 0,1 0 0,-3-2 0,0-3 0,-1-1 0,-2-3 0,1 0 0,-2-1 0,0-1 0,-1 1 0,-1-1 0,0-1 0,-2 0 0,-2-1 0,1-1 0,0-1 0,1-1 0,2 1 0,0 0 0,1 2 0,1 0 0,0 1 0,-1 1 0,0 0 0,1 0 0,0-1 0,3 1 0,0 0 0,0 1 0,1 0 0,-1 0 0,-1 0 0,0-1 0,-2 1 0,-1-1 0,-1-3 0,-1-6 0,11-15 0,8-8 0,8-5 0,12-3 0,2 3 0,9-1 0,10-1 0,2 2 0,1 1 0,-9 4 0,-10 5 0,-13 5 0,-10 4 0,-6 4 0,-9 1 0,-2 3 0,-3 0 0,0-1 0,1 2 0,1-2 0,-1 2 0,0 0 0,1-1 0,-1 0 0,0 1 0,1-1 0,-2 0 0,1-3 0,-1 1 0,2 0 0,1 0 0,0 0 0,1-2 0,0-1 0,0 0 0,0 0 0,0 2 0,-2 1 0,-1-1 0,0 2 0,-1-1 0,-3 3 0,-1 1 0</inkml:trace>
-</inkml:ink>
-</file>
-
-<file path=ppt/ink/ink4.xml><?xml version="1.0" encoding="utf-8"?>
-<inkml:ink xmlns:inkml="http://www.w3.org/2003/InkML">
-  <inkml:definitions>
-    <inkml:context xml:id="ctx0">
-      <inkml:inkSource xml:id="inkSrc0">
-        <inkml:traceFormat>
-          <inkml:channel name="X" type="integer" min="-2.14748E9" max="2.14748E9" units="cm"/>
-          <inkml:channel name="Y" type="integer" min="-2.14748E9" max="2.14748E9" units="cm"/>
-          <inkml:channel name="F" type="integer" max="32767" units="dev"/>
-        </inkml:traceFormat>
-        <inkml:channelProperties>
-          <inkml:channelProperty channel="X" name="resolution" value="1000" units="1/cm"/>
-          <inkml:channelProperty channel="Y" name="resolution" value="1000" units="1/cm"/>
-          <inkml:channelProperty channel="F" name="resolution" value="0" units="1/dev"/>
-        </inkml:channelProperties>
-      </inkml:inkSource>
-      <inkml:timestamp xml:id="ts0" timeString="2024-04-18T09:25:28.115"/>
-    </inkml:context>
-    <inkml:brush xml:id="br0">
-      <inkml:brushProperty name="width" value="0.05" units="cm"/>
-      <inkml:brushProperty name="height" value="0.05" units="cm"/>
-      <inkml:brushProperty name="color" value="#E71224"/>
-    </inkml:brush>
-  </inkml:definitions>
-  <inkml:trace contextRef="#ctx0" brushRef="#br0">0 1 24575,'0'11'0,"0"7"0,0 7 0,0 14 0,0 5 0,0 3 0,0 6 0,0 5 0,0 0 0,0 1 0,0-1 0,0-11 0,0 5 0,0-3 0,0-7 0,0-5 0,0-3 0,0-6 0,0 1 0,0 2 0,0-1 0,0 3 0,0 4 0,0 0 0,0 1 0,0 2 0,0-3 0,0-4 0,0 1 0,0-4 0,0 3 0,0 2 0,0-1 0,0 0 0,0-1 0,0 5 0,0 0 0,0-1 0,0 0 0,0-5 0,0-1 0,0-2 0,0-1 0,0-1 0,0 0 0,0-1 0,0-1 0,0 1 0,0 0 0,0 0 0,0-4 0,0 0 0,0-4 0,0-2 0,0-1 0,0-2 0,0-1 0,0 0 0,0-1 0,0 2 0,0 1 0,0 2 0,0 2 0,0 0 0,0 1 0,0-1 0,0-4 0,0 0 0,0-2 0,0-3 0,0 2 0,0-2 0,0 1 0,0 0 0,0 0 0,0 0 0,2 3 0,2-1 0,0-1 0,0-2 0,-2-2 0,-2-1 0,0 3 0,0 3 0,0 1 0,0 0 0,0 0 0,0-3 0,0 1 0,0-1 0,0-3 0,0 1 0,0-1 0,0-4 0,0 0 0,0-4 0</inkml:trace>
-</inkml:ink>
-</file>
-
-<file path=ppt/ink/ink5.xml><?xml version="1.0" encoding="utf-8"?>
-<inkml:ink xmlns:inkml="http://www.w3.org/2003/InkML">
-  <inkml:definitions>
-    <inkml:context xml:id="ctx0">
-      <inkml:inkSource xml:id="inkSrc0">
-        <inkml:traceFormat>
-          <inkml:channel name="X" type="integer" min="-2.14748E9" max="2.14748E9" units="cm"/>
-          <inkml:channel name="Y" type="integer" min="-2.14748E9" max="2.14748E9" units="cm"/>
-          <inkml:channel name="F" type="integer" max="32767" units="dev"/>
-        </inkml:traceFormat>
-        <inkml:channelProperties>
-          <inkml:channelProperty channel="X" name="resolution" value="1000" units="1/cm"/>
-          <inkml:channelProperty channel="Y" name="resolution" value="1000" units="1/cm"/>
-          <inkml:channelProperty channel="F" name="resolution" value="0" units="1/dev"/>
-        </inkml:channelProperties>
-      </inkml:inkSource>
-      <inkml:timestamp xml:id="ts0" timeString="2024-04-18T09:25:29.830"/>
-    </inkml:context>
-    <inkml:brush xml:id="br0">
-      <inkml:brushProperty name="width" value="0.05" units="cm"/>
-      <inkml:brushProperty name="height" value="0.05" units="cm"/>
-      <inkml:brushProperty name="color" value="#E71224"/>
-    </inkml:brush>
-  </inkml:definitions>
-  <inkml:trace contextRef="#ctx0" brushRef="#br0">1 173 24575,'8'0'0,"3"0"0,7 0 0,2 0 0,-1 0 0,-3 0 0,-8 0 0,0 1 0,1 1 0,0 2 0,1 1 0,-2 1 0,0-1 0,-1-1 0,0-1 0,-1 1 0,-1 1 0,3 3 0,0 2 0,5 0 0,7 8 0,-4-2 0,5 4 0,-6-3 0,1-1 0,-1 0 0,1-2 0,-2 2 0,0 0 0,1-2 0,1 1 0,-1 0 0,0 1 0,-1 0 0,1 1 0,0-1 0,0 1 0,-1 1 0,-1-2 0,0-1 0,0 1 0,1 0 0,-1-1 0,0 4 0,6 2 0,-7-3 0,6 3 0,-8-7 0,1 0 0,-1-3 0,-3-1 0,-3-2 0,0-2 0,-2-1 0,2-1 0,-1 1 0,0 1 0,0 0 0,0 1 0,0-1 0,0-4 0,7-4 0,8-4 0,11-7 0,30-14 0,-6 4 0,22-12 0,-2 4 0,7-2 0,7-2-240,-41 16 1,0 0 239,35-16 0,5-4 0,-6 2 0,-5-1 0,-5 2 0,-8 5 0,-3-2 0,-8 4 0,-6 3 0,-2 2 0,-7 6 0,4-1 0,1-1 0,-3-1 0,3-1 479,-5 1-479,-1 1 0,-5 3 0,-6 4 0,-3 1 0,-5 3 0,-4 2 0,-4 1 0,-2 3 0,0 0 0,-2-1 0,-6 1 0,2 0 0,-4 1 0</inkml:trace>
-</inkml:ink>
-</file>
-
-<file path=ppt/ink/ink6.xml><?xml version="1.0" encoding="utf-8"?>
-<inkml:ink xmlns:inkml="http://www.w3.org/2003/InkML">
-  <inkml:definitions>
-    <inkml:context xml:id="ctx0">
-      <inkml:inkSource xml:id="inkSrc0">
-        <inkml:traceFormat>
-          <inkml:channel name="X" type="integer" min="-2.14748E9" max="2.14748E9" units="cm"/>
-          <inkml:channel name="Y" type="integer" min="-2.14748E9" max="2.14748E9" units="cm"/>
-          <inkml:channel name="F" type="integer" max="32767" units="dev"/>
-        </inkml:traceFormat>
-        <inkml:channelProperties>
-          <inkml:channelProperty channel="X" name="resolution" value="1000" units="1/cm"/>
-          <inkml:channelProperty channel="Y" name="resolution" value="1000" units="1/cm"/>
-          <inkml:channelProperty channel="F" name="resolution" value="0" units="1/dev"/>
-        </inkml:channelProperties>
-      </inkml:inkSource>
-      <inkml:timestamp xml:id="ts0" timeString="2024-04-18T09:26:22.324"/>
-    </inkml:context>
-    <inkml:brush xml:id="br0">
-      <inkml:brushProperty name="width" value="0.05" units="cm"/>
-      <inkml:brushProperty name="height" value="0.05" units="cm"/>
-      <inkml:brushProperty name="color" value="#E71224"/>
-    </inkml:brush>
-  </inkml:definitions>
-  <inkml:trace contextRef="#ctx0" brushRef="#br0">1 18 24575,'38'0'0,"8"0"0,14 0 0,6 0 0,10 0 0,-12 0 0,-5 0 0,-2 0 0,-6 0 0,6 0 0,-6 0 0,-7 0 0,-6 0 0,-5 0 0,-5 0 0,-5 0 0,-3 0 0,-3 0 0,-2 0 0,-4 0 0,0 0 0,2 0 0,0 0 0,0 0 0,2 0 0,-2 0 0,0 0 0,2 0 0,-1-4 0,2 0 0,-1-1 0,-1 1 0,1 3 0,-2 1 0,0 0 0,2 0 0,4 0 0,2 0 0,3 0 0,1 0 0,1 0 0,0 0 0,0 0 0,-1 0 0,-3 0 0,2 0 0,-5 0 0,1 0 0,-2 0 0,-2 0 0,2 0 0,0 0 0,0 0 0,-2 0 0,0 0 0,1 0 0,1 0 0,-1 0 0,-2 0 0,-3 0 0,-1 0 0,2 0 0,0 0 0,1 0 0,-1 0 0,0 0 0,2 0 0,-1 0 0,1 0 0,0 0 0,-2 0 0,0 0 0,-1 0 0,1 0 0,3 0 0,0 0 0,-3 2 0,0 0 0,-2-1 0,0 2 0,-1-1 0,-3 0 0,1 0 0,-1-2 0,-3 0 0,-1 0 0,-2 0 0</inkml:trace>
-</inkml:ink>
-</file>
-
-<file path=ppt/ink/ink7.xml><?xml version="1.0" encoding="utf-8"?>
-<inkml:ink xmlns:inkml="http://www.w3.org/2003/InkML">
-  <inkml:definitions>
-    <inkml:context xml:id="ctx0">
-      <inkml:inkSource xml:id="inkSrc0">
-        <inkml:traceFormat>
-          <inkml:channel name="X" type="integer" min="-2.14748E9" max="2.14748E9" units="cm"/>
-          <inkml:channel name="Y" type="integer" min="-2.14748E9" max="2.14748E9" units="cm"/>
-          <inkml:channel name="F" type="integer" max="32767" units="dev"/>
-        </inkml:traceFormat>
-        <inkml:channelProperties>
-          <inkml:channelProperty channel="X" name="resolution" value="1000" units="1/cm"/>
-          <inkml:channelProperty channel="Y" name="resolution" value="1000" units="1/cm"/>
-          <inkml:channelProperty channel="F" name="resolution" value="0" units="1/dev"/>
-        </inkml:channelProperties>
-      </inkml:inkSource>
-      <inkml:timestamp xml:id="ts0" timeString="2024-04-18T09:26:23.967"/>
-    </inkml:context>
-    <inkml:brush xml:id="br0">
-      <inkml:brushProperty name="width" value="0.05" units="cm"/>
-      <inkml:brushProperty name="height" value="0.05" units="cm"/>
-      <inkml:brushProperty name="color" value="#E71224"/>
-    </inkml:brush>
-  </inkml:definitions>
-  <inkml:trace contextRef="#ctx0" brushRef="#br0">1 1 24575,'13'0'0,"-1"0"0,4 0 0,-4 0 0,2 0 0,0 0 0,-4 0 0,0 0 0,-4 0 0,1 0 0,-1 1 0,0 1 0,0 0 0,0 3 0,1 0 0,0 2 0,0 2 0,1 1 0,0 3 0,3 2 0,0 0 0,2 3 0,-1-4 0,-2-1 0,-1 0 0,0-1 0,2 3 0,0 0 0,2 0 0,-1 3 0,2 1 0,0-1 0,-3 0 0,2-2 0,-2-3 0,-1-1 0,-2-3 0,-3-3 0,-1 0 0,-1-1 0,-1 1 0,-1-2 0,-2-2 0,-4 0 0,-3 0 0,-3 1 0,-2 3 0,-3 3 0,2 3 0,-2 1 0,2 2 0,0 1 0,0 0 0,2 2 0,0 3 0,2 1 0,1 0 0,-1 2 0,1-3 0,2 1 0,0 3 0,0 0 0,1 4 0,-1 0 0,1 0 0,1 0 0,0-3 0,-1 0 0,1-4 0,3-3 0,-2-2 0,1-1 0,1 0 0,0-1 0,2 1 0,0 0 0,0-3 0,0-2 0,0-3 0,-1 0 0,-3-2 0,-1-3 0,-1-1 0,-2-2 0,5 0 0,-2 0 0</inkml:trace>
-</inkml:ink>
-</file>
-
 <file path=ppt/ink/ink8.xml><?xml version="1.0" encoding="utf-8"?>
 <inkml:ink xmlns:inkml="http://www.w3.org/2003/InkML">
   <inkml:definitions>
@@ -896,15 +531,15 @@
           <inkml:channelProperty channel="F" name="resolution" value="0" units="1/dev"/>
         </inkml:channelProperties>
       </inkml:inkSource>
-      <inkml:timestamp xml:id="ts0" timeString="2024-04-18T09:26:31.507"/>
+      <inkml:timestamp xml:id="ts0" timeString="2024-04-19T14:51:28.964"/>
     </inkml:context>
     <inkml:brush xml:id="br0">
-      <inkml:brushProperty name="width" value="0.05" units="cm"/>
-      <inkml:brushProperty name="height" value="0.05" units="cm"/>
-      <inkml:brushProperty name="color" value="#E71224"/>
+      <inkml:brushProperty name="width" value="0.1" units="cm"/>
+      <inkml:brushProperty name="height" value="0.1" units="cm"/>
+      <inkml:brushProperty name="color" value="#FF0066"/>
     </inkml:brush>
   </inkml:definitions>
-  <inkml:trace contextRef="#ctx0" brushRef="#br0">1 0 24575,'20'0'0,"10"0"0,22 0 0,19 0 0,13 0 0,-34 0 0,0 0 0,50 0 0,-49 0 0,-1 0-1044,48 0 1044,-44 0 0,1 0 171,-2 0 0,-1 0-171,0 0 0,0 0 0,47 0 0,-16 0 0,-32 0 0,2 0 0,42 0 0,2 0-856,-10 0 856,-17 0 0,5 0 0,-15 0 0,-9 0 0,-10 0 501,-11 0-501,-3 0 0,-5 0 0,-7 0 1057,-4 0-1057,-3 0 0,-1 0 0,0 0 0,-1 0 0,5 0 0,8 0 0,10 0 0,8 0 0,3 3 0,0 0 0,-8 0 0,-6 0 0,-8-3 0,-4 0 0,0 0 0,-4 0 0,-5 0 0,-1 0 0</inkml:trace>
+  <inkml:trace contextRef="#ctx0" brushRef="#br0">0 352 24575,'15'0'0,"7"0"0,14 0 0,30 0 0,11 0 0,6 0 0,-4 0 0,-12 0 0,6 0 0,-3 0 0,-4 0 0,-8 0 0,-6 0 0,-6 0 0,-6 0 0,-7 0 0,-6 0 0,1 0 0,-2 0 0,3 0 0,-3 0 0,-3 0 0,-1 0 0,-2 0 0,-2 0 0,-2 0 0,-1 0 0,0 0 0,-2 0 0,3 0 0,1 0 0,2 0 0,2 0 0,3 0 0,-1 0 0,3 0 0,-1 0 0,1 0 0,3 0 0,0 0 0,2 0 0,10 1 0,-13 1 0,11 0 0,-13 0 0,1 0 0,2 1 0,-4-1 0,-2 0 0,0-2 0,-5 2 0,-1 1 0,-2-1 0,-2 0 0,0-2 0,0 0 0,1 0 0,-1 0 0,0 0 0,0 0 0,-2 0 0,-1 0 0,-2 0 0,-1 0 0,1 0 0,1 0 0,-2 0 0,2 0 0,-2 0 0,0 0 0,0 0 0,0 0 0,0 0 0,1 0 0,-1 0 0,1 0 0,-1 0 0,0 0 0,-1 0 0,0 1 0,1 1 0,-1-1 0,-1 1 0,-13-9 0,4 2 0,-13-5 0,6 5 0,-2 0 0,-1-2 0,0-1 0,-2 2 0,-1-1 0,-1 1 0,0-1 0,0-2 0,0-2 0,0-1 0,2 2 0,2 2 0,1 2 0,1 0 0,-1 0 0,1-2 0,-1 2 0,0 0 0,0 0 0,-3-1 0,1-4 0,-3 0 0,0 0 0,2 2 0,3 4 0,1 1 0,3 1 0,1-1 0,0 2 0,3-1 0,0-1 0,0-1 0,-2-2 0,-3 0 0,-2-1 0,-3-1 0,2 1 0,0 1 0,2 0 0,2 0 0,0 0 0,1 1 0,0 0 0,-1 0 0,-2 0 0,1-2 0,0 1 0,3-1 0,-1 2 0,1 1 0,0 0 0,3 2 0,4 0 0,5 3 0,7 4 0,3 3 0,7 4 0,-1-1 0,1 2 0,1 1 0,-2-2 0,4 1 0,0 0 0,3 2 0,-1-1 0,1 0 0,-2-1 0,-3 0 0,1 1 0,-2-2 0,0-2 0,-5-1 0,-4-1 0,0 1 0,1-1 0,3 2 0,-2 0 0,1 1 0,-1 1 0,1 0 0,0 0 0,-1-2 0,0-1 0,-2 0 0,-2-1 0,0 0 0,-3 0 0,1 0 0,1 0 0,-2 1 0,-3-2 0,-3-2 0,-5-1 0,-3 1 0,0 1 0,-2 2 0,-1 3 0,-4 2 0,-2 1 0,-1 1 0,0-1 0,1-1 0,-1 1 0,0 1 0,1-1 0,-1 1 0,2-3 0,-1 2 0,0-2 0,1 0 0,-1 1 0,0-1 0,1 2 0,1 1 0,2-3 0,-1 2 0,1-1 0,0 1 0,0-1 0,3-1 0,-1-1 0,2-2 0,1 0 0,0-3 0,2 0 0,1-2 0,-1-1 0,-1 3 0,-2 0 0,-2 4 0,-1 3 0,-1 0 0,-2 3 0,2-2 0,1 0 0,1 0 0,3-3 0,1-2 0,2-1 0,-2-2 0,2-1 0,-1 1 0,1-1 0,-2 4 0,-2 3 0,-1 1 0,-2 0 0,4-2 0,2-3 0,2-1 0,0-2 0,1-2 0,-1-1 0</inkml:trace>
 </inkml:ink>
 </file>
 
@@ -924,15 +559,15 @@
           <inkml:channelProperty channel="F" name="resolution" value="0" units="1/dev"/>
         </inkml:channelProperties>
       </inkml:inkSource>
-      <inkml:timestamp xml:id="ts0" timeString="2024-04-18T09:26:33.500"/>
+      <inkml:timestamp xml:id="ts0" timeString="2024-04-19T14:51:52.847"/>
     </inkml:context>
     <inkml:brush xml:id="br0">
-      <inkml:brushProperty name="width" value="0.05" units="cm"/>
-      <inkml:brushProperty name="height" value="0.05" units="cm"/>
-      <inkml:brushProperty name="color" value="#E71224"/>
+      <inkml:brushProperty name="width" value="0.1" units="cm"/>
+      <inkml:brushProperty name="height" value="0.1" units="cm"/>
+      <inkml:brushProperty name="color" value="#FF0066"/>
     </inkml:brush>
   </inkml:definitions>
-  <inkml:trace contextRef="#ctx0" brushRef="#br0">1 0 24575,'10'9'0,"-1"-1"0,1 0 0,1-1 0,0 1 0,2-1 0,0 1 0,1 2 0,3 2 0,2 3 0,1 1 0,1 0 0,-5-1 0,0-2 0,-1-1 0,-2 1 0,0 0 0,-3-1 0,0-2 0,-1-1 0,1 2 0,-2-2 0,0-1 0,-1 0 0,1 0 0,-2-1 0,-2 0 0,-1-1 0,0-2 0,2 0 0,1 1 0,0 3 0,1 1 0,1 3 0,1 1 0,-3-3 0,0 0 0,-1-2 0,1-1 0,0 3 0,-2-1 0,0 0 0,1-1 0,1 0 0,2 3 0,0-1 0,0 0 0,-2-2 0,-1-2 0,0 0 0,-1 0 0,-3-2 0,-5-2 0,-8 1 0,-3 4 0,-6 8 0,-2 7 0,-8 10 0,-1 1 0,5-3 0,0-3 0,12-11 0,3-4 0,5-3 0,3-3 0,0 0 0,-1 3 0,-1 3 0,0 0 0,-3 3 0,1 0 0,-1 1 0,2 2 0,0-2 0,1-1 0,0-3 0,0-1 0,1 2 0,1 0 0,0 1 0,-1 1 0,1-2 0,-2-2 0,2-1 0,-1-2 0,2 0 0,1-4 0,0-1 0</inkml:trace>
+  <inkml:trace contextRef="#ctx0" brushRef="#br0">0 2912 24575,'0'-17'0,"0"-1"0,4-5 0,4-5 0,6-8 0,7-4 0,5-7 0,1 1 0,-2 7 0,1 4 0,-3 5 0,6-1 0,2-7 0,-1 2 0,0-4 0,1 0 0,3-3 0,5-8 0,2 1 0,-4 0 0,-1 1 0,-4 7 0,-4 0 0,2 3 0,-2 1 0,0-4 0,-2 5 0,-2 3 0,-3 4 0,0-1 0,1-1 0,0 2 0,-1 0 0,-1 2 0,3 2 0,-1 0 0,-2 3 0,0 4 0,-3-3 0,0 0 0,0-1 0,0 1 0,0 0 0,3-1 0,-1 1 0,0-2 0,0 2 0,1-1 0,0 1 0,0-1 0,3-1 0,2-2 0,-1 0 0,-2 1 0,-1 0 0,-1 2 0,4-4 0,0 0 0,0 3 0,-1-1 0,-4 3 0,-2 2 0,-1 2 0,-2 2 0,-1 0 0,1-1 0,0-1 0,0-1 0,0 1 0,0-4 0,0 0 0,2-1 0,1-1 0,3-1 0,-3 2 0,1-2 0,0 1 0,3-3 0,3-2 0,0 0 0,0 2 0,-4 3 0,-1 2 0,0 2 0,0 2 0,-1-1 0,-2 4 0,-4 2 0,-1 2 0,0 2 0,0 0 0,0 0 0,1 0 0,-2 1 0,1-2 0,0 0 0,-3-1 0,2 1 0,3-1 0,2-2 0,1-1 0,0-4 0,4-4 0,3-2 0,5-6 0,0 0 0,-4 2 0,-3 4 0,-3 4 0,-4 5 0,-4 4 0,-1 1 0,-2 4 0,-1 1 0,0 1 0,-2 0 0,1 0 0,1-2 0,-1 1 0,0 0 0,0 0 0,-2 1 0,2 0 0,-2 0 0,0-1 0,2-1 0,-1-1 0,1 1 0,-1 1 0,-3 1 0,-2 2 0,-6 0 0,-3 2 0,-11 4 0,-14 5 0,-9 5 0,-6 1 0,2-1 0,6-2 0,5-1 0,1 0 0,8-1 0,0-1 0,2 0 0,1 0 0,-1 1 0,3-1 0,1 1 0,3-3 0,0 0 0,0-2 0,1 0 0,0-1 0,0 0 0,4 1 0,0-1 0,3-1 0,0 1 0,-1 0 0,2-1 0,-1 1 0,3-2 0,0 2 0,1-1 0,0 1 0,-1-1 0,2-1 0,1 0 0,1 0 0,2 0 0,10-2 0,5-4 0,21-3 0,6-3 0,6 1 0,3 0 0,-4 2 0,-4 1 0,-4 1 0,-5 2 0,-5-1 0,2 1 0,0 0 0,-3 1 0,0 1 0,-3 1 0,0-2 0,-1 0 0,0-1 0,0-1 0,-1 2 0,-3-2 0,-5-1 0,0 1 0,-2-1 0,3 1 0,-1 0 0,-2 0 0,-1 1 0,-2 0 0,0 1 0,-1-2 0,1 0 0,-1 1 0,0-1 0,-1 2 0,0 1 0,1 1 0,-2-2 0,0 0 0,0-1 0,0-2 0,2 1 0,-1 0 0,-1 2 0,-2 4 0,-1 3 0,-2 5 0,0 5 0,0 1 0,0 4 0,0 6 0,0 0 0,0 6 0,0 1 0,0 1 0,0 5 0,0 0 0,0-2 0,0-1 0,0-7 0,0-2 0,0-2 0,0 0 0,0 0 0,0-1 0,0-2 0,0-2 0,0-4 0,0 0 0,0-3 0,0-2 0,0-2 0,0-2 0,0 0 0,0-1 0,0 0 0,0 1 0,0 2 0,0 1 0,0 0 0,0 2 0,0-2 0,0 3 0,0 0 0,0-1 0,0 0 0,0-2 0,0-2 0,0-2 0,0 1 0,0 0 0,0 0 0,0-3 0,0-1 0</inkml:trace>
 </inkml:ink>
 </file>
 
@@ -4152,10 +3787,53 @@
       </p:grpSpPr>
       <p:sp>
         <p:nvSpPr>
-          <p:cNvPr id="2" name="Title 1">
-            <a:extLst>
-              <a:ext uri="{FF2B5EF4-FFF2-40B4-BE49-F238E27FC236}">
-                <a16:creationId xmlns:a16="http://schemas.microsoft.com/office/drawing/2014/main" id="{E76E5EF7-57FD-6C6B-9EA1-3E1BEAA205BF}"/>
+          <p:cNvPr id="6" name="TextBox 5">
+            <a:extLst>
+              <a:ext uri="{FF2B5EF4-FFF2-40B4-BE49-F238E27FC236}">
+                <a16:creationId xmlns:a16="http://schemas.microsoft.com/office/drawing/2014/main" id="{2706CF93-3356-D2E7-C1DA-6BC341EB9FD0}"/>
+              </a:ext>
+            </a:extLst>
+          </p:cNvPr>
+          <p:cNvSpPr txBox="1"/>
+          <p:nvPr/>
+        </p:nvSpPr>
+        <p:spPr>
+          <a:xfrm>
+            <a:off x="492712" y="2376238"/>
+            <a:ext cx="1444852" cy="646331"/>
+          </a:xfrm>
+          <a:prstGeom prst="rect">
+            <a:avLst/>
+          </a:prstGeom>
+          <a:noFill/>
+        </p:spPr>
+        <p:txBody>
+          <a:bodyPr wrap="square" rtlCol="0">
+            <a:spAutoFit/>
+          </a:bodyPr>
+          <a:lstStyle/>
+          <a:p>
+            <a:pPr algn="ctr"/>
+            <a:r>
+              <a:rPr lang="en-GB" dirty="0"/>
+              <a:t>input reads </a:t>
+            </a:r>
+          </a:p>
+          <a:p>
+            <a:pPr algn="ctr"/>
+            <a:r>
+              <a:rPr lang="en-GB" dirty="0"/>
+              <a:t>(post-qc)</a:t>
+            </a:r>
+          </a:p>
+        </p:txBody>
+      </p:sp>
+      <p:sp>
+        <p:nvSpPr>
+          <p:cNvPr id="7" name="Title 1">
+            <a:extLst>
+              <a:ext uri="{FF2B5EF4-FFF2-40B4-BE49-F238E27FC236}">
+                <a16:creationId xmlns:a16="http://schemas.microsoft.com/office/drawing/2014/main" id="{29E01862-586C-3876-FE47-5137C20D3C5B}"/>
               </a:ext>
             </a:extLst>
           </p:cNvPr>
@@ -4186,10 +3864,10 @@
       </p:sp>
       <p:sp>
         <p:nvSpPr>
-          <p:cNvPr id="4" name="TextBox 3">
-            <a:extLst>
-              <a:ext uri="{FF2B5EF4-FFF2-40B4-BE49-F238E27FC236}">
-                <a16:creationId xmlns:a16="http://schemas.microsoft.com/office/drawing/2014/main" id="{7E2A7D2D-6618-2C14-12BB-D05EF9696A54}"/>
+          <p:cNvPr id="8" name="TextBox 7">
+            <a:extLst>
+              <a:ext uri="{FF2B5EF4-FFF2-40B4-BE49-F238E27FC236}">
+                <a16:creationId xmlns:a16="http://schemas.microsoft.com/office/drawing/2014/main" id="{9032D33A-0591-9F3A-D416-29E337E585C3}"/>
               </a:ext>
             </a:extLst>
           </p:cNvPr>
@@ -4198,8 +3876,8 @@
         </p:nvSpPr>
         <p:spPr>
           <a:xfrm>
-            <a:off x="1151203" y="1523729"/>
-            <a:ext cx="2268748" cy="369332"/>
+            <a:off x="2841912" y="4139137"/>
+            <a:ext cx="1444852" cy="369332"/>
           </a:xfrm>
           <a:prstGeom prst="rect">
             <a:avLst/>
@@ -4212,9 +3890,10 @@
           </a:bodyPr>
           <a:lstStyle/>
           <a:p>
+            <a:pPr algn="ctr"/>
             <a:r>
               <a:rPr lang="en-GB" dirty="0"/>
-              <a:t>input reads (post-qc)</a:t>
+              <a:t>assemblies</a:t>
             </a:r>
           </a:p>
         </p:txBody>
@@ -4224,7 +3903,7 @@
           <p:cNvPr id="10" name="TextBox 9">
             <a:extLst>
               <a:ext uri="{FF2B5EF4-FFF2-40B4-BE49-F238E27FC236}">
-                <a16:creationId xmlns:a16="http://schemas.microsoft.com/office/drawing/2014/main" id="{E92EFF33-90FB-A388-EB3A-6A2D99EAAB9E}"/>
+                <a16:creationId xmlns:a16="http://schemas.microsoft.com/office/drawing/2014/main" id="{B64033D3-1AF1-B980-D808-71FAFE7E47B3}"/>
               </a:ext>
             </a:extLst>
           </p:cNvPr>
@@ -4233,7 +3912,7 @@
         </p:nvSpPr>
         <p:spPr>
           <a:xfrm>
-            <a:off x="1279338" y="2998193"/>
+            <a:off x="2693747" y="2376238"/>
             <a:ext cx="1741182" cy="646331"/>
           </a:xfrm>
           <a:prstGeom prst="rect">
@@ -4264,10 +3943,10 @@
       </p:sp>
       <p:sp>
         <p:nvSpPr>
-          <p:cNvPr id="17" name="TextBox 16">
-            <a:extLst>
-              <a:ext uri="{FF2B5EF4-FFF2-40B4-BE49-F238E27FC236}">
-                <a16:creationId xmlns:a16="http://schemas.microsoft.com/office/drawing/2014/main" id="{54614CE1-A5BA-601E-A0DA-F222F5B43399}"/>
+          <p:cNvPr id="13" name="TextBox 12">
+            <a:extLst>
+              <a:ext uri="{FF2B5EF4-FFF2-40B4-BE49-F238E27FC236}">
+                <a16:creationId xmlns:a16="http://schemas.microsoft.com/office/drawing/2014/main" id="{17DAEBE3-D763-8D08-C404-6FDFB723053B}"/>
               </a:ext>
             </a:extLst>
           </p:cNvPr>
@@ -4276,8 +3955,8 @@
         </p:nvSpPr>
         <p:spPr>
           <a:xfrm>
-            <a:off x="1191751" y="4608761"/>
-            <a:ext cx="1916358" cy="923330"/>
+            <a:off x="270007" y="4139137"/>
+            <a:ext cx="1890261" cy="369332"/>
           </a:xfrm>
           <a:prstGeom prst="rect">
             <a:avLst/>
@@ -4290,6 +3969,41 @@
           </a:bodyPr>
           <a:lstStyle/>
           <a:p>
+            <a:r>
+              <a:rPr lang="en-GB" dirty="0"/>
+              <a:t>input assemblies</a:t>
+            </a:r>
+          </a:p>
+        </p:txBody>
+      </p:sp>
+      <p:sp>
+        <p:nvSpPr>
+          <p:cNvPr id="14" name="TextBox 13">
+            <a:extLst>
+              <a:ext uri="{FF2B5EF4-FFF2-40B4-BE49-F238E27FC236}">
+                <a16:creationId xmlns:a16="http://schemas.microsoft.com/office/drawing/2014/main" id="{A3C2C75D-A0EE-6BAE-6AF7-ED2AC851FF1E}"/>
+              </a:ext>
+            </a:extLst>
+          </p:cNvPr>
+          <p:cNvSpPr txBox="1"/>
+          <p:nvPr/>
+        </p:nvSpPr>
+        <p:spPr>
+          <a:xfrm>
+            <a:off x="2810767" y="5487068"/>
+            <a:ext cx="1507144" cy="923330"/>
+          </a:xfrm>
+          <a:prstGeom prst="rect">
+            <a:avLst/>
+          </a:prstGeom>
+          <a:noFill/>
+        </p:spPr>
+        <p:txBody>
+          <a:bodyPr wrap="none" rtlCol="0">
+            <a:spAutoFit/>
+          </a:bodyPr>
+          <a:lstStyle/>
+          <a:p>
             <a:pPr algn="ctr"/>
             <a:r>
               <a:rPr lang="en-GB" dirty="0"/>
@@ -4300,24 +4014,24 @@
             </a:br>
             <a:r>
               <a:rPr lang="en-GB" dirty="0"/>
-              <a:t>(optional filtering </a:t>
+              <a:t>(filter contigs</a:t>
             </a:r>
           </a:p>
           <a:p>
             <a:pPr algn="ctr"/>
             <a:r>
               <a:rPr lang="en-GB" dirty="0"/>
-              <a:t>host contigs)</a:t>
-            </a:r>
-          </a:p>
-        </p:txBody>
-      </p:sp>
-      <p:sp>
-        <p:nvSpPr>
-          <p:cNvPr id="26" name="TextBox 25">
-            <a:extLst>
-              <a:ext uri="{FF2B5EF4-FFF2-40B4-BE49-F238E27FC236}">
-                <a16:creationId xmlns:a16="http://schemas.microsoft.com/office/drawing/2014/main" id="{46D827C0-AB2F-B62F-7A4E-402576091477}"/>
+              <a:t>by taxonomy)</a:t>
+            </a:r>
+          </a:p>
+        </p:txBody>
+      </p:sp>
+      <p:sp>
+        <p:nvSpPr>
+          <p:cNvPr id="15" name="TextBox 14">
+            <a:extLst>
+              <a:ext uri="{FF2B5EF4-FFF2-40B4-BE49-F238E27FC236}">
+                <a16:creationId xmlns:a16="http://schemas.microsoft.com/office/drawing/2014/main" id="{405688C1-487E-0F2F-7F34-ECBBFFA26C0A}"/>
               </a:ext>
             </a:extLst>
           </p:cNvPr>
@@ -4326,7 +4040,7 @@
         </p:nvSpPr>
         <p:spPr>
           <a:xfrm>
-            <a:off x="4151131" y="3024247"/>
+            <a:off x="4758308" y="4000637"/>
             <a:ext cx="1829347" cy="646331"/>
           </a:xfrm>
           <a:prstGeom prst="rect">
@@ -4357,10 +4071,10 @@
       </p:sp>
       <p:sp>
         <p:nvSpPr>
-          <p:cNvPr id="30" name="TextBox 29">
-            <a:extLst>
-              <a:ext uri="{FF2B5EF4-FFF2-40B4-BE49-F238E27FC236}">
-                <a16:creationId xmlns:a16="http://schemas.microsoft.com/office/drawing/2014/main" id="{4D3800B8-DCBD-FAAD-667F-0E7B34E648A0}"/>
+          <p:cNvPr id="16" name="TextBox 15">
+            <a:extLst>
+              <a:ext uri="{FF2B5EF4-FFF2-40B4-BE49-F238E27FC236}">
+                <a16:creationId xmlns:a16="http://schemas.microsoft.com/office/drawing/2014/main" id="{8614378F-60CB-640F-F5E2-7F40B2CA4474}"/>
               </a:ext>
             </a:extLst>
           </p:cNvPr>
@@ -4369,1198 +4083,7 @@
         </p:nvSpPr>
         <p:spPr>
           <a:xfrm>
-            <a:off x="6588419" y="2907325"/>
-            <a:ext cx="1891864" cy="923330"/>
-          </a:xfrm>
-          <a:prstGeom prst="rect">
-            <a:avLst/>
-          </a:prstGeom>
-          <a:noFill/>
-        </p:spPr>
-        <p:txBody>
-          <a:bodyPr wrap="none" rtlCol="0">
-            <a:spAutoFit/>
-          </a:bodyPr>
-          <a:lstStyle/>
-          <a:p>
-            <a:pPr algn="ctr"/>
-            <a:r>
-              <a:rPr lang="en-GB" dirty="0"/>
-              <a:t>MMSeqs2</a:t>
-            </a:r>
-            <a:br>
-              <a:rPr lang="en-GB" dirty="0"/>
-            </a:br>
-            <a:r>
-              <a:rPr lang="en-GB" dirty="0"/>
-              <a:t>(clustering gene</a:t>
-            </a:r>
-          </a:p>
-          <a:p>
-            <a:pPr algn="ctr"/>
-            <a:r>
-              <a:rPr lang="en-GB" dirty="0"/>
-              <a:t> predictions)</a:t>
-            </a:r>
-          </a:p>
-        </p:txBody>
-      </p:sp>
-      <p:sp>
-        <p:nvSpPr>
-          <p:cNvPr id="34" name="TextBox 33">
-            <a:extLst>
-              <a:ext uri="{FF2B5EF4-FFF2-40B4-BE49-F238E27FC236}">
-                <a16:creationId xmlns:a16="http://schemas.microsoft.com/office/drawing/2014/main" id="{1BB74739-B89E-4141-C0AB-9D8A75BCBBC6}"/>
-              </a:ext>
-            </a:extLst>
-          </p:cNvPr>
-          <p:cNvSpPr txBox="1"/>
-          <p:nvPr/>
-        </p:nvSpPr>
-        <p:spPr>
-          <a:xfrm>
-            <a:off x="6627708" y="4885760"/>
-            <a:ext cx="1936748" cy="923330"/>
-          </a:xfrm>
-          <a:prstGeom prst="rect">
-            <a:avLst/>
-          </a:prstGeom>
-          <a:noFill/>
-        </p:spPr>
-        <p:txBody>
-          <a:bodyPr wrap="none" rtlCol="0">
-            <a:spAutoFit/>
-          </a:bodyPr>
-          <a:lstStyle/>
-          <a:p>
-            <a:pPr algn="ctr"/>
-            <a:r>
-              <a:rPr lang="en-GB" dirty="0"/>
-              <a:t>eggnog-mapper</a:t>
-            </a:r>
-            <a:br>
-              <a:rPr lang="en-GB" dirty="0"/>
-            </a:br>
-            <a:r>
-              <a:rPr lang="en-GB" dirty="0"/>
-              <a:t>(annotation of </a:t>
-            </a:r>
-            <a:br>
-              <a:rPr lang="en-GB" dirty="0"/>
-            </a:br>
-            <a:r>
-              <a:rPr lang="en-GB" dirty="0"/>
-              <a:t>gene clusters)</a:t>
-            </a:r>
-          </a:p>
-        </p:txBody>
-      </p:sp>
-      <p:sp>
-        <p:nvSpPr>
-          <p:cNvPr id="38" name="TextBox 37">
-            <a:extLst>
-              <a:ext uri="{FF2B5EF4-FFF2-40B4-BE49-F238E27FC236}">
-                <a16:creationId xmlns:a16="http://schemas.microsoft.com/office/drawing/2014/main" id="{D8164259-63B8-C1FC-B327-F9D80E59EB1A}"/>
-              </a:ext>
-            </a:extLst>
-          </p:cNvPr>
-          <p:cNvSpPr txBox="1"/>
-          <p:nvPr/>
-        </p:nvSpPr>
-        <p:spPr>
-          <a:xfrm>
-            <a:off x="9382545" y="3105834"/>
-            <a:ext cx="1875835" cy="646331"/>
-          </a:xfrm>
-          <a:prstGeom prst="rect">
-            <a:avLst/>
-          </a:prstGeom>
-          <a:noFill/>
-        </p:spPr>
-        <p:txBody>
-          <a:bodyPr wrap="none" rtlCol="0">
-            <a:spAutoFit/>
-          </a:bodyPr>
-          <a:lstStyle/>
-          <a:p>
-            <a:pPr algn="ctr"/>
-            <a:r>
-              <a:rPr lang="en-GB" dirty="0" err="1"/>
-              <a:t>coverm</a:t>
-            </a:r>
-            <a:br>
-              <a:rPr lang="en-GB" dirty="0"/>
-            </a:br>
-            <a:r>
-              <a:rPr lang="en-GB" dirty="0"/>
-              <a:t>(quantify genes)</a:t>
-            </a:r>
-          </a:p>
-        </p:txBody>
-      </p:sp>
-      <p:sp>
-        <p:nvSpPr>
-          <p:cNvPr id="54" name="TextBox 53">
-            <a:extLst>
-              <a:ext uri="{FF2B5EF4-FFF2-40B4-BE49-F238E27FC236}">
-                <a16:creationId xmlns:a16="http://schemas.microsoft.com/office/drawing/2014/main" id="{489BD084-330D-066E-F6E8-5A434E1F319A}"/>
-              </a:ext>
-            </a:extLst>
-          </p:cNvPr>
-          <p:cNvSpPr txBox="1"/>
-          <p:nvPr/>
-        </p:nvSpPr>
-        <p:spPr>
-          <a:xfrm>
-            <a:off x="9151712" y="4885760"/>
-            <a:ext cx="2337499" cy="923330"/>
-          </a:xfrm>
-          <a:prstGeom prst="rect">
-            <a:avLst/>
-          </a:prstGeom>
-          <a:noFill/>
-        </p:spPr>
-        <p:txBody>
-          <a:bodyPr wrap="none" rtlCol="0">
-            <a:spAutoFit/>
-          </a:bodyPr>
-          <a:lstStyle/>
-          <a:p>
-            <a:pPr algn="ctr"/>
-            <a:r>
-              <a:rPr lang="en-GB" dirty="0"/>
-              <a:t>Gene ontology (GO)</a:t>
-            </a:r>
-          </a:p>
-          <a:p>
-            <a:pPr algn="ctr"/>
-            <a:r>
-              <a:rPr lang="en-GB" dirty="0"/>
-              <a:t>term abundance</a:t>
-            </a:r>
-            <a:br>
-              <a:rPr lang="en-GB" dirty="0"/>
-            </a:br>
-            <a:r>
-              <a:rPr lang="en-GB" dirty="0"/>
-              <a:t>summaries</a:t>
-            </a:r>
-          </a:p>
-        </p:txBody>
-      </p:sp>
-      <mc:AlternateContent xmlns:mc="http://schemas.openxmlformats.org/markup-compatibility/2006" xmlns:p14="http://schemas.microsoft.com/office/powerpoint/2010/main">
-        <mc:Choice Requires="p14">
-          <p:contentPart p14:bwMode="auto" r:id="rId2">
-            <p14:nvContentPartPr>
-              <p14:cNvPr id="19" name="Ink 18">
-                <a:extLst>
-                  <a:ext uri="{FF2B5EF4-FFF2-40B4-BE49-F238E27FC236}">
-                    <a16:creationId xmlns:a16="http://schemas.microsoft.com/office/drawing/2014/main" id="{0C6B8DAC-5C96-98EE-E07C-5218A2F6799E}"/>
-                  </a:ext>
-                </a:extLst>
-              </p14:cNvPr>
-              <p14:cNvContentPartPr/>
-              <p14:nvPr/>
-            </p14:nvContentPartPr>
-            <p14:xfrm>
-              <a:off x="2988056" y="3745765"/>
-              <a:ext cx="2090160" cy="1419480"/>
-            </p14:xfrm>
-          </p:contentPart>
-        </mc:Choice>
-        <mc:Fallback xmlns="">
-          <p:pic>
-            <p:nvPicPr>
-              <p:cNvPr id="19" name="Ink 18">
-                <a:extLst>
-                  <a:ext uri="{FF2B5EF4-FFF2-40B4-BE49-F238E27FC236}">
-                    <a16:creationId xmlns:a16="http://schemas.microsoft.com/office/drawing/2014/main" id="{0C6B8DAC-5C96-98EE-E07C-5218A2F6799E}"/>
-                  </a:ext>
-                </a:extLst>
-              </p:cNvPr>
-              <p:cNvPicPr/>
-              <p:nvPr/>
-            </p:nvPicPr>
-            <p:blipFill>
-              <a:blip r:embed="rId3"/>
-              <a:stretch>
-                <a:fillRect/>
-              </a:stretch>
-            </p:blipFill>
-            <p:spPr>
-              <a:xfrm>
-                <a:off x="2979056" y="3737125"/>
-                <a:ext cx="2107800" cy="1437120"/>
-              </a:xfrm>
-              <a:prstGeom prst="rect">
-                <a:avLst/>
-              </a:prstGeom>
-            </p:spPr>
-          </p:pic>
-        </mc:Fallback>
-      </mc:AlternateContent>
-      <p:grpSp>
-        <p:nvGrpSpPr>
-          <p:cNvPr id="58" name="Group 57">
-            <a:extLst>
-              <a:ext uri="{FF2B5EF4-FFF2-40B4-BE49-F238E27FC236}">
-                <a16:creationId xmlns:a16="http://schemas.microsoft.com/office/drawing/2014/main" id="{F360DE58-C584-D701-9FE9-E58C1E73568F}"/>
-              </a:ext>
-            </a:extLst>
-          </p:cNvPr>
-          <p:cNvGrpSpPr/>
-          <p:nvPr/>
-        </p:nvGrpSpPr>
-        <p:grpSpPr>
-          <a:xfrm>
-            <a:off x="1897616" y="1659565"/>
-            <a:ext cx="8571240" cy="2888640"/>
-            <a:chOff x="1897616" y="1659565"/>
-            <a:chExt cx="8571240" cy="2888640"/>
-          </a:xfrm>
-        </p:grpSpPr>
-        <mc:AlternateContent xmlns:mc="http://schemas.openxmlformats.org/markup-compatibility/2006" xmlns:p14="http://schemas.microsoft.com/office/powerpoint/2010/main">
-          <mc:Choice Requires="p14">
-            <p:contentPart p14:bwMode="auto" r:id="rId4">
-              <p14:nvContentPartPr>
-                <p14:cNvPr id="8" name="Ink 7">
-                  <a:extLst>
-                    <a:ext uri="{FF2B5EF4-FFF2-40B4-BE49-F238E27FC236}">
-                      <a16:creationId xmlns:a16="http://schemas.microsoft.com/office/drawing/2014/main" id="{2AB38CB8-3E30-8214-EFD4-63DDF32F8532}"/>
-                    </a:ext>
-                  </a:extLst>
-                </p14:cNvPr>
-                <p14:cNvContentPartPr/>
-                <p14:nvPr/>
-              </p14:nvContentPartPr>
-              <p14:xfrm>
-                <a:off x="2094536" y="1925965"/>
-                <a:ext cx="20880" cy="981360"/>
-              </p14:xfrm>
-            </p:contentPart>
-          </mc:Choice>
-          <mc:Fallback xmlns="">
-            <p:pic>
-              <p:nvPicPr>
-                <p:cNvPr id="8" name="Ink 7">
-                  <a:extLst>
-                    <a:ext uri="{FF2B5EF4-FFF2-40B4-BE49-F238E27FC236}">
-                      <a16:creationId xmlns:a16="http://schemas.microsoft.com/office/drawing/2014/main" id="{2AB38CB8-3E30-8214-EFD4-63DDF32F8532}"/>
-                    </a:ext>
-                  </a:extLst>
-                </p:cNvPr>
-                <p:cNvPicPr/>
-                <p:nvPr/>
-              </p:nvPicPr>
-              <p:blipFill>
-                <a:blip r:embed="rId5"/>
-                <a:stretch>
-                  <a:fillRect/>
-                </a:stretch>
-              </p:blipFill>
-              <p:spPr>
-                <a:xfrm>
-                  <a:off x="2085896" y="1916965"/>
-                  <a:ext cx="38520" cy="999000"/>
-                </a:xfrm>
-                <a:prstGeom prst="rect">
-                  <a:avLst/>
-                </a:prstGeom>
-              </p:spPr>
-            </p:pic>
-          </mc:Fallback>
-        </mc:AlternateContent>
-        <mc:AlternateContent xmlns:mc="http://schemas.openxmlformats.org/markup-compatibility/2006" xmlns:p14="http://schemas.microsoft.com/office/powerpoint/2010/main">
-          <mc:Choice Requires="p14">
-            <p:contentPart p14:bwMode="auto" r:id="rId6">
-              <p14:nvContentPartPr>
-                <p14:cNvPr id="11" name="Ink 10">
-                  <a:extLst>
-                    <a:ext uri="{FF2B5EF4-FFF2-40B4-BE49-F238E27FC236}">
-                      <a16:creationId xmlns:a16="http://schemas.microsoft.com/office/drawing/2014/main" id="{6B915E4C-E9B0-4DC5-E1FF-FD3AB2B8E81E}"/>
-                    </a:ext>
-                  </a:extLst>
-                </p14:cNvPr>
-                <p14:cNvContentPartPr/>
-                <p14:nvPr/>
-              </p14:nvContentPartPr>
-              <p14:xfrm>
-                <a:off x="1899056" y="2685925"/>
-                <a:ext cx="519840" cy="261360"/>
-              </p14:xfrm>
-            </p:contentPart>
-          </mc:Choice>
-          <mc:Fallback xmlns="">
-            <p:pic>
-              <p:nvPicPr>
-                <p:cNvPr id="11" name="Ink 10">
-                  <a:extLst>
-                    <a:ext uri="{FF2B5EF4-FFF2-40B4-BE49-F238E27FC236}">
-                      <a16:creationId xmlns:a16="http://schemas.microsoft.com/office/drawing/2014/main" id="{6B915E4C-E9B0-4DC5-E1FF-FD3AB2B8E81E}"/>
-                    </a:ext>
-                  </a:extLst>
-                </p:cNvPr>
-                <p:cNvPicPr/>
-                <p:nvPr/>
-              </p:nvPicPr>
-              <p:blipFill>
-                <a:blip r:embed="rId7"/>
-                <a:stretch>
-                  <a:fillRect/>
-                </a:stretch>
-              </p:blipFill>
-              <p:spPr>
-                <a:xfrm>
-                  <a:off x="1890416" y="2677285"/>
-                  <a:ext cx="537480" cy="279000"/>
-                </a:xfrm>
-                <a:prstGeom prst="rect">
-                  <a:avLst/>
-                </a:prstGeom>
-              </p:spPr>
-            </p:pic>
-          </mc:Fallback>
-        </mc:AlternateContent>
-        <mc:AlternateContent xmlns:mc="http://schemas.openxmlformats.org/markup-compatibility/2006" xmlns:p14="http://schemas.microsoft.com/office/powerpoint/2010/main">
-          <mc:Choice Requires="p14">
-            <p:contentPart p14:bwMode="auto" r:id="rId8">
-              <p14:nvContentPartPr>
-                <p14:cNvPr id="12" name="Ink 11">
-                  <a:extLst>
-                    <a:ext uri="{FF2B5EF4-FFF2-40B4-BE49-F238E27FC236}">
-                      <a16:creationId xmlns:a16="http://schemas.microsoft.com/office/drawing/2014/main" id="{94E94F38-8AAC-457A-566B-4C8A0C7FAB0A}"/>
-                    </a:ext>
-                  </a:extLst>
-                </p14:cNvPr>
-                <p14:cNvContentPartPr/>
-                <p14:nvPr/>
-              </p14:nvContentPartPr>
-              <p14:xfrm>
-                <a:off x="2153216" y="3707965"/>
-                <a:ext cx="5760" cy="840240"/>
-              </p14:xfrm>
-            </p:contentPart>
-          </mc:Choice>
-          <mc:Fallback xmlns="">
-            <p:pic>
-              <p:nvPicPr>
-                <p:cNvPr id="12" name="Ink 11">
-                  <a:extLst>
-                    <a:ext uri="{FF2B5EF4-FFF2-40B4-BE49-F238E27FC236}">
-                      <a16:creationId xmlns:a16="http://schemas.microsoft.com/office/drawing/2014/main" id="{94E94F38-8AAC-457A-566B-4C8A0C7FAB0A}"/>
-                    </a:ext>
-                  </a:extLst>
-                </p:cNvPr>
-                <p:cNvPicPr/>
-                <p:nvPr/>
-              </p:nvPicPr>
-              <p:blipFill>
-                <a:blip r:embed="rId9"/>
-                <a:stretch>
-                  <a:fillRect/>
-                </a:stretch>
-              </p:blipFill>
-              <p:spPr>
-                <a:xfrm>
-                  <a:off x="2144216" y="3699325"/>
-                  <a:ext cx="23400" cy="857880"/>
-                </a:xfrm>
-                <a:prstGeom prst="rect">
-                  <a:avLst/>
-                </a:prstGeom>
-              </p:spPr>
-            </p:pic>
-          </mc:Fallback>
-        </mc:AlternateContent>
-        <mc:AlternateContent xmlns:mc="http://schemas.openxmlformats.org/markup-compatibility/2006" xmlns:p14="http://schemas.microsoft.com/office/powerpoint/2010/main">
-          <mc:Choice Requires="p14">
-            <p:contentPart p14:bwMode="auto" r:id="rId10">
-              <p14:nvContentPartPr>
-                <p14:cNvPr id="13" name="Ink 12">
-                  <a:extLst>
-                    <a:ext uri="{FF2B5EF4-FFF2-40B4-BE49-F238E27FC236}">
-                      <a16:creationId xmlns:a16="http://schemas.microsoft.com/office/drawing/2014/main" id="{E018FA73-36A4-002B-362F-31D4D80208BD}"/>
-                    </a:ext>
-                  </a:extLst>
-                </p14:cNvPr>
-                <p14:cNvContentPartPr/>
-                <p14:nvPr/>
-              </p14:nvContentPartPr>
-              <p14:xfrm>
-                <a:off x="1897616" y="4251565"/>
-                <a:ext cx="830880" cy="286200"/>
-              </p14:xfrm>
-            </p:contentPart>
-          </mc:Choice>
-          <mc:Fallback xmlns="">
-            <p:pic>
-              <p:nvPicPr>
-                <p:cNvPr id="13" name="Ink 12">
-                  <a:extLst>
-                    <a:ext uri="{FF2B5EF4-FFF2-40B4-BE49-F238E27FC236}">
-                      <a16:creationId xmlns:a16="http://schemas.microsoft.com/office/drawing/2014/main" id="{E018FA73-36A4-002B-362F-31D4D80208BD}"/>
-                    </a:ext>
-                  </a:extLst>
-                </p:cNvPr>
-                <p:cNvPicPr/>
-                <p:nvPr/>
-              </p:nvPicPr>
-              <p:blipFill>
-                <a:blip r:embed="rId11"/>
-                <a:stretch>
-                  <a:fillRect/>
-                </a:stretch>
-              </p:blipFill>
-              <p:spPr>
-                <a:xfrm>
-                  <a:off x="1888976" y="4242565"/>
-                  <a:ext cx="848520" cy="303840"/>
-                </a:xfrm>
-                <a:prstGeom prst="rect">
-                  <a:avLst/>
-                </a:prstGeom>
-              </p:spPr>
-            </p:pic>
-          </mc:Fallback>
-        </mc:AlternateContent>
-        <mc:AlternateContent xmlns:mc="http://schemas.openxmlformats.org/markup-compatibility/2006" xmlns:p14="http://schemas.microsoft.com/office/powerpoint/2010/main">
-          <mc:Choice Requires="p14">
-            <p:contentPart p14:bwMode="auto" r:id="rId12">
-              <p14:nvContentPartPr>
-                <p14:cNvPr id="22" name="Ink 21">
-                  <a:extLst>
-                    <a:ext uri="{FF2B5EF4-FFF2-40B4-BE49-F238E27FC236}">
-                      <a16:creationId xmlns:a16="http://schemas.microsoft.com/office/drawing/2014/main" id="{26F4B6E1-8978-8CAF-3A6A-BA31D1D807BD}"/>
-                    </a:ext>
-                  </a:extLst>
-                </p14:cNvPr>
-                <p14:cNvContentPartPr/>
-                <p14:nvPr/>
-              </p14:nvContentPartPr>
-              <p14:xfrm>
-                <a:off x="5924576" y="3258325"/>
-                <a:ext cx="669240" cy="6840"/>
-              </p14:xfrm>
-            </p:contentPart>
-          </mc:Choice>
-          <mc:Fallback xmlns="">
-            <p:pic>
-              <p:nvPicPr>
-                <p:cNvPr id="22" name="Ink 21">
-                  <a:extLst>
-                    <a:ext uri="{FF2B5EF4-FFF2-40B4-BE49-F238E27FC236}">
-                      <a16:creationId xmlns:a16="http://schemas.microsoft.com/office/drawing/2014/main" id="{26F4B6E1-8978-8CAF-3A6A-BA31D1D807BD}"/>
-                    </a:ext>
-                  </a:extLst>
-                </p:cNvPr>
-                <p:cNvPicPr/>
-                <p:nvPr/>
-              </p:nvPicPr>
-              <p:blipFill>
-                <a:blip r:embed="rId13"/>
-                <a:stretch>
-                  <a:fillRect/>
-                </a:stretch>
-              </p:blipFill>
-              <p:spPr>
-                <a:xfrm>
-                  <a:off x="5915936" y="3249325"/>
-                  <a:ext cx="686880" cy="24480"/>
-                </a:xfrm>
-                <a:prstGeom prst="rect">
-                  <a:avLst/>
-                </a:prstGeom>
-              </p:spPr>
-            </p:pic>
-          </mc:Fallback>
-        </mc:AlternateContent>
-        <mc:AlternateContent xmlns:mc="http://schemas.openxmlformats.org/markup-compatibility/2006" xmlns:p14="http://schemas.microsoft.com/office/powerpoint/2010/main">
-          <mc:Choice Requires="p14">
-            <p:contentPart p14:bwMode="auto" r:id="rId14">
-              <p14:nvContentPartPr>
-                <p14:cNvPr id="25" name="Ink 24">
-                  <a:extLst>
-                    <a:ext uri="{FF2B5EF4-FFF2-40B4-BE49-F238E27FC236}">
-                      <a16:creationId xmlns:a16="http://schemas.microsoft.com/office/drawing/2014/main" id="{7249FA9E-FBC9-08C4-3E57-89E892AF6CBA}"/>
-                    </a:ext>
-                  </a:extLst>
-                </p14:cNvPr>
-                <p14:cNvContentPartPr/>
-                <p14:nvPr/>
-              </p14:nvContentPartPr>
-              <p14:xfrm>
-                <a:off x="6460256" y="3128725"/>
-                <a:ext cx="141840" cy="361080"/>
-              </p14:xfrm>
-            </p:contentPart>
-          </mc:Choice>
-          <mc:Fallback xmlns="">
-            <p:pic>
-              <p:nvPicPr>
-                <p:cNvPr id="25" name="Ink 24">
-                  <a:extLst>
-                    <a:ext uri="{FF2B5EF4-FFF2-40B4-BE49-F238E27FC236}">
-                      <a16:creationId xmlns:a16="http://schemas.microsoft.com/office/drawing/2014/main" id="{7249FA9E-FBC9-08C4-3E57-89E892AF6CBA}"/>
-                    </a:ext>
-                  </a:extLst>
-                </p:cNvPr>
-                <p:cNvPicPr/>
-                <p:nvPr/>
-              </p:nvPicPr>
-              <p:blipFill>
-                <a:blip r:embed="rId15"/>
-                <a:stretch>
-                  <a:fillRect/>
-                </a:stretch>
-              </p:blipFill>
-              <p:spPr>
-                <a:xfrm>
-                  <a:off x="6451616" y="3120085"/>
-                  <a:ext cx="159480" cy="378720"/>
-                </a:xfrm>
-                <a:prstGeom prst="rect">
-                  <a:avLst/>
-                </a:prstGeom>
-              </p:spPr>
-            </p:pic>
-          </mc:Fallback>
-        </mc:AlternateContent>
-        <mc:AlternateContent xmlns:mc="http://schemas.openxmlformats.org/markup-compatibility/2006" xmlns:p14="http://schemas.microsoft.com/office/powerpoint/2010/main">
-          <mc:Choice Requires="p14">
-            <p:contentPart p14:bwMode="auto" r:id="rId16">
-              <p14:nvContentPartPr>
-                <p14:cNvPr id="46" name="Ink 45">
-                  <a:extLst>
-                    <a:ext uri="{FF2B5EF4-FFF2-40B4-BE49-F238E27FC236}">
-                      <a16:creationId xmlns:a16="http://schemas.microsoft.com/office/drawing/2014/main" id="{CF2BFD97-2BE0-80E9-AD36-BD22B2D5421B}"/>
-                    </a:ext>
-                  </a:extLst>
-                </p14:cNvPr>
-                <p14:cNvContentPartPr/>
-                <p14:nvPr/>
-              </p14:nvContentPartPr>
-              <p14:xfrm>
-                <a:off x="8564456" y="3437605"/>
-                <a:ext cx="816840" cy="4680"/>
-              </p14:xfrm>
-            </p:contentPart>
-          </mc:Choice>
-          <mc:Fallback xmlns="">
-            <p:pic>
-              <p:nvPicPr>
-                <p:cNvPr id="46" name="Ink 45">
-                  <a:extLst>
-                    <a:ext uri="{FF2B5EF4-FFF2-40B4-BE49-F238E27FC236}">
-                      <a16:creationId xmlns:a16="http://schemas.microsoft.com/office/drawing/2014/main" id="{CF2BFD97-2BE0-80E9-AD36-BD22B2D5421B}"/>
-                    </a:ext>
-                  </a:extLst>
-                </p:cNvPr>
-                <p:cNvPicPr/>
-                <p:nvPr/>
-              </p:nvPicPr>
-              <p:blipFill>
-                <a:blip r:embed="rId17"/>
-                <a:stretch>
-                  <a:fillRect/>
-                </a:stretch>
-              </p:blipFill>
-              <p:spPr>
-                <a:xfrm>
-                  <a:off x="8555816" y="3428605"/>
-                  <a:ext cx="834480" cy="22320"/>
-                </a:xfrm>
-                <a:prstGeom prst="rect">
-                  <a:avLst/>
-                </a:prstGeom>
-              </p:spPr>
-            </p:pic>
-          </mc:Fallback>
-        </mc:AlternateContent>
-        <mc:AlternateContent xmlns:mc="http://schemas.openxmlformats.org/markup-compatibility/2006" xmlns:p14="http://schemas.microsoft.com/office/powerpoint/2010/main">
-          <mc:Choice Requires="p14">
-            <p:contentPart p14:bwMode="auto" r:id="rId18">
-              <p14:nvContentPartPr>
-                <p14:cNvPr id="47" name="Ink 46">
-                  <a:extLst>
-                    <a:ext uri="{FF2B5EF4-FFF2-40B4-BE49-F238E27FC236}">
-                      <a16:creationId xmlns:a16="http://schemas.microsoft.com/office/drawing/2014/main" id="{7409E909-3737-B618-58CC-D3C971F8700A}"/>
-                    </a:ext>
-                  </a:extLst>
-                </p14:cNvPr>
-                <p14:cNvContentPartPr/>
-                <p14:nvPr/>
-              </p14:nvContentPartPr>
-              <p14:xfrm>
-                <a:off x="9205976" y="3297925"/>
-                <a:ext cx="166680" cy="347040"/>
-              </p14:xfrm>
-            </p:contentPart>
-          </mc:Choice>
-          <mc:Fallback xmlns="">
-            <p:pic>
-              <p:nvPicPr>
-                <p:cNvPr id="47" name="Ink 46">
-                  <a:extLst>
-                    <a:ext uri="{FF2B5EF4-FFF2-40B4-BE49-F238E27FC236}">
-                      <a16:creationId xmlns:a16="http://schemas.microsoft.com/office/drawing/2014/main" id="{7409E909-3737-B618-58CC-D3C971F8700A}"/>
-                    </a:ext>
-                  </a:extLst>
-                </p:cNvPr>
-                <p:cNvPicPr/>
-                <p:nvPr/>
-              </p:nvPicPr>
-              <p:blipFill>
-                <a:blip r:embed="rId19"/>
-                <a:stretch>
-                  <a:fillRect/>
-                </a:stretch>
-              </p:blipFill>
-              <p:spPr>
-                <a:xfrm>
-                  <a:off x="9197336" y="3288925"/>
-                  <a:ext cx="184320" cy="364680"/>
-                </a:xfrm>
-                <a:prstGeom prst="rect">
-                  <a:avLst/>
-                </a:prstGeom>
-              </p:spPr>
-            </p:pic>
-          </mc:Fallback>
-        </mc:AlternateContent>
-        <mc:AlternateContent xmlns:mc="http://schemas.openxmlformats.org/markup-compatibility/2006" xmlns:p14="http://schemas.microsoft.com/office/powerpoint/2010/main">
-          <mc:Choice Requires="p14">
-            <p:contentPart p14:bwMode="auto" r:id="rId20">
-              <p14:nvContentPartPr>
-                <p14:cNvPr id="57" name="Ink 56">
-                  <a:extLst>
-                    <a:ext uri="{FF2B5EF4-FFF2-40B4-BE49-F238E27FC236}">
-                      <a16:creationId xmlns:a16="http://schemas.microsoft.com/office/drawing/2014/main" id="{B83DF92D-9502-EE0C-2166-057CF6791304}"/>
-                    </a:ext>
-                  </a:extLst>
-                </p14:cNvPr>
-                <p14:cNvContentPartPr/>
-                <p14:nvPr/>
-              </p14:nvContentPartPr>
-              <p14:xfrm>
-                <a:off x="3355256" y="1659565"/>
-                <a:ext cx="7113600" cy="1478520"/>
-              </p14:xfrm>
-            </p:contentPart>
-          </mc:Choice>
-          <mc:Fallback xmlns="">
-            <p:pic>
-              <p:nvPicPr>
-                <p:cNvPr id="57" name="Ink 56">
-                  <a:extLst>
-                    <a:ext uri="{FF2B5EF4-FFF2-40B4-BE49-F238E27FC236}">
-                      <a16:creationId xmlns:a16="http://schemas.microsoft.com/office/drawing/2014/main" id="{B83DF92D-9502-EE0C-2166-057CF6791304}"/>
-                    </a:ext>
-                  </a:extLst>
-                </p:cNvPr>
-                <p:cNvPicPr/>
-                <p:nvPr/>
-              </p:nvPicPr>
-              <p:blipFill>
-                <a:blip r:embed="rId21"/>
-                <a:stretch>
-                  <a:fillRect/>
-                </a:stretch>
-              </p:blipFill>
-              <p:spPr>
-                <a:xfrm>
-                  <a:off x="3346616" y="1650565"/>
-                  <a:ext cx="7131240" cy="1496160"/>
-                </a:xfrm>
-                <a:prstGeom prst="rect">
-                  <a:avLst/>
-                </a:prstGeom>
-              </p:spPr>
-            </p:pic>
-          </mc:Fallback>
-        </mc:AlternateContent>
-      </p:grpSp>
-      <mc:AlternateContent xmlns:mc="http://schemas.openxmlformats.org/markup-compatibility/2006" xmlns:p14="http://schemas.microsoft.com/office/powerpoint/2010/main">
-        <mc:Choice Requires="p14">
-          <p:contentPart p14:bwMode="auto" r:id="rId22">
-            <p14:nvContentPartPr>
-              <p14:cNvPr id="61" name="Ink 60">
-                <a:extLst>
-                  <a:ext uri="{FF2B5EF4-FFF2-40B4-BE49-F238E27FC236}">
-                    <a16:creationId xmlns:a16="http://schemas.microsoft.com/office/drawing/2014/main" id="{0A03DBF6-B397-EE90-E133-044CB2270F14}"/>
-                  </a:ext>
-                </a:extLst>
-              </p14:cNvPr>
-              <p14:cNvContentPartPr/>
-              <p14:nvPr/>
-            </p14:nvContentPartPr>
-            <p14:xfrm>
-              <a:off x="10045136" y="3901645"/>
-              <a:ext cx="585000" cy="1028880"/>
-            </p14:xfrm>
-          </p:contentPart>
-        </mc:Choice>
-        <mc:Fallback xmlns="">
-          <p:pic>
-            <p:nvPicPr>
-              <p:cNvPr id="61" name="Ink 60">
-                <a:extLst>
-                  <a:ext uri="{FF2B5EF4-FFF2-40B4-BE49-F238E27FC236}">
-                    <a16:creationId xmlns:a16="http://schemas.microsoft.com/office/drawing/2014/main" id="{0A03DBF6-B397-EE90-E133-044CB2270F14}"/>
-                  </a:ext>
-                </a:extLst>
-              </p:cNvPr>
-              <p:cNvPicPr/>
-              <p:nvPr/>
-            </p:nvPicPr>
-            <p:blipFill>
-              <a:blip r:embed="rId23"/>
-              <a:stretch>
-                <a:fillRect/>
-              </a:stretch>
-            </p:blipFill>
-            <p:spPr>
-              <a:xfrm>
-                <a:off x="10036496" y="3893005"/>
-                <a:ext cx="602640" cy="1046520"/>
-              </a:xfrm>
-              <a:prstGeom prst="rect">
-                <a:avLst/>
-              </a:prstGeom>
-            </p:spPr>
-          </p:pic>
-        </mc:Fallback>
-      </mc:AlternateContent>
-      <mc:AlternateContent xmlns:mc="http://schemas.openxmlformats.org/markup-compatibility/2006" xmlns:p14="http://schemas.microsoft.com/office/powerpoint/2010/main">
-        <mc:Choice Requires="p14">
-          <p:contentPart p14:bwMode="auto" r:id="rId24">
-            <p14:nvContentPartPr>
-              <p14:cNvPr id="63" name="Ink 62">
-                <a:extLst>
-                  <a:ext uri="{FF2B5EF4-FFF2-40B4-BE49-F238E27FC236}">
-                    <a16:creationId xmlns:a16="http://schemas.microsoft.com/office/drawing/2014/main" id="{EEA81968-061A-C4C6-4ADD-81E243B9E5CA}"/>
-                  </a:ext>
-                </a:extLst>
-              </p14:cNvPr>
-              <p14:cNvContentPartPr/>
-              <p14:nvPr/>
-            </p14:nvContentPartPr>
-            <p14:xfrm>
-              <a:off x="7334696" y="3885805"/>
-              <a:ext cx="576000" cy="967320"/>
-            </p14:xfrm>
-          </p:contentPart>
-        </mc:Choice>
-        <mc:Fallback xmlns="">
-          <p:pic>
-            <p:nvPicPr>
-              <p:cNvPr id="63" name="Ink 62">
-                <a:extLst>
-                  <a:ext uri="{FF2B5EF4-FFF2-40B4-BE49-F238E27FC236}">
-                    <a16:creationId xmlns:a16="http://schemas.microsoft.com/office/drawing/2014/main" id="{EEA81968-061A-C4C6-4ADD-81E243B9E5CA}"/>
-                  </a:ext>
-                </a:extLst>
-              </p:cNvPr>
-              <p:cNvPicPr/>
-              <p:nvPr/>
-            </p:nvPicPr>
-            <p:blipFill>
-              <a:blip r:embed="rId25"/>
-              <a:stretch>
-                <a:fillRect/>
-              </a:stretch>
-            </p:blipFill>
-            <p:spPr>
-              <a:xfrm>
-                <a:off x="7325696" y="3876805"/>
-                <a:ext cx="593640" cy="984960"/>
-              </a:xfrm>
-              <a:prstGeom prst="rect">
-                <a:avLst/>
-              </a:prstGeom>
-            </p:spPr>
-          </p:pic>
-        </mc:Fallback>
-      </mc:AlternateContent>
-      <mc:AlternateContent xmlns:mc="http://schemas.openxmlformats.org/markup-compatibility/2006" xmlns:p14="http://schemas.microsoft.com/office/powerpoint/2010/main">
-        <mc:Choice Requires="p14">
-          <p:contentPart p14:bwMode="auto" r:id="rId26">
-            <p14:nvContentPartPr>
-              <p14:cNvPr id="64" name="Ink 63">
-                <a:extLst>
-                  <a:ext uri="{FF2B5EF4-FFF2-40B4-BE49-F238E27FC236}">
-                    <a16:creationId xmlns:a16="http://schemas.microsoft.com/office/drawing/2014/main" id="{18446BB6-F9C5-5583-637F-511615078F9C}"/>
-                  </a:ext>
-                </a:extLst>
-              </p14:cNvPr>
-              <p14:cNvContentPartPr/>
-              <p14:nvPr/>
-            </p14:nvContentPartPr>
-            <p14:xfrm>
-              <a:off x="8543216" y="5273965"/>
-              <a:ext cx="950400" cy="370440"/>
-            </p14:xfrm>
-          </p:contentPart>
-        </mc:Choice>
-        <mc:Fallback xmlns="">
-          <p:pic>
-            <p:nvPicPr>
-              <p:cNvPr id="64" name="Ink 63">
-                <a:extLst>
-                  <a:ext uri="{FF2B5EF4-FFF2-40B4-BE49-F238E27FC236}">
-                    <a16:creationId xmlns:a16="http://schemas.microsoft.com/office/drawing/2014/main" id="{18446BB6-F9C5-5583-637F-511615078F9C}"/>
-                  </a:ext>
-                </a:extLst>
-              </p:cNvPr>
-              <p:cNvPicPr/>
-              <p:nvPr/>
-            </p:nvPicPr>
-            <p:blipFill>
-              <a:blip r:embed="rId27"/>
-              <a:stretch>
-                <a:fillRect/>
-              </a:stretch>
-            </p:blipFill>
-            <p:spPr>
-              <a:xfrm>
-                <a:off x="8534576" y="5264965"/>
-                <a:ext cx="968040" cy="388080"/>
-              </a:xfrm>
-              <a:prstGeom prst="rect">
-                <a:avLst/>
-              </a:prstGeom>
-            </p:spPr>
-          </p:pic>
-        </mc:Fallback>
-      </mc:AlternateContent>
-    </p:spTree>
-    <p:extLst>
-      <p:ext uri="{BB962C8B-B14F-4D97-AF65-F5344CB8AC3E}">
-        <p14:creationId xmlns:p14="http://schemas.microsoft.com/office/powerpoint/2010/main" val="2566451781"/>
-      </p:ext>
-    </p:extLst>
-  </p:cSld>
-  <p:clrMapOvr>
-    <a:masterClrMapping/>
-  </p:clrMapOvr>
-</p:sld>
-</file>
-
-<file path=ppt/slides/slide2.xml><?xml version="1.0" encoding="utf-8"?>
-<p:sld xmlns:a="http://schemas.openxmlformats.org/drawingml/2006/main" xmlns:r="http://schemas.openxmlformats.org/officeDocument/2006/relationships" xmlns:p="http://schemas.openxmlformats.org/presentationml/2006/main">
-  <p:cSld>
-    <p:spTree>
-      <p:nvGrpSpPr>
-        <p:cNvPr id="1" name=""/>
-        <p:cNvGrpSpPr/>
-        <p:nvPr/>
-      </p:nvGrpSpPr>
-      <p:grpSpPr>
-        <a:xfrm>
-          <a:off x="0" y="0"/>
-          <a:ext cx="0" cy="0"/>
-          <a:chOff x="0" y="0"/>
-          <a:chExt cx="0" cy="0"/>
-        </a:xfrm>
-      </p:grpSpPr>
-      <p:sp>
-        <p:nvSpPr>
-          <p:cNvPr id="6" name="TextBox 5">
-            <a:extLst>
-              <a:ext uri="{FF2B5EF4-FFF2-40B4-BE49-F238E27FC236}">
-                <a16:creationId xmlns:a16="http://schemas.microsoft.com/office/drawing/2014/main" id="{2706CF93-3356-D2E7-C1DA-6BC341EB9FD0}"/>
-              </a:ext>
-            </a:extLst>
-          </p:cNvPr>
-          <p:cNvSpPr txBox="1"/>
-          <p:nvPr/>
-        </p:nvSpPr>
-        <p:spPr>
-          <a:xfrm>
-            <a:off x="1057491" y="2376238"/>
-            <a:ext cx="1444852" cy="646331"/>
-          </a:xfrm>
-          <a:prstGeom prst="rect">
-            <a:avLst/>
-          </a:prstGeom>
-          <a:noFill/>
-        </p:spPr>
-        <p:txBody>
-          <a:bodyPr wrap="square" rtlCol="0">
-            <a:spAutoFit/>
-          </a:bodyPr>
-          <a:lstStyle/>
-          <a:p>
-            <a:pPr algn="ctr"/>
-            <a:r>
-              <a:rPr lang="en-GB" dirty="0"/>
-              <a:t>input reads </a:t>
-            </a:r>
-          </a:p>
-          <a:p>
-            <a:pPr algn="ctr"/>
-            <a:r>
-              <a:rPr lang="en-GB" dirty="0"/>
-              <a:t>(post-qc)</a:t>
-            </a:r>
-          </a:p>
-        </p:txBody>
-      </p:sp>
-      <p:sp>
-        <p:nvSpPr>
-          <p:cNvPr id="7" name="Title 1">
-            <a:extLst>
-              <a:ext uri="{FF2B5EF4-FFF2-40B4-BE49-F238E27FC236}">
-                <a16:creationId xmlns:a16="http://schemas.microsoft.com/office/drawing/2014/main" id="{29E01862-586C-3876-FE47-5137C20D3C5B}"/>
-              </a:ext>
-            </a:extLst>
-          </p:cNvPr>
-          <p:cNvSpPr>
-            <a:spLocks noGrp="1"/>
-          </p:cNvSpPr>
-          <p:nvPr>
-            <p:ph type="title"/>
-          </p:nvPr>
-        </p:nvSpPr>
-        <p:spPr>
-          <a:xfrm>
-            <a:off x="810883" y="0"/>
-            <a:ext cx="9601200" cy="1485900"/>
-          </a:xfrm>
-        </p:spPr>
-        <p:txBody>
-          <a:bodyPr/>
-          <a:lstStyle/>
-          <a:p>
-            <a:r>
-              <a:rPr lang="en-GB" dirty="0" err="1"/>
-              <a:t>mgannotate</a:t>
-            </a:r>
-            <a:endParaRPr lang="en-GB" dirty="0"/>
-          </a:p>
-        </p:txBody>
-      </p:sp>
-      <p:sp>
-        <p:nvSpPr>
-          <p:cNvPr id="8" name="TextBox 7">
-            <a:extLst>
-              <a:ext uri="{FF2B5EF4-FFF2-40B4-BE49-F238E27FC236}">
-                <a16:creationId xmlns:a16="http://schemas.microsoft.com/office/drawing/2014/main" id="{9032D33A-0591-9F3A-D416-29E337E585C3}"/>
-              </a:ext>
-            </a:extLst>
-          </p:cNvPr>
-          <p:cNvSpPr txBox="1"/>
-          <p:nvPr/>
-        </p:nvSpPr>
-        <p:spPr>
-          <a:xfrm>
-            <a:off x="3406691" y="4139137"/>
-            <a:ext cx="1444852" cy="369332"/>
-          </a:xfrm>
-          <a:prstGeom prst="rect">
-            <a:avLst/>
-          </a:prstGeom>
-          <a:noFill/>
-        </p:spPr>
-        <p:txBody>
-          <a:bodyPr wrap="square" rtlCol="0">
-            <a:spAutoFit/>
-          </a:bodyPr>
-          <a:lstStyle/>
-          <a:p>
-            <a:pPr algn="ctr"/>
-            <a:r>
-              <a:rPr lang="en-GB" dirty="0"/>
-              <a:t>assemblies</a:t>
-            </a:r>
-          </a:p>
-        </p:txBody>
-      </p:sp>
-      <p:sp>
-        <p:nvSpPr>
-          <p:cNvPr id="10" name="TextBox 9">
-            <a:extLst>
-              <a:ext uri="{FF2B5EF4-FFF2-40B4-BE49-F238E27FC236}">
-                <a16:creationId xmlns:a16="http://schemas.microsoft.com/office/drawing/2014/main" id="{B64033D3-1AF1-B980-D808-71FAFE7E47B3}"/>
-              </a:ext>
-            </a:extLst>
-          </p:cNvPr>
-          <p:cNvSpPr txBox="1"/>
-          <p:nvPr/>
-        </p:nvSpPr>
-        <p:spPr>
-          <a:xfrm>
-            <a:off x="3258526" y="2376238"/>
-            <a:ext cx="1741182" cy="646331"/>
-          </a:xfrm>
-          <a:prstGeom prst="rect">
-            <a:avLst/>
-          </a:prstGeom>
-          <a:noFill/>
-        </p:spPr>
-        <p:txBody>
-          <a:bodyPr wrap="none" rtlCol="0">
-            <a:spAutoFit/>
-          </a:bodyPr>
-          <a:lstStyle/>
-          <a:p>
-            <a:pPr algn="ctr"/>
-            <a:r>
-              <a:rPr lang="en-GB" dirty="0"/>
-              <a:t>MEGAHIT</a:t>
-            </a:r>
-            <a:br>
-              <a:rPr lang="en-GB" dirty="0"/>
-            </a:br>
-            <a:r>
-              <a:rPr lang="en-GB" dirty="0"/>
-              <a:t>([co]-assembly)</a:t>
-            </a:r>
-          </a:p>
-        </p:txBody>
-      </p:sp>
-      <p:sp>
-        <p:nvSpPr>
-          <p:cNvPr id="13" name="TextBox 12">
-            <a:extLst>
-              <a:ext uri="{FF2B5EF4-FFF2-40B4-BE49-F238E27FC236}">
-                <a16:creationId xmlns:a16="http://schemas.microsoft.com/office/drawing/2014/main" id="{17DAEBE3-D763-8D08-C404-6FDFB723053B}"/>
-              </a:ext>
-            </a:extLst>
-          </p:cNvPr>
-          <p:cNvSpPr txBox="1"/>
-          <p:nvPr/>
-        </p:nvSpPr>
-        <p:spPr>
-          <a:xfrm>
-            <a:off x="834786" y="4139137"/>
-            <a:ext cx="1890261" cy="369332"/>
-          </a:xfrm>
-          <a:prstGeom prst="rect">
-            <a:avLst/>
-          </a:prstGeom>
-          <a:noFill/>
-        </p:spPr>
-        <p:txBody>
-          <a:bodyPr wrap="none" rtlCol="0">
-            <a:spAutoFit/>
-          </a:bodyPr>
-          <a:lstStyle/>
-          <a:p>
-            <a:r>
-              <a:rPr lang="en-GB" dirty="0"/>
-              <a:t>input assemblies</a:t>
-            </a:r>
-          </a:p>
-        </p:txBody>
-      </p:sp>
-      <p:sp>
-        <p:nvSpPr>
-          <p:cNvPr id="14" name="TextBox 13">
-            <a:extLst>
-              <a:ext uri="{FF2B5EF4-FFF2-40B4-BE49-F238E27FC236}">
-                <a16:creationId xmlns:a16="http://schemas.microsoft.com/office/drawing/2014/main" id="{A3C2C75D-A0EE-6BAE-6AF7-ED2AC851FF1E}"/>
-              </a:ext>
-            </a:extLst>
-          </p:cNvPr>
-          <p:cNvSpPr txBox="1"/>
-          <p:nvPr/>
-        </p:nvSpPr>
-        <p:spPr>
-          <a:xfrm>
-            <a:off x="3375546" y="5487068"/>
-            <a:ext cx="1507144" cy="923330"/>
-          </a:xfrm>
-          <a:prstGeom prst="rect">
-            <a:avLst/>
-          </a:prstGeom>
-          <a:noFill/>
-        </p:spPr>
-        <p:txBody>
-          <a:bodyPr wrap="none" rtlCol="0">
-            <a:spAutoFit/>
-          </a:bodyPr>
-          <a:lstStyle/>
-          <a:p>
-            <a:pPr algn="ctr"/>
-            <a:r>
-              <a:rPr lang="en-GB" dirty="0"/>
-              <a:t>MMSeqs2</a:t>
-            </a:r>
-            <a:br>
-              <a:rPr lang="en-GB" dirty="0"/>
-            </a:br>
-            <a:r>
-              <a:rPr lang="en-GB" dirty="0"/>
-              <a:t>(filter contigs</a:t>
-            </a:r>
-          </a:p>
-          <a:p>
-            <a:pPr algn="ctr"/>
-            <a:r>
-              <a:rPr lang="en-GB" dirty="0"/>
-              <a:t>by taxonomy)</a:t>
-            </a:r>
-          </a:p>
-        </p:txBody>
-      </p:sp>
-      <p:sp>
-        <p:nvSpPr>
-          <p:cNvPr id="15" name="TextBox 14">
-            <a:extLst>
-              <a:ext uri="{FF2B5EF4-FFF2-40B4-BE49-F238E27FC236}">
-                <a16:creationId xmlns:a16="http://schemas.microsoft.com/office/drawing/2014/main" id="{405688C1-487E-0F2F-7F34-ECBBFFA26C0A}"/>
-              </a:ext>
-            </a:extLst>
-          </p:cNvPr>
-          <p:cNvSpPr txBox="1"/>
-          <p:nvPr/>
-        </p:nvSpPr>
-        <p:spPr>
-          <a:xfrm>
-            <a:off x="6046549" y="5625567"/>
-            <a:ext cx="1829347" cy="646331"/>
-          </a:xfrm>
-          <a:prstGeom prst="rect">
-            <a:avLst/>
-          </a:prstGeom>
-          <a:noFill/>
-        </p:spPr>
-        <p:txBody>
-          <a:bodyPr wrap="none" rtlCol="0">
-            <a:spAutoFit/>
-          </a:bodyPr>
-          <a:lstStyle/>
-          <a:p>
-            <a:pPr algn="ctr"/>
-            <a:r>
-              <a:rPr lang="en-GB" dirty="0" err="1"/>
-              <a:t>MetaEuk</a:t>
-            </a:r>
-            <a:br>
-              <a:rPr lang="en-GB" dirty="0"/>
-            </a:br>
-            <a:r>
-              <a:rPr lang="en-GB" dirty="0"/>
-              <a:t>(gene prediction)</a:t>
-            </a:r>
-          </a:p>
-        </p:txBody>
-      </p:sp>
-      <p:sp>
-        <p:nvSpPr>
-          <p:cNvPr id="16" name="TextBox 15">
-            <a:extLst>
-              <a:ext uri="{FF2B5EF4-FFF2-40B4-BE49-F238E27FC236}">
-                <a16:creationId xmlns:a16="http://schemas.microsoft.com/office/drawing/2014/main" id="{8614378F-60CB-640F-F5E2-7F40B2CA4474}"/>
-              </a:ext>
-            </a:extLst>
-          </p:cNvPr>
-          <p:cNvSpPr txBox="1"/>
-          <p:nvPr/>
-        </p:nvSpPr>
-        <p:spPr>
-          <a:xfrm>
-            <a:off x="5893943" y="3803302"/>
+            <a:off x="4609974" y="5357700"/>
             <a:ext cx="2134559" cy="923330"/>
           </a:xfrm>
           <a:prstGeom prst="rect">
@@ -5610,8 +4133,8 @@
         </p:nvSpPr>
         <p:spPr>
           <a:xfrm>
-            <a:off x="8077100" y="2777746"/>
-            <a:ext cx="1754006" cy="923330"/>
+            <a:off x="7436308" y="5500536"/>
+            <a:ext cx="1754005" cy="923330"/>
           </a:xfrm>
           <a:prstGeom prst="rect">
             <a:avLst/>
@@ -5634,14 +4157,14 @@
             </a:br>
             <a:r>
               <a:rPr lang="en-GB" dirty="0"/>
-              <a:t>(annotation of </a:t>
-            </a:r>
-            <a:br>
+              <a:t>(functional</a:t>
+            </a:r>
+          </a:p>
+          <a:p>
+            <a:pPr algn="ctr"/>
+            <a:r>
               <a:rPr lang="en-GB" dirty="0"/>
-            </a:br>
-            <a:r>
-              <a:rPr lang="en-GB" dirty="0"/>
-              <a:t>genes)</a:t>
+              <a:t>annotation)</a:t>
             </a:r>
           </a:p>
         </p:txBody>
@@ -5660,8 +4183,8 @@
         </p:nvSpPr>
         <p:spPr>
           <a:xfrm>
-            <a:off x="10032291" y="2841690"/>
-            <a:ext cx="1875835" cy="646331"/>
+            <a:off x="7352903" y="3938299"/>
+            <a:ext cx="1924951" cy="646331"/>
           </a:xfrm>
           <a:prstGeom prst="rect">
             <a:avLst/>
@@ -5676,15 +4199,31 @@
           <a:p>
             <a:pPr algn="ctr"/>
             <a:r>
-              <a:rPr lang="en-GB" dirty="0" err="1"/>
-              <a:t>coverm</a:t>
+              <a:rPr lang="en-GB" dirty="0"/>
+              <a:t>quantify genes</a:t>
             </a:r>
             <a:br>
               <a:rPr lang="en-GB" dirty="0"/>
             </a:br>
             <a:r>
               <a:rPr lang="en-GB" dirty="0"/>
-              <a:t>(quantify genes)</a:t>
+              <a:t>(</a:t>
+            </a:r>
+            <a:r>
+              <a:rPr lang="en-GB" dirty="0" err="1"/>
+              <a:t>coverm</a:t>
+            </a:r>
+            <a:r>
+              <a:rPr lang="en-GB" dirty="0"/>
+              <a:t> or </a:t>
+            </a:r>
+            <a:r>
+              <a:rPr lang="en-GB" dirty="0" err="1"/>
+              <a:t>htseq</a:t>
+            </a:r>
+            <a:r>
+              <a:rPr lang="en-GB" dirty="0"/>
+              <a:t>)</a:t>
             </a:r>
           </a:p>
         </p:txBody>
@@ -5703,7 +4242,7 @@
         </p:nvSpPr>
         <p:spPr>
           <a:xfrm>
-            <a:off x="8954103" y="4937601"/>
+            <a:off x="9760718" y="4733318"/>
             <a:ext cx="2337499" cy="923330"/>
           </a:xfrm>
           <a:prstGeom prst="rect">
@@ -5754,7 +4293,7 @@
               <p14:nvPr/>
             </p14:nvContentPartPr>
             <p14:xfrm>
-              <a:off x="3936771" y="4528536"/>
+              <a:off x="3371992" y="4528536"/>
               <a:ext cx="492480" cy="972000"/>
             </p14:xfrm>
           </p:contentPart>
@@ -5780,7 +4319,7 @@
             </p:blipFill>
             <p:spPr>
               <a:xfrm>
-                <a:off x="3918771" y="4510896"/>
+                <a:off x="3353992" y="4510536"/>
                 <a:ext cx="528120" cy="1007640"/>
               </a:xfrm>
               <a:prstGeom prst="rect">
@@ -5794,312 +4333,6 @@
         <mc:Choice xmlns:p14="http://schemas.microsoft.com/office/powerpoint/2010/main" Requires="p14">
           <p:contentPart p14:bwMode="auto" r:id="rId4">
             <p14:nvContentPartPr>
-              <p14:cNvPr id="32" name="Ink 31">
-                <a:extLst>
-                  <a:ext uri="{FF2B5EF4-FFF2-40B4-BE49-F238E27FC236}">
-                    <a16:creationId xmlns:a16="http://schemas.microsoft.com/office/drawing/2014/main" id="{047B2299-1709-D469-D2CA-816778DDDEE5}"/>
-                  </a:ext>
-                </a:extLst>
-              </p14:cNvPr>
-              <p14:cNvContentPartPr/>
-              <p14:nvPr/>
-            </p14:nvContentPartPr>
-            <p14:xfrm>
-              <a:off x="4814451" y="4493256"/>
-              <a:ext cx="1668240" cy="1207080"/>
-            </p14:xfrm>
-          </p:contentPart>
-        </mc:Choice>
-        <mc:Fallback>
-          <p:pic>
-            <p:nvPicPr>
-              <p:cNvPr id="32" name="Ink 31">
-                <a:extLst>
-                  <a:ext uri="{FF2B5EF4-FFF2-40B4-BE49-F238E27FC236}">
-                    <a16:creationId xmlns:a16="http://schemas.microsoft.com/office/drawing/2014/main" id="{047B2299-1709-D469-D2CA-816778DDDEE5}"/>
-                  </a:ext>
-                </a:extLst>
-              </p:cNvPr>
-              <p:cNvPicPr/>
-              <p:nvPr/>
-            </p:nvPicPr>
-            <p:blipFill>
-              <a:blip r:embed="rId5"/>
-              <a:stretch>
-                <a:fillRect/>
-              </a:stretch>
-            </p:blipFill>
-            <p:spPr>
-              <a:xfrm>
-                <a:off x="4796451" y="4475256"/>
-                <a:ext cx="1703880" cy="1242720"/>
-              </a:xfrm>
-              <a:prstGeom prst="rect">
-                <a:avLst/>
-              </a:prstGeom>
-            </p:spPr>
-          </p:pic>
-        </mc:Fallback>
-      </mc:AlternateContent>
-      <mc:AlternateContent xmlns:mc="http://schemas.openxmlformats.org/markup-compatibility/2006">
-        <mc:Choice xmlns:p14="http://schemas.microsoft.com/office/powerpoint/2010/main" Requires="p14">
-          <p:contentPart p14:bwMode="auto" r:id="rId6">
-            <p14:nvContentPartPr>
-              <p14:cNvPr id="33" name="Ink 32">
-                <a:extLst>
-                  <a:ext uri="{FF2B5EF4-FFF2-40B4-BE49-F238E27FC236}">
-                    <a16:creationId xmlns:a16="http://schemas.microsoft.com/office/drawing/2014/main" id="{5534A8B2-4013-40D0-799D-21F3C1AC50D9}"/>
-                  </a:ext>
-                </a:extLst>
-              </p14:cNvPr>
-              <p14:cNvContentPartPr/>
-              <p14:nvPr/>
-            </p14:nvContentPartPr>
-            <p14:xfrm>
-              <a:off x="7762491" y="3811776"/>
-              <a:ext cx="870120" cy="2054520"/>
-            </p14:xfrm>
-          </p:contentPart>
-        </mc:Choice>
-        <mc:Fallback>
-          <p:pic>
-            <p:nvPicPr>
-              <p:cNvPr id="33" name="Ink 32">
-                <a:extLst>
-                  <a:ext uri="{FF2B5EF4-FFF2-40B4-BE49-F238E27FC236}">
-                    <a16:creationId xmlns:a16="http://schemas.microsoft.com/office/drawing/2014/main" id="{5534A8B2-4013-40D0-799D-21F3C1AC50D9}"/>
-                  </a:ext>
-                </a:extLst>
-              </p:cNvPr>
-              <p:cNvPicPr/>
-              <p:nvPr/>
-            </p:nvPicPr>
-            <p:blipFill>
-              <a:blip r:embed="rId7"/>
-              <a:stretch>
-                <a:fillRect/>
-              </a:stretch>
-            </p:blipFill>
-            <p:spPr>
-              <a:xfrm>
-                <a:off x="7744851" y="3793776"/>
-                <a:ext cx="905760" cy="2090160"/>
-              </a:xfrm>
-              <a:prstGeom prst="rect">
-                <a:avLst/>
-              </a:prstGeom>
-            </p:spPr>
-          </p:pic>
-        </mc:Fallback>
-      </mc:AlternateContent>
-      <mc:AlternateContent xmlns:mc="http://schemas.openxmlformats.org/markup-compatibility/2006">
-        <mc:Choice xmlns:p14="http://schemas.microsoft.com/office/powerpoint/2010/main" Requires="p14">
-          <p:contentPart p14:bwMode="auto" r:id="rId8">
-            <p14:nvContentPartPr>
-              <p14:cNvPr id="34" name="Ink 33">
-                <a:extLst>
-                  <a:ext uri="{FF2B5EF4-FFF2-40B4-BE49-F238E27FC236}">
-                    <a16:creationId xmlns:a16="http://schemas.microsoft.com/office/drawing/2014/main" id="{BCFE54B4-01CD-0A95-945F-4969B5136106}"/>
-                  </a:ext>
-                </a:extLst>
-              </p14:cNvPr>
-              <p14:cNvContentPartPr/>
-              <p14:nvPr/>
-            </p14:nvContentPartPr>
-            <p14:xfrm>
-              <a:off x="6662691" y="4763256"/>
-              <a:ext cx="648360" cy="797760"/>
-            </p14:xfrm>
-          </p:contentPart>
-        </mc:Choice>
-        <mc:Fallback>
-          <p:pic>
-            <p:nvPicPr>
-              <p:cNvPr id="34" name="Ink 33">
-                <a:extLst>
-                  <a:ext uri="{FF2B5EF4-FFF2-40B4-BE49-F238E27FC236}">
-                    <a16:creationId xmlns:a16="http://schemas.microsoft.com/office/drawing/2014/main" id="{BCFE54B4-01CD-0A95-945F-4969B5136106}"/>
-                  </a:ext>
-                </a:extLst>
-              </p:cNvPr>
-              <p:cNvPicPr/>
-              <p:nvPr/>
-            </p:nvPicPr>
-            <p:blipFill>
-              <a:blip r:embed="rId9"/>
-              <a:stretch>
-                <a:fillRect/>
-              </a:stretch>
-            </p:blipFill>
-            <p:spPr>
-              <a:xfrm>
-                <a:off x="6645051" y="4745256"/>
-                <a:ext cx="684000" cy="833400"/>
-              </a:xfrm>
-              <a:prstGeom prst="rect">
-                <a:avLst/>
-              </a:prstGeom>
-            </p:spPr>
-          </p:pic>
-        </mc:Fallback>
-      </mc:AlternateContent>
-      <mc:AlternateContent xmlns:mc="http://schemas.openxmlformats.org/markup-compatibility/2006">
-        <mc:Choice xmlns:p14="http://schemas.microsoft.com/office/powerpoint/2010/main" Requires="p14">
-          <p:contentPart p14:bwMode="auto" r:id="rId10">
-            <p14:nvContentPartPr>
-              <p14:cNvPr id="35" name="Ink 34">
-                <a:extLst>
-                  <a:ext uri="{FF2B5EF4-FFF2-40B4-BE49-F238E27FC236}">
-                    <a16:creationId xmlns:a16="http://schemas.microsoft.com/office/drawing/2014/main" id="{52A2E73E-0A60-AC26-7502-BE3D9504C630}"/>
-                  </a:ext>
-                </a:extLst>
-              </p14:cNvPr>
-              <p14:cNvContentPartPr/>
-              <p14:nvPr/>
-            </p14:nvContentPartPr>
-            <p14:xfrm>
-              <a:off x="7048971" y="2933736"/>
-              <a:ext cx="980280" cy="790920"/>
-            </p14:xfrm>
-          </p:contentPart>
-        </mc:Choice>
-        <mc:Fallback>
-          <p:pic>
-            <p:nvPicPr>
-              <p:cNvPr id="35" name="Ink 34">
-                <a:extLst>
-                  <a:ext uri="{FF2B5EF4-FFF2-40B4-BE49-F238E27FC236}">
-                    <a16:creationId xmlns:a16="http://schemas.microsoft.com/office/drawing/2014/main" id="{52A2E73E-0A60-AC26-7502-BE3D9504C630}"/>
-                  </a:ext>
-                </a:extLst>
-              </p:cNvPr>
-              <p:cNvPicPr/>
-              <p:nvPr/>
-            </p:nvPicPr>
-            <p:blipFill>
-              <a:blip r:embed="rId11"/>
-              <a:stretch>
-                <a:fillRect/>
-              </a:stretch>
-            </p:blipFill>
-            <p:spPr>
-              <a:xfrm>
-                <a:off x="7030971" y="2915736"/>
-                <a:ext cx="1015920" cy="826560"/>
-              </a:xfrm>
-              <a:prstGeom prst="rect">
-                <a:avLst/>
-              </a:prstGeom>
-            </p:spPr>
-          </p:pic>
-        </mc:Fallback>
-      </mc:AlternateContent>
-      <mc:AlternateContent xmlns:mc="http://schemas.openxmlformats.org/markup-compatibility/2006">
-        <mc:Choice xmlns:p14="http://schemas.microsoft.com/office/powerpoint/2010/main" Requires="p14">
-          <p:contentPart p14:bwMode="auto" r:id="rId12">
-            <p14:nvContentPartPr>
-              <p14:cNvPr id="42" name="Ink 41">
-                <a:extLst>
-                  <a:ext uri="{FF2B5EF4-FFF2-40B4-BE49-F238E27FC236}">
-                    <a16:creationId xmlns:a16="http://schemas.microsoft.com/office/drawing/2014/main" id="{097FF230-7BFD-FD31-9BE9-1B68E7A85AED}"/>
-                  </a:ext>
-                </a:extLst>
-              </p14:cNvPr>
-              <p14:cNvContentPartPr/>
-              <p14:nvPr/>
-            </p14:nvContentPartPr>
-            <p14:xfrm>
-              <a:off x="9400131" y="3685358"/>
-              <a:ext cx="1502280" cy="417600"/>
-            </p14:xfrm>
-          </p:contentPart>
-        </mc:Choice>
-        <mc:Fallback>
-          <p:pic>
-            <p:nvPicPr>
-              <p:cNvPr id="42" name="Ink 41">
-                <a:extLst>
-                  <a:ext uri="{FF2B5EF4-FFF2-40B4-BE49-F238E27FC236}">
-                    <a16:creationId xmlns:a16="http://schemas.microsoft.com/office/drawing/2014/main" id="{097FF230-7BFD-FD31-9BE9-1B68E7A85AED}"/>
-                  </a:ext>
-                </a:extLst>
-              </p:cNvPr>
-              <p:cNvPicPr/>
-              <p:nvPr/>
-            </p:nvPicPr>
-            <p:blipFill>
-              <a:blip r:embed="rId13"/>
-              <a:stretch>
-                <a:fillRect/>
-              </a:stretch>
-            </p:blipFill>
-            <p:spPr>
-              <a:xfrm>
-                <a:off x="9382131" y="3667358"/>
-                <a:ext cx="1537920" cy="453240"/>
-              </a:xfrm>
-              <a:prstGeom prst="rect">
-                <a:avLst/>
-              </a:prstGeom>
-            </p:spPr>
-          </p:pic>
-        </mc:Fallback>
-      </mc:AlternateContent>
-      <mc:AlternateContent xmlns:mc="http://schemas.openxmlformats.org/markup-compatibility/2006">
-        <mc:Choice xmlns:p14="http://schemas.microsoft.com/office/powerpoint/2010/main" Requires="p14">
-          <p:contentPart p14:bwMode="auto" r:id="rId14">
-            <p14:nvContentPartPr>
-              <p14:cNvPr id="43" name="Ink 42">
-                <a:extLst>
-                  <a:ext uri="{FF2B5EF4-FFF2-40B4-BE49-F238E27FC236}">
-                    <a16:creationId xmlns:a16="http://schemas.microsoft.com/office/drawing/2014/main" id="{183BED04-52E7-F1E7-011C-5623D2BF01CA}"/>
-                  </a:ext>
-                </a:extLst>
-              </p14:cNvPr>
-              <p14:cNvContentPartPr/>
-              <p14:nvPr/>
-            </p14:nvContentPartPr>
-            <p14:xfrm>
-              <a:off x="9891531" y="4125998"/>
-              <a:ext cx="564120" cy="763920"/>
-            </p14:xfrm>
-          </p:contentPart>
-        </mc:Choice>
-        <mc:Fallback>
-          <p:pic>
-            <p:nvPicPr>
-              <p:cNvPr id="43" name="Ink 42">
-                <a:extLst>
-                  <a:ext uri="{FF2B5EF4-FFF2-40B4-BE49-F238E27FC236}">
-                    <a16:creationId xmlns:a16="http://schemas.microsoft.com/office/drawing/2014/main" id="{183BED04-52E7-F1E7-011C-5623D2BF01CA}"/>
-                  </a:ext>
-                </a:extLst>
-              </p:cNvPr>
-              <p:cNvPicPr/>
-              <p:nvPr/>
-            </p:nvPicPr>
-            <p:blipFill>
-              <a:blip r:embed="rId15"/>
-              <a:stretch>
-                <a:fillRect/>
-              </a:stretch>
-            </p:blipFill>
-            <p:spPr>
-              <a:xfrm>
-                <a:off x="9873891" y="4107998"/>
-                <a:ext cx="599760" cy="799560"/>
-              </a:xfrm>
-              <a:prstGeom prst="rect">
-                <a:avLst/>
-              </a:prstGeom>
-            </p:spPr>
-          </p:pic>
-        </mc:Fallback>
-      </mc:AlternateContent>
-      <mc:AlternateContent xmlns:mc="http://schemas.openxmlformats.org/markup-compatibility/2006">
-        <mc:Choice xmlns:p14="http://schemas.microsoft.com/office/powerpoint/2010/main" Requires="p14">
-          <p:contentPart p14:bwMode="auto" r:id="rId16">
-            <p14:nvContentPartPr>
               <p14:cNvPr id="44" name="Ink 43">
                 <a:extLst>
                   <a:ext uri="{FF2B5EF4-FFF2-40B4-BE49-F238E27FC236}">
@@ -6111,7 +4344,7 @@
               <p14:nvPr/>
             </p14:nvContentPartPr>
             <p14:xfrm>
-              <a:off x="301702" y="5834953"/>
+              <a:off x="5060230" y="606592"/>
               <a:ext cx="1290600" cy="4320"/>
             </p14:xfrm>
           </p:contentPart>
@@ -6130,15 +4363,15 @@
               <p:nvPr/>
             </p:nvPicPr>
             <p:blipFill>
-              <a:blip r:embed="rId17"/>
+              <a:blip r:embed="rId5"/>
               <a:stretch>
                 <a:fillRect/>
               </a:stretch>
             </p:blipFill>
             <p:spPr>
               <a:xfrm>
-                <a:off x="283702" y="5816953"/>
-                <a:ext cx="1326240" cy="39960"/>
+                <a:off x="5042230" y="589977"/>
+                <a:ext cx="1326240" cy="37218"/>
               </a:xfrm>
               <a:prstGeom prst="rect">
                 <a:avLst/>
@@ -6149,7 +4382,7 @@
       </mc:AlternateContent>
       <mc:AlternateContent xmlns:mc="http://schemas.openxmlformats.org/markup-compatibility/2006">
         <mc:Choice xmlns:p14="http://schemas.microsoft.com/office/powerpoint/2010/main" Requires="p14">
-          <p:contentPart p14:bwMode="auto" r:id="rId18">
+          <p:contentPart p14:bwMode="auto" r:id="rId6">
             <p14:nvContentPartPr>
               <p14:cNvPr id="45" name="Ink 44">
                 <a:extLst>
@@ -6162,7 +4395,7 @@
               <p14:nvPr/>
             </p14:nvContentPartPr>
             <p14:xfrm>
-              <a:off x="335902" y="6393313"/>
+              <a:off x="5094430" y="1164952"/>
               <a:ext cx="1263240" cy="12960"/>
             </p14:xfrm>
           </p:contentPart>
@@ -6181,14 +4414,14 @@
               <p:nvPr/>
             </p:nvPicPr>
             <p:blipFill>
-              <a:blip r:embed="rId19"/>
+              <a:blip r:embed="rId7"/>
               <a:stretch>
                 <a:fillRect/>
               </a:stretch>
             </p:blipFill>
             <p:spPr>
               <a:xfrm>
-                <a:off x="317902" y="6375673"/>
+                <a:off x="5076430" y="1146952"/>
                 <a:ext cx="1298880" cy="48600"/>
               </a:xfrm>
               <a:prstGeom prst="rect">
@@ -6212,7 +4445,7 @@
         </p:nvSpPr>
         <p:spPr>
           <a:xfrm>
-            <a:off x="1775542" y="5650287"/>
+            <a:off x="6534070" y="421926"/>
             <a:ext cx="1268552" cy="369332"/>
           </a:xfrm>
           <a:prstGeom prst="rect">
@@ -6247,7 +4480,7 @@
         </p:nvSpPr>
         <p:spPr>
           <a:xfrm>
-            <a:off x="1775542" y="6209409"/>
+            <a:off x="6534070" y="981048"/>
             <a:ext cx="1007007" cy="369332"/>
           </a:xfrm>
           <a:prstGeom prst="rect">
@@ -6270,7 +4503,7 @@
       </p:sp>
       <mc:AlternateContent xmlns:mc="http://schemas.openxmlformats.org/markup-compatibility/2006">
         <mc:Choice xmlns:p14="http://schemas.microsoft.com/office/powerpoint/2010/main" Requires="p14">
-          <p:contentPart p14:bwMode="auto" r:id="rId20">
+          <p:contentPart p14:bwMode="auto" r:id="rId8">
             <p14:nvContentPartPr>
               <p14:cNvPr id="49" name="Ink 48">
                 <a:extLst>
@@ -6283,7 +4516,7 @@
               <p14:nvPr/>
             </p14:nvContentPartPr>
             <p14:xfrm>
-              <a:off x="2421171" y="2608238"/>
+              <a:off x="1856392" y="2608238"/>
               <a:ext cx="792720" cy="474480"/>
             </p14:xfrm>
           </p:contentPart>
@@ -6302,15 +4535,15 @@
               <p:nvPr/>
             </p:nvPicPr>
             <p:blipFill>
-              <a:blip r:embed="rId21"/>
+              <a:blip r:embed="rId9"/>
               <a:stretch>
                 <a:fillRect/>
               </a:stretch>
             </p:blipFill>
             <p:spPr>
               <a:xfrm>
-                <a:off x="2403531" y="2590238"/>
-                <a:ext cx="828360" cy="510120"/>
+                <a:off x="1838384" y="2590238"/>
+                <a:ext cx="828376" cy="510120"/>
               </a:xfrm>
               <a:prstGeom prst="rect">
                 <a:avLst/>
@@ -6321,7 +4554,7 @@
       </mc:AlternateContent>
       <mc:AlternateContent xmlns:mc="http://schemas.openxmlformats.org/markup-compatibility/2006">
         <mc:Choice xmlns:p14="http://schemas.microsoft.com/office/powerpoint/2010/main" Requires="p14">
-          <p:contentPart p14:bwMode="auto" r:id="rId22">
+          <p:contentPart p14:bwMode="auto" r:id="rId10">
             <p14:nvContentPartPr>
               <p14:cNvPr id="50" name="Ink 49">
                 <a:extLst>
@@ -6334,7 +4567,7 @@
               <p14:nvPr/>
             </p14:nvContentPartPr>
             <p14:xfrm>
-              <a:off x="3834171" y="3060398"/>
+              <a:off x="3269392" y="3060398"/>
               <a:ext cx="632160" cy="1085400"/>
             </p14:xfrm>
           </p:contentPart>
@@ -6353,14 +4586,14 @@
               <p:nvPr/>
             </p:nvPicPr>
             <p:blipFill>
-              <a:blip r:embed="rId23"/>
+              <a:blip r:embed="rId11"/>
               <a:stretch>
                 <a:fillRect/>
               </a:stretch>
             </p:blipFill>
             <p:spPr>
               <a:xfrm>
-                <a:off x="3816531" y="3042758"/>
+                <a:off x="3251392" y="3042398"/>
                 <a:ext cx="667800" cy="1121040"/>
               </a:xfrm>
               <a:prstGeom prst="rect">
@@ -6372,7 +4605,7 @@
       </mc:AlternateContent>
       <mc:AlternateContent xmlns:mc="http://schemas.openxmlformats.org/markup-compatibility/2006">
         <mc:Choice xmlns:p14="http://schemas.microsoft.com/office/powerpoint/2010/main" Requires="p14">
-          <p:contentPart p14:bwMode="auto" r:id="rId24">
+          <p:contentPart p14:bwMode="auto" r:id="rId12">
             <p14:nvContentPartPr>
               <p14:cNvPr id="51" name="Ink 50">
                 <a:extLst>
@@ -6385,7 +4618,7 @@
               <p14:nvPr/>
             </p14:nvContentPartPr>
             <p14:xfrm>
-              <a:off x="2749851" y="4104038"/>
+              <a:off x="2185072" y="4104038"/>
               <a:ext cx="621720" cy="629280"/>
             </p14:xfrm>
           </p:contentPart>
@@ -6404,15 +4637,15 @@
               <p:nvPr/>
             </p:nvPicPr>
             <p:blipFill>
-              <a:blip r:embed="rId25"/>
+              <a:blip r:embed="rId13"/>
               <a:stretch>
                 <a:fillRect/>
               </a:stretch>
             </p:blipFill>
             <p:spPr>
               <a:xfrm>
-                <a:off x="2732211" y="4086038"/>
-                <a:ext cx="657360" cy="664920"/>
+                <a:off x="2167062" y="4086048"/>
+                <a:ext cx="657381" cy="664900"/>
               </a:xfrm>
               <a:prstGeom prst="rect">
                 <a:avLst/>
@@ -6423,7 +4656,7 @@
       </mc:AlternateContent>
       <mc:AlternateContent xmlns:mc="http://schemas.openxmlformats.org/markup-compatibility/2006">
         <mc:Choice xmlns:p14="http://schemas.microsoft.com/office/powerpoint/2010/main" Requires="p14">
-          <p:contentPart p14:bwMode="auto" r:id="rId26">
+          <p:contentPart p14:bwMode="auto" r:id="rId14">
             <p14:nvContentPartPr>
               <p14:cNvPr id="54" name="Ink 53">
                 <a:extLst>
@@ -6436,7 +4669,7 @@
               <p14:nvPr/>
             </p14:nvContentPartPr>
             <p14:xfrm>
-              <a:off x="1807011" y="1840718"/>
+              <a:off x="1242232" y="1840718"/>
               <a:ext cx="2967120" cy="481320"/>
             </p14:xfrm>
           </p:contentPart>
@@ -6455,14 +4688,14 @@
               <p:nvPr/>
             </p:nvPicPr>
             <p:blipFill>
-              <a:blip r:embed="rId27"/>
+              <a:blip r:embed="rId15"/>
               <a:stretch>
                 <a:fillRect/>
               </a:stretch>
             </p:blipFill>
             <p:spPr>
               <a:xfrm>
-                <a:off x="1789011" y="1822718"/>
+                <a:off x="1224232" y="1822718"/>
                 <a:ext cx="3002760" cy="516960"/>
               </a:xfrm>
               <a:prstGeom prst="rect">
@@ -6474,12 +4707,12 @@
       </mc:AlternateContent>
       <mc:AlternateContent xmlns:mc="http://schemas.openxmlformats.org/markup-compatibility/2006">
         <mc:Choice xmlns:p14="http://schemas.microsoft.com/office/powerpoint/2010/main" Requires="p14">
-          <p:contentPart p14:bwMode="auto" r:id="rId28">
+          <p:contentPart p14:bwMode="auto" r:id="rId16">
             <p14:nvContentPartPr>
-              <p14:cNvPr id="55" name="Ink 54">
+              <p14:cNvPr id="5" name="Ink 4">
                 <a:extLst>
                   <a:ext uri="{FF2B5EF4-FFF2-40B4-BE49-F238E27FC236}">
-                    <a16:creationId xmlns:a16="http://schemas.microsoft.com/office/drawing/2014/main" id="{A6C00C65-4F3D-78D7-2E1E-180F99A7AEEF}"/>
+                    <a16:creationId xmlns:a16="http://schemas.microsoft.com/office/drawing/2014/main" id="{F458B3F3-1A1A-BE00-247A-80935F3831D2}"/>
                   </a:ext>
                 </a:extLst>
               </p14:cNvPr>
@@ -6487,18 +4720,18 @@
               <p14:nvPr/>
             </p14:nvContentPartPr>
             <p14:xfrm>
-              <a:off x="4773771" y="1873118"/>
-              <a:ext cx="3810960" cy="61200"/>
+              <a:off x="4218054" y="4094245"/>
+              <a:ext cx="727560" cy="334440"/>
             </p14:xfrm>
           </p:contentPart>
         </mc:Choice>
         <mc:Fallback>
           <p:pic>
             <p:nvPicPr>
-              <p:cNvPr id="55" name="Ink 54">
+              <p:cNvPr id="5" name="Ink 4">
                 <a:extLst>
                   <a:ext uri="{FF2B5EF4-FFF2-40B4-BE49-F238E27FC236}">
-                    <a16:creationId xmlns:a16="http://schemas.microsoft.com/office/drawing/2014/main" id="{A6C00C65-4F3D-78D7-2E1E-180F99A7AEEF}"/>
+                    <a16:creationId xmlns:a16="http://schemas.microsoft.com/office/drawing/2014/main" id="{F458B3F3-1A1A-BE00-247A-80935F3831D2}"/>
                   </a:ext>
                 </a:extLst>
               </p:cNvPr>
@@ -6506,15 +4739,15 @@
               <p:nvPr/>
             </p:nvPicPr>
             <p:blipFill>
-              <a:blip r:embed="rId29"/>
+              <a:blip r:embed="rId17"/>
               <a:stretch>
                 <a:fillRect/>
               </a:stretch>
             </p:blipFill>
             <p:spPr>
               <a:xfrm>
-                <a:off x="4755771" y="1855118"/>
-                <a:ext cx="3846600" cy="96840"/>
+                <a:off x="4200054" y="4076605"/>
+                <a:ext cx="763200" cy="370080"/>
               </a:xfrm>
               <a:prstGeom prst="rect">
                 <a:avLst/>
@@ -6525,12 +4758,12 @@
       </mc:AlternateContent>
       <mc:AlternateContent xmlns:mc="http://schemas.openxmlformats.org/markup-compatibility/2006">
         <mc:Choice xmlns:p14="http://schemas.microsoft.com/office/powerpoint/2010/main" Requires="p14">
-          <p:contentPart p14:bwMode="auto" r:id="rId30">
+          <p:contentPart p14:bwMode="auto" r:id="rId18">
             <p14:nvContentPartPr>
-              <p14:cNvPr id="60" name="Ink 59">
+              <p14:cNvPr id="11" name="Ink 10">
                 <a:extLst>
                   <a:ext uri="{FF2B5EF4-FFF2-40B4-BE49-F238E27FC236}">
-                    <a16:creationId xmlns:a16="http://schemas.microsoft.com/office/drawing/2014/main" id="{EDA529F0-F399-477A-6D52-85595CE775C8}"/>
+                    <a16:creationId xmlns:a16="http://schemas.microsoft.com/office/drawing/2014/main" id="{21E98A8B-AF10-75B5-77F3-0A9D9516B8BA}"/>
                   </a:ext>
                 </a:extLst>
               </p14:cNvPr>
@@ -6538,18 +4771,345 @@
               <p14:nvPr/>
             </p14:nvContentPartPr>
             <p14:xfrm>
-              <a:off x="8543691" y="1839638"/>
-              <a:ext cx="2634120" cy="960120"/>
+              <a:off x="4253334" y="4770685"/>
+              <a:ext cx="852120" cy="1048680"/>
             </p14:xfrm>
           </p:contentPart>
         </mc:Choice>
         <mc:Fallback>
           <p:pic>
             <p:nvPicPr>
-              <p:cNvPr id="60" name="Ink 59">
+              <p:cNvPr id="11" name="Ink 10">
                 <a:extLst>
                   <a:ext uri="{FF2B5EF4-FFF2-40B4-BE49-F238E27FC236}">
-                    <a16:creationId xmlns:a16="http://schemas.microsoft.com/office/drawing/2014/main" id="{EDA529F0-F399-477A-6D52-85595CE775C8}"/>
+                    <a16:creationId xmlns:a16="http://schemas.microsoft.com/office/drawing/2014/main" id="{21E98A8B-AF10-75B5-77F3-0A9D9516B8BA}"/>
+                  </a:ext>
+                </a:extLst>
+              </p:cNvPr>
+              <p:cNvPicPr/>
+              <p:nvPr/>
+            </p:nvPicPr>
+            <p:blipFill>
+              <a:blip r:embed="rId19"/>
+              <a:stretch>
+                <a:fillRect/>
+              </a:stretch>
+            </p:blipFill>
+            <p:spPr>
+              <a:xfrm>
+                <a:off x="4235334" y="4752685"/>
+                <a:ext cx="887760" cy="1084320"/>
+              </a:xfrm>
+              <a:prstGeom prst="rect">
+                <a:avLst/>
+              </a:prstGeom>
+            </p:spPr>
+          </p:pic>
+        </mc:Fallback>
+      </mc:AlternateContent>
+      <mc:AlternateContent xmlns:mc="http://schemas.openxmlformats.org/markup-compatibility/2006">
+        <mc:Choice xmlns:p14="http://schemas.microsoft.com/office/powerpoint/2010/main" Requires="p14">
+          <p:contentPart p14:bwMode="auto" r:id="rId20">
+            <p14:nvContentPartPr>
+              <p14:cNvPr id="12" name="Ink 11">
+                <a:extLst>
+                  <a:ext uri="{FF2B5EF4-FFF2-40B4-BE49-F238E27FC236}">
+                    <a16:creationId xmlns:a16="http://schemas.microsoft.com/office/drawing/2014/main" id="{BE31864C-E49E-33B8-DA6B-891035C668DE}"/>
+                  </a:ext>
+                </a:extLst>
+              </p14:cNvPr>
+              <p14:cNvContentPartPr/>
+              <p14:nvPr/>
+            </p14:nvContentPartPr>
+            <p14:xfrm>
+              <a:off x="5475894" y="4685365"/>
+              <a:ext cx="371160" cy="683280"/>
+            </p14:xfrm>
+          </p:contentPart>
+        </mc:Choice>
+        <mc:Fallback>
+          <p:pic>
+            <p:nvPicPr>
+              <p:cNvPr id="12" name="Ink 11">
+                <a:extLst>
+                  <a:ext uri="{FF2B5EF4-FFF2-40B4-BE49-F238E27FC236}">
+                    <a16:creationId xmlns:a16="http://schemas.microsoft.com/office/drawing/2014/main" id="{BE31864C-E49E-33B8-DA6B-891035C668DE}"/>
+                  </a:ext>
+                </a:extLst>
+              </p:cNvPr>
+              <p:cNvPicPr/>
+              <p:nvPr/>
+            </p:nvPicPr>
+            <p:blipFill>
+              <a:blip r:embed="rId21"/>
+              <a:stretch>
+                <a:fillRect/>
+              </a:stretch>
+            </p:blipFill>
+            <p:spPr>
+              <a:xfrm>
+                <a:off x="5458254" y="4667365"/>
+                <a:ext cx="406800" cy="718920"/>
+              </a:xfrm>
+              <a:prstGeom prst="rect">
+                <a:avLst/>
+              </a:prstGeom>
+            </p:spPr>
+          </p:pic>
+        </mc:Fallback>
+      </mc:AlternateContent>
+      <mc:AlternateContent xmlns:mc="http://schemas.openxmlformats.org/markup-compatibility/2006">
+        <mc:Choice xmlns:p14="http://schemas.microsoft.com/office/powerpoint/2010/main" Requires="p14">
+          <p:contentPart p14:bwMode="auto" r:id="rId22">
+            <p14:nvContentPartPr>
+              <p14:cNvPr id="28" name="Ink 27">
+                <a:extLst>
+                  <a:ext uri="{FF2B5EF4-FFF2-40B4-BE49-F238E27FC236}">
+                    <a16:creationId xmlns:a16="http://schemas.microsoft.com/office/drawing/2014/main" id="{A62682F0-147D-39DD-F544-696609549067}"/>
+                  </a:ext>
+                </a:extLst>
+              </p14:cNvPr>
+              <p14:cNvContentPartPr/>
+              <p14:nvPr/>
+            </p14:nvContentPartPr>
+            <p14:xfrm>
+              <a:off x="6384534" y="4236445"/>
+              <a:ext cx="487800" cy="1862640"/>
+            </p14:xfrm>
+          </p:contentPart>
+        </mc:Choice>
+        <mc:Fallback>
+          <p:pic>
+            <p:nvPicPr>
+              <p:cNvPr id="28" name="Ink 27">
+                <a:extLst>
+                  <a:ext uri="{FF2B5EF4-FFF2-40B4-BE49-F238E27FC236}">
+                    <a16:creationId xmlns:a16="http://schemas.microsoft.com/office/drawing/2014/main" id="{A62682F0-147D-39DD-F544-696609549067}"/>
+                  </a:ext>
+                </a:extLst>
+              </p:cNvPr>
+              <p:cNvPicPr/>
+              <p:nvPr/>
+            </p:nvPicPr>
+            <p:blipFill>
+              <a:blip r:embed="rId23"/>
+              <a:stretch>
+                <a:fillRect/>
+              </a:stretch>
+            </p:blipFill>
+            <p:spPr>
+              <a:xfrm>
+                <a:off x="6366894" y="4218805"/>
+                <a:ext cx="523440" cy="1898280"/>
+              </a:xfrm>
+              <a:prstGeom prst="rect">
+                <a:avLst/>
+              </a:prstGeom>
+            </p:spPr>
+          </p:pic>
+        </mc:Fallback>
+      </mc:AlternateContent>
+      <mc:AlternateContent xmlns:mc="http://schemas.openxmlformats.org/markup-compatibility/2006">
+        <mc:Choice xmlns:p14="http://schemas.microsoft.com/office/powerpoint/2010/main" Requires="p14">
+          <p:contentPart p14:bwMode="auto" r:id="rId24">
+            <p14:nvContentPartPr>
+              <p14:cNvPr id="41" name="Ink 40">
+                <a:extLst>
+                  <a:ext uri="{FF2B5EF4-FFF2-40B4-BE49-F238E27FC236}">
+                    <a16:creationId xmlns:a16="http://schemas.microsoft.com/office/drawing/2014/main" id="{5B539AAF-9941-A232-A18A-307CB76111AA}"/>
+                  </a:ext>
+                </a:extLst>
+              </p14:cNvPr>
+              <p14:cNvContentPartPr/>
+              <p14:nvPr/>
+            </p14:nvContentPartPr>
+            <p14:xfrm>
+              <a:off x="4184574" y="1833805"/>
+              <a:ext cx="4448438" cy="2067840"/>
+            </p14:xfrm>
+          </p:contentPart>
+        </mc:Choice>
+        <mc:Fallback>
+          <p:pic>
+            <p:nvPicPr>
+              <p:cNvPr id="41" name="Ink 40">
+                <a:extLst>
+                  <a:ext uri="{FF2B5EF4-FFF2-40B4-BE49-F238E27FC236}">
+                    <a16:creationId xmlns:a16="http://schemas.microsoft.com/office/drawing/2014/main" id="{5B539AAF-9941-A232-A18A-307CB76111AA}"/>
+                  </a:ext>
+                </a:extLst>
+              </p:cNvPr>
+              <p:cNvPicPr/>
+              <p:nvPr/>
+            </p:nvPicPr>
+            <p:blipFill>
+              <a:blip r:embed="rId25"/>
+              <a:stretch>
+                <a:fillRect/>
+              </a:stretch>
+            </p:blipFill>
+            <p:spPr>
+              <a:xfrm>
+                <a:off x="4166573" y="1816165"/>
+                <a:ext cx="4484080" cy="2103480"/>
+              </a:xfrm>
+              <a:prstGeom prst="rect">
+                <a:avLst/>
+              </a:prstGeom>
+            </p:spPr>
+          </p:pic>
+        </mc:Fallback>
+      </mc:AlternateContent>
+      <p:grpSp>
+        <p:nvGrpSpPr>
+          <p:cNvPr id="57" name="Group 56">
+            <a:extLst>
+              <a:ext uri="{FF2B5EF4-FFF2-40B4-BE49-F238E27FC236}">
+                <a16:creationId xmlns:a16="http://schemas.microsoft.com/office/drawing/2014/main" id="{40258EFF-BEEE-67F1-D1EE-E8794CCC96A2}"/>
+              </a:ext>
+            </a:extLst>
+          </p:cNvPr>
+          <p:cNvGrpSpPr/>
+          <p:nvPr/>
+        </p:nvGrpSpPr>
+        <p:grpSpPr>
+          <a:xfrm>
+            <a:off x="6863633" y="4092085"/>
+            <a:ext cx="612000" cy="2107080"/>
+            <a:chOff x="6863633" y="4092085"/>
+            <a:chExt cx="612000" cy="2107080"/>
+          </a:xfrm>
+        </p:grpSpPr>
+        <mc:AlternateContent xmlns:mc="http://schemas.openxmlformats.org/markup-compatibility/2006">
+          <mc:Choice xmlns:p14="http://schemas.microsoft.com/office/powerpoint/2010/main" Requires="p14">
+            <p:contentPart p14:bwMode="auto" r:id="rId26">
+              <p14:nvContentPartPr>
+                <p14:cNvPr id="53" name="Ink 52">
+                  <a:extLst>
+                    <a:ext uri="{FF2B5EF4-FFF2-40B4-BE49-F238E27FC236}">
+                      <a16:creationId xmlns:a16="http://schemas.microsoft.com/office/drawing/2014/main" id="{F41C41A1-F4AF-7043-64C3-6B5CEB83D133}"/>
+                    </a:ext>
+                  </a:extLst>
+                </p14:cNvPr>
+                <p14:cNvContentPartPr/>
+                <p14:nvPr/>
+              </p14:nvContentPartPr>
+              <p14:xfrm>
+                <a:off x="6863633" y="4282165"/>
+                <a:ext cx="612000" cy="1917000"/>
+              </p14:xfrm>
+            </p:contentPart>
+          </mc:Choice>
+          <mc:Fallback>
+            <p:pic>
+              <p:nvPicPr>
+                <p:cNvPr id="53" name="Ink 52">
+                  <a:extLst>
+                    <a:ext uri="{FF2B5EF4-FFF2-40B4-BE49-F238E27FC236}">
+                      <a16:creationId xmlns:a16="http://schemas.microsoft.com/office/drawing/2014/main" id="{F41C41A1-F4AF-7043-64C3-6B5CEB83D133}"/>
+                    </a:ext>
+                  </a:extLst>
+                </p:cNvPr>
+                <p:cNvPicPr/>
+                <p:nvPr/>
+              </p:nvPicPr>
+              <p:blipFill>
+                <a:blip r:embed="rId27"/>
+                <a:stretch>
+                  <a:fillRect/>
+                </a:stretch>
+              </p:blipFill>
+              <p:spPr>
+                <a:xfrm>
+                  <a:off x="6845633" y="4264165"/>
+                  <a:ext cx="647640" cy="1952640"/>
+                </a:xfrm>
+                <a:prstGeom prst="rect">
+                  <a:avLst/>
+                </a:prstGeom>
+              </p:spPr>
+            </p:pic>
+          </mc:Fallback>
+        </mc:AlternateContent>
+        <mc:AlternateContent xmlns:mc="http://schemas.openxmlformats.org/markup-compatibility/2006">
+          <mc:Choice xmlns:p14="http://schemas.microsoft.com/office/powerpoint/2010/main" Requires="p14">
+            <p:contentPart p14:bwMode="auto" r:id="rId28">
+              <p14:nvContentPartPr>
+                <p14:cNvPr id="56" name="Ink 55">
+                  <a:extLst>
+                    <a:ext uri="{FF2B5EF4-FFF2-40B4-BE49-F238E27FC236}">
+                      <a16:creationId xmlns:a16="http://schemas.microsoft.com/office/drawing/2014/main" id="{43C8E622-C57F-89BF-17F6-96A2EFE0D662}"/>
+                    </a:ext>
+                  </a:extLst>
+                </p14:cNvPr>
+                <p14:cNvContentPartPr/>
+                <p14:nvPr/>
+              </p14:nvContentPartPr>
+              <p14:xfrm>
+                <a:off x="7195913" y="4092085"/>
+                <a:ext cx="153360" cy="429480"/>
+              </p14:xfrm>
+            </p:contentPart>
+          </mc:Choice>
+          <mc:Fallback>
+            <p:pic>
+              <p:nvPicPr>
+                <p:cNvPr id="56" name="Ink 55">
+                  <a:extLst>
+                    <a:ext uri="{FF2B5EF4-FFF2-40B4-BE49-F238E27FC236}">
+                      <a16:creationId xmlns:a16="http://schemas.microsoft.com/office/drawing/2014/main" id="{43C8E622-C57F-89BF-17F6-96A2EFE0D662}"/>
+                    </a:ext>
+                  </a:extLst>
+                </p:cNvPr>
+                <p:cNvPicPr/>
+                <p:nvPr/>
+              </p:nvPicPr>
+              <p:blipFill>
+                <a:blip r:embed="rId29"/>
+                <a:stretch>
+                  <a:fillRect/>
+                </a:stretch>
+              </p:blipFill>
+              <p:spPr>
+                <a:xfrm>
+                  <a:off x="7178273" y="4074085"/>
+                  <a:ext cx="189000" cy="465120"/>
+                </a:xfrm>
+                <a:prstGeom prst="rect">
+                  <a:avLst/>
+                </a:prstGeom>
+              </p:spPr>
+            </p:pic>
+          </mc:Fallback>
+        </mc:AlternateContent>
+      </p:grpSp>
+      <mc:AlternateContent xmlns:mc="http://schemas.openxmlformats.org/markup-compatibility/2006">
+        <mc:Choice xmlns:p14="http://schemas.microsoft.com/office/powerpoint/2010/main" Requires="p14">
+          <p:contentPart p14:bwMode="auto" r:id="rId30">
+            <p14:nvContentPartPr>
+              <p14:cNvPr id="58" name="Ink 57">
+                <a:extLst>
+                  <a:ext uri="{FF2B5EF4-FFF2-40B4-BE49-F238E27FC236}">
+                    <a16:creationId xmlns:a16="http://schemas.microsoft.com/office/drawing/2014/main" id="{DA8DCE0F-EAB1-A8A9-DA25-F784D5713C6A}"/>
+                  </a:ext>
+                </a:extLst>
+              </p14:cNvPr>
+              <p14:cNvContentPartPr/>
+              <p14:nvPr/>
+            </p14:nvContentPartPr>
+            <p14:xfrm>
+              <a:off x="9190313" y="4269925"/>
+              <a:ext cx="393120" cy="1763322"/>
+            </p14:xfrm>
+          </p:contentPart>
+        </mc:Choice>
+        <mc:Fallback>
+          <p:pic>
+            <p:nvPicPr>
+              <p:cNvPr id="58" name="Ink 57">
+                <a:extLst>
+                  <a:ext uri="{FF2B5EF4-FFF2-40B4-BE49-F238E27FC236}">
+                    <a16:creationId xmlns:a16="http://schemas.microsoft.com/office/drawing/2014/main" id="{DA8DCE0F-EAB1-A8A9-DA25-F784D5713C6A}"/>
                   </a:ext>
                 </a:extLst>
               </p:cNvPr>
@@ -6564,8 +5124,8 @@
             </p:blipFill>
             <p:spPr>
               <a:xfrm>
-                <a:off x="8525691" y="1821638"/>
-                <a:ext cx="2669760" cy="995760"/>
+                <a:off x="9172673" y="4252285"/>
+                <a:ext cx="428760" cy="1798963"/>
               </a:xfrm>
               <a:prstGeom prst="rect">
                 <a:avLst/>
@@ -6578,10 +5138,10 @@
         <mc:Choice xmlns:p14="http://schemas.microsoft.com/office/powerpoint/2010/main" Requires="p14">
           <p:contentPart p14:bwMode="auto" r:id="rId32">
             <p14:nvContentPartPr>
-              <p14:cNvPr id="65" name="Ink 64">
+              <p14:cNvPr id="59" name="Ink 58">
                 <a:extLst>
                   <a:ext uri="{FF2B5EF4-FFF2-40B4-BE49-F238E27FC236}">
-                    <a16:creationId xmlns:a16="http://schemas.microsoft.com/office/drawing/2014/main" id="{A312476B-00F4-DA88-DE27-764E75A67462}"/>
+                    <a16:creationId xmlns:a16="http://schemas.microsoft.com/office/drawing/2014/main" id="{E5FC6B01-F4D4-3C02-37E5-BA0740D555E0}"/>
                   </a:ext>
                 </a:extLst>
               </p14:cNvPr>
@@ -6589,18 +5149,18 @@
               <p14:nvPr/>
             </p14:nvContentPartPr>
             <p14:xfrm>
-              <a:off x="4894731" y="5841758"/>
-              <a:ext cx="1152000" cy="543960"/>
+              <a:off x="9590978" y="5023535"/>
+              <a:ext cx="339480" cy="423360"/>
             </p14:xfrm>
           </p:contentPart>
         </mc:Choice>
         <mc:Fallback>
           <p:pic>
             <p:nvPicPr>
-              <p:cNvPr id="65" name="Ink 64">
+              <p:cNvPr id="59" name="Ink 58">
                 <a:extLst>
                   <a:ext uri="{FF2B5EF4-FFF2-40B4-BE49-F238E27FC236}">
-                    <a16:creationId xmlns:a16="http://schemas.microsoft.com/office/drawing/2014/main" id="{A312476B-00F4-DA88-DE27-764E75A67462}"/>
+                    <a16:creationId xmlns:a16="http://schemas.microsoft.com/office/drawing/2014/main" id="{E5FC6B01-F4D4-3C02-37E5-BA0740D555E0}"/>
                   </a:ext>
                 </a:extLst>
               </p:cNvPr>
@@ -6615,8 +5175,8 @@
             </p:blipFill>
             <p:spPr>
               <a:xfrm>
-                <a:off x="4877091" y="5823758"/>
-                <a:ext cx="1187640" cy="579600"/>
+                <a:off x="9573338" y="5005895"/>
+                <a:ext cx="375120" cy="459000"/>
               </a:xfrm>
               <a:prstGeom prst="rect">
                 <a:avLst/>

--- a/assets/diagram.pptx
+++ b/assets/diagram.pptx
@@ -4278,8 +4278,8 @@
           </a:p>
         </p:txBody>
       </p:sp>
-      <mc:AlternateContent xmlns:mc="http://schemas.openxmlformats.org/markup-compatibility/2006">
-        <mc:Choice xmlns:p14="http://schemas.microsoft.com/office/powerpoint/2010/main" Requires="p14">
+      <mc:AlternateContent xmlns:mc="http://schemas.openxmlformats.org/markup-compatibility/2006" xmlns:p14="http://schemas.microsoft.com/office/powerpoint/2010/main">
+        <mc:Choice Requires="p14">
           <p:contentPart p14:bwMode="auto" r:id="rId2">
             <p14:nvContentPartPr>
               <p14:cNvPr id="27" name="Ink 26">
@@ -4298,7 +4298,7 @@
             </p14:xfrm>
           </p:contentPart>
         </mc:Choice>
-        <mc:Fallback>
+        <mc:Fallback xmlns="">
           <p:pic>
             <p:nvPicPr>
               <p:cNvPr id="27" name="Ink 26">
@@ -4344,7 +4344,7 @@
               <p14:nvPr/>
             </p14:nvContentPartPr>
             <p14:xfrm>
-              <a:off x="5060230" y="606592"/>
+              <a:off x="9161633" y="2366655"/>
               <a:ext cx="1290600" cy="4320"/>
             </p14:xfrm>
           </p:contentPart>
@@ -4370,7 +4370,7 @@
             </p:blipFill>
             <p:spPr>
               <a:xfrm>
-                <a:off x="5042230" y="589977"/>
+                <a:off x="9143633" y="2350040"/>
                 <a:ext cx="1326240" cy="37218"/>
               </a:xfrm>
               <a:prstGeom prst="rect">
@@ -4395,7 +4395,7 @@
               <p14:nvPr/>
             </p14:nvContentPartPr>
             <p14:xfrm>
-              <a:off x="5094430" y="1164952"/>
+              <a:off x="9195833" y="2925015"/>
               <a:ext cx="1263240" cy="12960"/>
             </p14:xfrm>
           </p:contentPart>
@@ -4421,7 +4421,7 @@
             </p:blipFill>
             <p:spPr>
               <a:xfrm>
-                <a:off x="5076430" y="1146952"/>
+                <a:off x="9177833" y="2907015"/>
                 <a:ext cx="1298880" cy="48600"/>
               </a:xfrm>
               <a:prstGeom prst="rect">
@@ -4445,7 +4445,7 @@
         </p:nvSpPr>
         <p:spPr>
           <a:xfrm>
-            <a:off x="6534070" y="421926"/>
+            <a:off x="10635473" y="2181989"/>
             <a:ext cx="1268552" cy="369332"/>
           </a:xfrm>
           <a:prstGeom prst="rect">
@@ -4480,7 +4480,7 @@
         </p:nvSpPr>
         <p:spPr>
           <a:xfrm>
-            <a:off x="6534070" y="981048"/>
+            <a:off x="10635473" y="2741111"/>
             <a:ext cx="1007007" cy="369332"/>
           </a:xfrm>
           <a:prstGeom prst="rect">
@@ -4501,8 +4501,8 @@
           </a:p>
         </p:txBody>
       </p:sp>
-      <mc:AlternateContent xmlns:mc="http://schemas.openxmlformats.org/markup-compatibility/2006">
-        <mc:Choice xmlns:p14="http://schemas.microsoft.com/office/powerpoint/2010/main" Requires="p14">
+      <mc:AlternateContent xmlns:mc="http://schemas.openxmlformats.org/markup-compatibility/2006" xmlns:p14="http://schemas.microsoft.com/office/powerpoint/2010/main">
+        <mc:Choice Requires="p14">
           <p:contentPart p14:bwMode="auto" r:id="rId8">
             <p14:nvContentPartPr>
               <p14:cNvPr id="49" name="Ink 48">
@@ -4521,7 +4521,7 @@
             </p14:xfrm>
           </p:contentPart>
         </mc:Choice>
-        <mc:Fallback>
+        <mc:Fallback xmlns="">
           <p:pic>
             <p:nvPicPr>
               <p:cNvPr id="49" name="Ink 48">
@@ -4552,8 +4552,8 @@
           </p:pic>
         </mc:Fallback>
       </mc:AlternateContent>
-      <mc:AlternateContent xmlns:mc="http://schemas.openxmlformats.org/markup-compatibility/2006">
-        <mc:Choice xmlns:p14="http://schemas.microsoft.com/office/powerpoint/2010/main" Requires="p14">
+      <mc:AlternateContent xmlns:mc="http://schemas.openxmlformats.org/markup-compatibility/2006" xmlns:p14="http://schemas.microsoft.com/office/powerpoint/2010/main">
+        <mc:Choice Requires="p14">
           <p:contentPart p14:bwMode="auto" r:id="rId10">
             <p14:nvContentPartPr>
               <p14:cNvPr id="50" name="Ink 49">
@@ -4572,7 +4572,7 @@
             </p14:xfrm>
           </p:contentPart>
         </mc:Choice>
-        <mc:Fallback>
+        <mc:Fallback xmlns="">
           <p:pic>
             <p:nvPicPr>
               <p:cNvPr id="50" name="Ink 49">
@@ -4603,8 +4603,8 @@
           </p:pic>
         </mc:Fallback>
       </mc:AlternateContent>
-      <mc:AlternateContent xmlns:mc="http://schemas.openxmlformats.org/markup-compatibility/2006">
-        <mc:Choice xmlns:p14="http://schemas.microsoft.com/office/powerpoint/2010/main" Requires="p14">
+      <mc:AlternateContent xmlns:mc="http://schemas.openxmlformats.org/markup-compatibility/2006" xmlns:p14="http://schemas.microsoft.com/office/powerpoint/2010/main">
+        <mc:Choice Requires="p14">
           <p:contentPart p14:bwMode="auto" r:id="rId12">
             <p14:nvContentPartPr>
               <p14:cNvPr id="51" name="Ink 50">
@@ -4623,7 +4623,7 @@
             </p14:xfrm>
           </p:contentPart>
         </mc:Choice>
-        <mc:Fallback>
+        <mc:Fallback xmlns="">
           <p:pic>
             <p:nvPicPr>
               <p:cNvPr id="51" name="Ink 50">
@@ -4654,8 +4654,8 @@
           </p:pic>
         </mc:Fallback>
       </mc:AlternateContent>
-      <mc:AlternateContent xmlns:mc="http://schemas.openxmlformats.org/markup-compatibility/2006">
-        <mc:Choice xmlns:p14="http://schemas.microsoft.com/office/powerpoint/2010/main" Requires="p14">
+      <mc:AlternateContent xmlns:mc="http://schemas.openxmlformats.org/markup-compatibility/2006" xmlns:p14="http://schemas.microsoft.com/office/powerpoint/2010/main">
+        <mc:Choice Requires="p14">
           <p:contentPart p14:bwMode="auto" r:id="rId14">
             <p14:nvContentPartPr>
               <p14:cNvPr id="54" name="Ink 53">
@@ -4674,7 +4674,7 @@
             </p14:xfrm>
           </p:contentPart>
         </mc:Choice>
-        <mc:Fallback>
+        <mc:Fallback xmlns="">
           <p:pic>
             <p:nvPicPr>
               <p:cNvPr id="54" name="Ink 53">
@@ -4705,8 +4705,8 @@
           </p:pic>
         </mc:Fallback>
       </mc:AlternateContent>
-      <mc:AlternateContent xmlns:mc="http://schemas.openxmlformats.org/markup-compatibility/2006">
-        <mc:Choice xmlns:p14="http://schemas.microsoft.com/office/powerpoint/2010/main" Requires="p14">
+      <mc:AlternateContent xmlns:mc="http://schemas.openxmlformats.org/markup-compatibility/2006" xmlns:p14="http://schemas.microsoft.com/office/powerpoint/2010/main">
+        <mc:Choice Requires="p14">
           <p:contentPart p14:bwMode="auto" r:id="rId16">
             <p14:nvContentPartPr>
               <p14:cNvPr id="5" name="Ink 4">
@@ -4725,7 +4725,7 @@
             </p14:xfrm>
           </p:contentPart>
         </mc:Choice>
-        <mc:Fallback>
+        <mc:Fallback xmlns="">
           <p:pic>
             <p:nvPicPr>
               <p:cNvPr id="5" name="Ink 4">
@@ -4756,8 +4756,8 @@
           </p:pic>
         </mc:Fallback>
       </mc:AlternateContent>
-      <mc:AlternateContent xmlns:mc="http://schemas.openxmlformats.org/markup-compatibility/2006">
-        <mc:Choice xmlns:p14="http://schemas.microsoft.com/office/powerpoint/2010/main" Requires="p14">
+      <mc:AlternateContent xmlns:mc="http://schemas.openxmlformats.org/markup-compatibility/2006" xmlns:p14="http://schemas.microsoft.com/office/powerpoint/2010/main">
+        <mc:Choice Requires="p14">
           <p:contentPart p14:bwMode="auto" r:id="rId18">
             <p14:nvContentPartPr>
               <p14:cNvPr id="11" name="Ink 10">
@@ -4776,7 +4776,7 @@
             </p14:xfrm>
           </p:contentPart>
         </mc:Choice>
-        <mc:Fallback>
+        <mc:Fallback xmlns="">
           <p:pic>
             <p:nvPicPr>
               <p:cNvPr id="11" name="Ink 10">
@@ -4807,8 +4807,8 @@
           </p:pic>
         </mc:Fallback>
       </mc:AlternateContent>
-      <mc:AlternateContent xmlns:mc="http://schemas.openxmlformats.org/markup-compatibility/2006">
-        <mc:Choice xmlns:p14="http://schemas.microsoft.com/office/powerpoint/2010/main" Requires="p14">
+      <mc:AlternateContent xmlns:mc="http://schemas.openxmlformats.org/markup-compatibility/2006" xmlns:p14="http://schemas.microsoft.com/office/powerpoint/2010/main">
+        <mc:Choice Requires="p14">
           <p:contentPart p14:bwMode="auto" r:id="rId20">
             <p14:nvContentPartPr>
               <p14:cNvPr id="12" name="Ink 11">
@@ -4827,7 +4827,7 @@
             </p14:xfrm>
           </p:contentPart>
         </mc:Choice>
-        <mc:Fallback>
+        <mc:Fallback xmlns="">
           <p:pic>
             <p:nvPicPr>
               <p:cNvPr id="12" name="Ink 11">
@@ -4858,8 +4858,8 @@
           </p:pic>
         </mc:Fallback>
       </mc:AlternateContent>
-      <mc:AlternateContent xmlns:mc="http://schemas.openxmlformats.org/markup-compatibility/2006">
-        <mc:Choice xmlns:p14="http://schemas.microsoft.com/office/powerpoint/2010/main" Requires="p14">
+      <mc:AlternateContent xmlns:mc="http://schemas.openxmlformats.org/markup-compatibility/2006" xmlns:p14="http://schemas.microsoft.com/office/powerpoint/2010/main">
+        <mc:Choice Requires="p14">
           <p:contentPart p14:bwMode="auto" r:id="rId22">
             <p14:nvContentPartPr>
               <p14:cNvPr id="28" name="Ink 27">
@@ -4878,7 +4878,7 @@
             </p14:xfrm>
           </p:contentPart>
         </mc:Choice>
-        <mc:Fallback>
+        <mc:Fallback xmlns="">
           <p:pic>
             <p:nvPicPr>
               <p:cNvPr id="28" name="Ink 27">
@@ -4909,8 +4909,8 @@
           </p:pic>
         </mc:Fallback>
       </mc:AlternateContent>
-      <mc:AlternateContent xmlns:mc="http://schemas.openxmlformats.org/markup-compatibility/2006">
-        <mc:Choice xmlns:p14="http://schemas.microsoft.com/office/powerpoint/2010/main" Requires="p14">
+      <mc:AlternateContent xmlns:mc="http://schemas.openxmlformats.org/markup-compatibility/2006" xmlns:p14="http://schemas.microsoft.com/office/powerpoint/2010/main">
+        <mc:Choice Requires="p14">
           <p:contentPart p14:bwMode="auto" r:id="rId24">
             <p14:nvContentPartPr>
               <p14:cNvPr id="41" name="Ink 40">
@@ -4929,7 +4929,7 @@
             </p14:xfrm>
           </p:contentPart>
         </mc:Choice>
-        <mc:Fallback>
+        <mc:Fallback xmlns="">
           <p:pic>
             <p:nvPicPr>
               <p:cNvPr id="41" name="Ink 40">
@@ -4980,8 +4980,8 @@
             <a:chExt cx="612000" cy="2107080"/>
           </a:xfrm>
         </p:grpSpPr>
-        <mc:AlternateContent xmlns:mc="http://schemas.openxmlformats.org/markup-compatibility/2006">
-          <mc:Choice xmlns:p14="http://schemas.microsoft.com/office/powerpoint/2010/main" Requires="p14">
+        <mc:AlternateContent xmlns:mc="http://schemas.openxmlformats.org/markup-compatibility/2006" xmlns:p14="http://schemas.microsoft.com/office/powerpoint/2010/main">
+          <mc:Choice Requires="p14">
             <p:contentPart p14:bwMode="auto" r:id="rId26">
               <p14:nvContentPartPr>
                 <p14:cNvPr id="53" name="Ink 52">
@@ -5000,7 +5000,7 @@
               </p14:xfrm>
             </p:contentPart>
           </mc:Choice>
-          <mc:Fallback>
+          <mc:Fallback xmlns="">
             <p:pic>
               <p:nvPicPr>
                 <p:cNvPr id="53" name="Ink 52">
@@ -5031,8 +5031,8 @@
             </p:pic>
           </mc:Fallback>
         </mc:AlternateContent>
-        <mc:AlternateContent xmlns:mc="http://schemas.openxmlformats.org/markup-compatibility/2006">
-          <mc:Choice xmlns:p14="http://schemas.microsoft.com/office/powerpoint/2010/main" Requires="p14">
+        <mc:AlternateContent xmlns:mc="http://schemas.openxmlformats.org/markup-compatibility/2006" xmlns:p14="http://schemas.microsoft.com/office/powerpoint/2010/main">
+          <mc:Choice Requires="p14">
             <p:contentPart p14:bwMode="auto" r:id="rId28">
               <p14:nvContentPartPr>
                 <p14:cNvPr id="56" name="Ink 55">
@@ -5051,7 +5051,7 @@
               </p14:xfrm>
             </p:contentPart>
           </mc:Choice>
-          <mc:Fallback>
+          <mc:Fallback xmlns="">
             <p:pic>
               <p:nvPicPr>
                 <p:cNvPr id="56" name="Ink 55">
@@ -5083,8 +5083,8 @@
           </mc:Fallback>
         </mc:AlternateContent>
       </p:grpSp>
-      <mc:AlternateContent xmlns:mc="http://schemas.openxmlformats.org/markup-compatibility/2006">
-        <mc:Choice xmlns:p14="http://schemas.microsoft.com/office/powerpoint/2010/main" Requires="p14">
+      <mc:AlternateContent xmlns:mc="http://schemas.openxmlformats.org/markup-compatibility/2006" xmlns:p14="http://schemas.microsoft.com/office/powerpoint/2010/main">
+        <mc:Choice Requires="p14">
           <p:contentPart p14:bwMode="auto" r:id="rId30">
             <p14:nvContentPartPr>
               <p14:cNvPr id="58" name="Ink 57">
@@ -5103,7 +5103,7 @@
             </p14:xfrm>
           </p:contentPart>
         </mc:Choice>
-        <mc:Fallback>
+        <mc:Fallback xmlns="">
           <p:pic>
             <p:nvPicPr>
               <p:cNvPr id="58" name="Ink 57">
@@ -5134,8 +5134,8 @@
           </p:pic>
         </mc:Fallback>
       </mc:AlternateContent>
-      <mc:AlternateContent xmlns:mc="http://schemas.openxmlformats.org/markup-compatibility/2006">
-        <mc:Choice xmlns:p14="http://schemas.microsoft.com/office/powerpoint/2010/main" Requires="p14">
+      <mc:AlternateContent xmlns:mc="http://schemas.openxmlformats.org/markup-compatibility/2006" xmlns:p14="http://schemas.microsoft.com/office/powerpoint/2010/main">
+        <mc:Choice Requires="p14">
           <p:contentPart p14:bwMode="auto" r:id="rId32">
             <p14:nvContentPartPr>
               <p14:cNvPr id="59" name="Ink 58">
@@ -5154,7 +5154,7 @@
             </p14:xfrm>
           </p:contentPart>
         </mc:Choice>
-        <mc:Fallback>
+        <mc:Fallback xmlns="">
           <p:pic>
             <p:nvPicPr>
               <p:cNvPr id="59" name="Ink 58">
